--- a/Proyecto Completo (EDAI)/Suministro Médico.pptx
+++ b/Proyecto Completo (EDAI)/Suministro Médico.pptx
@@ -6,7 +6,7 @@
     <p:sldMasterId id="2147484779" r:id="rId2"/>
   </p:sldMasterIdLst>
   <p:notesMasterIdLst>
-    <p:notesMasterId r:id="rId18"/>
+    <p:notesMasterId r:id="rId19"/>
   </p:notesMasterIdLst>
   <p:sldIdLst>
     <p:sldId id="258" r:id="rId3"/>
@@ -18,12 +18,13 @@
     <p:sldId id="266" r:id="rId9"/>
     <p:sldId id="267" r:id="rId10"/>
     <p:sldId id="268" r:id="rId11"/>
-    <p:sldId id="270" r:id="rId12"/>
-    <p:sldId id="271" r:id="rId13"/>
-    <p:sldId id="269" r:id="rId14"/>
-    <p:sldId id="262" r:id="rId15"/>
-    <p:sldId id="263" r:id="rId16"/>
-    <p:sldId id="273" r:id="rId17"/>
+    <p:sldId id="275" r:id="rId12"/>
+    <p:sldId id="270" r:id="rId13"/>
+    <p:sldId id="271" r:id="rId14"/>
+    <p:sldId id="269" r:id="rId15"/>
+    <p:sldId id="262" r:id="rId16"/>
+    <p:sldId id="263" r:id="rId17"/>
+    <p:sldId id="273" r:id="rId18"/>
   </p:sldIdLst>
   <p:sldSz cx="12192000" cy="6858000"/>
   <p:notesSz cx="6858000" cy="9144000"/>
@@ -2723,788 +2724,6 @@
 </file>
 
 <file path=ppt/diagrams/colors4.xml><?xml version="1.0" encoding="utf-8"?>
-<dgm:colorsDef xmlns:dgm="http://schemas.openxmlformats.org/drawingml/2006/diagram" xmlns:a="http://schemas.openxmlformats.org/drawingml/2006/main" uniqueId="urn:microsoft.com/office/officeart/2005/8/colors/colorful2">
-  <dgm:title val=""/>
-  <dgm:desc val=""/>
-  <dgm:catLst>
-    <dgm:cat type="colorful" pri="10200"/>
-  </dgm:catLst>
-  <dgm:styleLbl name="node0">
-    <dgm:fillClrLst meth="repeat">
-      <a:schemeClr val="accent1"/>
-    </dgm:fillClrLst>
-    <dgm:linClrLst meth="repeat">
-      <a:schemeClr val="lt1"/>
-    </dgm:linClrLst>
-    <dgm:effectClrLst/>
-    <dgm:txLinClrLst/>
-    <dgm:txFillClrLst/>
-    <dgm:txEffectClrLst/>
-  </dgm:styleLbl>
-  <dgm:styleLbl name="node1">
-    <dgm:fillClrLst>
-      <a:schemeClr val="accent2"/>
-      <a:schemeClr val="accent3"/>
-    </dgm:fillClrLst>
-    <dgm:linClrLst meth="repeat">
-      <a:schemeClr val="lt1"/>
-    </dgm:linClrLst>
-    <dgm:effectClrLst/>
-    <dgm:txLinClrLst/>
-    <dgm:txFillClrLst/>
-    <dgm:txEffectClrLst/>
-  </dgm:styleLbl>
-  <dgm:styleLbl name="alignNode1">
-    <dgm:fillClrLst>
-      <a:schemeClr val="accent2"/>
-      <a:schemeClr val="accent3"/>
-    </dgm:fillClrLst>
-    <dgm:linClrLst>
-      <a:schemeClr val="accent2"/>
-      <a:schemeClr val="accent3"/>
-    </dgm:linClrLst>
-    <dgm:effectClrLst/>
-    <dgm:txLinClrLst/>
-    <dgm:txFillClrLst/>
-    <dgm:txEffectClrLst/>
-  </dgm:styleLbl>
-  <dgm:styleLbl name="lnNode1">
-    <dgm:fillClrLst>
-      <a:schemeClr val="accent2"/>
-      <a:schemeClr val="accent3"/>
-    </dgm:fillClrLst>
-    <dgm:linClrLst meth="repeat">
-      <a:schemeClr val="lt1"/>
-    </dgm:linClrLst>
-    <dgm:effectClrLst/>
-    <dgm:txLinClrLst/>
-    <dgm:txFillClrLst/>
-    <dgm:txEffectClrLst/>
-  </dgm:styleLbl>
-  <dgm:styleLbl name="vennNode1">
-    <dgm:fillClrLst>
-      <a:schemeClr val="accent2">
-        <a:alpha val="50000"/>
-      </a:schemeClr>
-      <a:schemeClr val="accent3">
-        <a:alpha val="50000"/>
-      </a:schemeClr>
-    </dgm:fillClrLst>
-    <dgm:linClrLst meth="repeat">
-      <a:schemeClr val="lt1"/>
-    </dgm:linClrLst>
-    <dgm:effectClrLst/>
-    <dgm:txLinClrLst/>
-    <dgm:txFillClrLst/>
-    <dgm:txEffectClrLst/>
-  </dgm:styleLbl>
-  <dgm:styleLbl name="node2">
-    <dgm:fillClrLst>
-      <a:schemeClr val="accent3"/>
-    </dgm:fillClrLst>
-    <dgm:linClrLst meth="repeat">
-      <a:schemeClr val="lt1"/>
-    </dgm:linClrLst>
-    <dgm:effectClrLst/>
-    <dgm:txLinClrLst/>
-    <dgm:txFillClrLst/>
-    <dgm:txEffectClrLst/>
-  </dgm:styleLbl>
-  <dgm:styleLbl name="node3">
-    <dgm:fillClrLst>
-      <a:schemeClr val="accent4"/>
-    </dgm:fillClrLst>
-    <dgm:linClrLst meth="repeat">
-      <a:schemeClr val="lt1"/>
-    </dgm:linClrLst>
-    <dgm:effectClrLst/>
-    <dgm:txLinClrLst/>
-    <dgm:txFillClrLst/>
-    <dgm:txEffectClrLst/>
-  </dgm:styleLbl>
-  <dgm:styleLbl name="node4">
-    <dgm:fillClrLst>
-      <a:schemeClr val="accent5"/>
-    </dgm:fillClrLst>
-    <dgm:linClrLst meth="repeat">
-      <a:schemeClr val="lt1"/>
-    </dgm:linClrLst>
-    <dgm:effectClrLst/>
-    <dgm:txLinClrLst/>
-    <dgm:txFillClrLst/>
-    <dgm:txEffectClrLst/>
-  </dgm:styleLbl>
-  <dgm:styleLbl name="fgImgPlace1">
-    <dgm:fillClrLst>
-      <a:schemeClr val="accent2">
-        <a:tint val="50000"/>
-      </a:schemeClr>
-      <a:schemeClr val="accent3">
-        <a:tint val="50000"/>
-      </a:schemeClr>
-    </dgm:fillClrLst>
-    <dgm:linClrLst meth="repeat">
-      <a:schemeClr val="lt1"/>
-    </dgm:linClrLst>
-    <dgm:effectClrLst/>
-    <dgm:txLinClrLst/>
-    <dgm:txFillClrLst meth="repeat">
-      <a:schemeClr val="lt1"/>
-    </dgm:txFillClrLst>
-    <dgm:txEffectClrLst/>
-  </dgm:styleLbl>
-  <dgm:styleLbl name="alignImgPlace1">
-    <dgm:fillClrLst>
-      <a:schemeClr val="accent2">
-        <a:tint val="50000"/>
-      </a:schemeClr>
-      <a:schemeClr val="accent3">
-        <a:tint val="20000"/>
-      </a:schemeClr>
-    </dgm:fillClrLst>
-    <dgm:linClrLst meth="repeat">
-      <a:schemeClr val="lt1"/>
-    </dgm:linClrLst>
-    <dgm:effectClrLst/>
-    <dgm:txLinClrLst/>
-    <dgm:txFillClrLst meth="repeat">
-      <a:schemeClr val="lt1"/>
-    </dgm:txFillClrLst>
-    <dgm:txEffectClrLst/>
-  </dgm:styleLbl>
-  <dgm:styleLbl name="bgImgPlace1">
-    <dgm:fillClrLst>
-      <a:schemeClr val="accent2">
-        <a:tint val="50000"/>
-      </a:schemeClr>
-      <a:schemeClr val="accent3">
-        <a:tint val="20000"/>
-      </a:schemeClr>
-    </dgm:fillClrLst>
-    <dgm:linClrLst meth="repeat">
-      <a:schemeClr val="lt1"/>
-    </dgm:linClrLst>
-    <dgm:effectClrLst/>
-    <dgm:txLinClrLst/>
-    <dgm:txFillClrLst meth="repeat">
-      <a:schemeClr val="lt1"/>
-    </dgm:txFillClrLst>
-    <dgm:txEffectClrLst/>
-  </dgm:styleLbl>
-  <dgm:styleLbl name="sibTrans2D1">
-    <dgm:fillClrLst>
-      <a:schemeClr val="accent2"/>
-      <a:schemeClr val="accent3"/>
-    </dgm:fillClrLst>
-    <dgm:linClrLst meth="repeat">
-      <a:schemeClr val="lt1"/>
-    </dgm:linClrLst>
-    <dgm:effectClrLst/>
-    <dgm:txLinClrLst/>
-    <dgm:txFillClrLst/>
-    <dgm:txEffectClrLst/>
-  </dgm:styleLbl>
-  <dgm:styleLbl name="fgSibTrans2D1">
-    <dgm:fillClrLst>
-      <a:schemeClr val="accent2"/>
-      <a:schemeClr val="accent3"/>
-    </dgm:fillClrLst>
-    <dgm:linClrLst meth="repeat">
-      <a:schemeClr val="lt1"/>
-    </dgm:linClrLst>
-    <dgm:effectClrLst/>
-    <dgm:txLinClrLst/>
-    <dgm:txFillClrLst meth="repeat">
-      <a:schemeClr val="lt1"/>
-    </dgm:txFillClrLst>
-    <dgm:txEffectClrLst/>
-  </dgm:styleLbl>
-  <dgm:styleLbl name="bgSibTrans2D1">
-    <dgm:fillClrLst>
-      <a:schemeClr val="accent2"/>
-      <a:schemeClr val="accent3"/>
-    </dgm:fillClrLst>
-    <dgm:linClrLst meth="repeat">
-      <a:schemeClr val="lt1"/>
-    </dgm:linClrLst>
-    <dgm:effectClrLst/>
-    <dgm:txLinClrLst/>
-    <dgm:txFillClrLst meth="repeat">
-      <a:schemeClr val="lt1"/>
-    </dgm:txFillClrLst>
-    <dgm:txEffectClrLst/>
-  </dgm:styleLbl>
-  <dgm:styleLbl name="sibTrans1D1">
-    <dgm:fillClrLst/>
-    <dgm:linClrLst>
-      <a:schemeClr val="accent2"/>
-      <a:schemeClr val="accent3"/>
-    </dgm:linClrLst>
-    <dgm:effectClrLst/>
-    <dgm:txLinClrLst/>
-    <dgm:txFillClrLst meth="repeat">
-      <a:schemeClr val="tx1"/>
-    </dgm:txFillClrLst>
-    <dgm:txEffectClrLst/>
-  </dgm:styleLbl>
-  <dgm:styleLbl name="callout">
-    <dgm:fillClrLst meth="repeat">
-      <a:schemeClr val="accent2"/>
-    </dgm:fillClrLst>
-    <dgm:linClrLst meth="repeat">
-      <a:schemeClr val="accent2">
-        <a:tint val="50000"/>
-      </a:schemeClr>
-    </dgm:linClrLst>
-    <dgm:effectClrLst/>
-    <dgm:txLinClrLst/>
-    <dgm:txFillClrLst meth="repeat">
-      <a:schemeClr val="tx1"/>
-    </dgm:txFillClrLst>
-    <dgm:txEffectClrLst/>
-  </dgm:styleLbl>
-  <dgm:styleLbl name="asst0">
-    <dgm:fillClrLst meth="repeat">
-      <a:schemeClr val="accent2"/>
-    </dgm:fillClrLst>
-    <dgm:linClrLst meth="repeat">
-      <a:schemeClr val="lt1">
-        <a:shade val="80000"/>
-      </a:schemeClr>
-    </dgm:linClrLst>
-    <dgm:effectClrLst/>
-    <dgm:txLinClrLst/>
-    <dgm:txFillClrLst/>
-    <dgm:txEffectClrLst/>
-  </dgm:styleLbl>
-  <dgm:styleLbl name="asst1">
-    <dgm:fillClrLst meth="repeat">
-      <a:schemeClr val="accent3"/>
-    </dgm:fillClrLst>
-    <dgm:linClrLst meth="repeat">
-      <a:schemeClr val="lt1">
-        <a:shade val="80000"/>
-      </a:schemeClr>
-    </dgm:linClrLst>
-    <dgm:effectClrLst/>
-    <dgm:txLinClrLst/>
-    <dgm:txFillClrLst/>
-    <dgm:txEffectClrLst/>
-  </dgm:styleLbl>
-  <dgm:styleLbl name="asst2">
-    <dgm:fillClrLst>
-      <a:schemeClr val="accent4"/>
-    </dgm:fillClrLst>
-    <dgm:linClrLst meth="repeat">
-      <a:schemeClr val="lt1"/>
-    </dgm:linClrLst>
-    <dgm:effectClrLst/>
-    <dgm:txLinClrLst/>
-    <dgm:txFillClrLst/>
-    <dgm:txEffectClrLst/>
-  </dgm:styleLbl>
-  <dgm:styleLbl name="asst3">
-    <dgm:fillClrLst>
-      <a:schemeClr val="accent5"/>
-    </dgm:fillClrLst>
-    <dgm:linClrLst meth="repeat">
-      <a:schemeClr val="lt1"/>
-    </dgm:linClrLst>
-    <dgm:effectClrLst/>
-    <dgm:txLinClrLst/>
-    <dgm:txFillClrLst/>
-    <dgm:txEffectClrLst/>
-  </dgm:styleLbl>
-  <dgm:styleLbl name="asst4">
-    <dgm:fillClrLst>
-      <a:schemeClr val="accent6"/>
-    </dgm:fillClrLst>
-    <dgm:linClrLst meth="repeat">
-      <a:schemeClr val="lt1"/>
-    </dgm:linClrLst>
-    <dgm:effectClrLst/>
-    <dgm:txLinClrLst/>
-    <dgm:txFillClrLst/>
-    <dgm:txEffectClrLst/>
-  </dgm:styleLbl>
-  <dgm:styleLbl name="parChTrans2D1">
-    <dgm:fillClrLst meth="repeat">
-      <a:schemeClr val="accent2"/>
-    </dgm:fillClrLst>
-    <dgm:linClrLst meth="repeat">
-      <a:schemeClr val="lt1"/>
-    </dgm:linClrLst>
-    <dgm:effectClrLst/>
-    <dgm:txLinClrLst/>
-    <dgm:txFillClrLst meth="repeat">
-      <a:schemeClr val="lt1"/>
-    </dgm:txFillClrLst>
-    <dgm:txEffectClrLst/>
-  </dgm:styleLbl>
-  <dgm:styleLbl name="parChTrans2D2">
-    <dgm:fillClrLst meth="repeat">
-      <a:schemeClr val="accent3"/>
-    </dgm:fillClrLst>
-    <dgm:linClrLst meth="repeat">
-      <a:schemeClr val="lt1"/>
-    </dgm:linClrLst>
-    <dgm:effectClrLst/>
-    <dgm:txLinClrLst/>
-    <dgm:txFillClrLst/>
-    <dgm:txEffectClrLst/>
-  </dgm:styleLbl>
-  <dgm:styleLbl name="parChTrans2D3">
-    <dgm:fillClrLst meth="repeat">
-      <a:schemeClr val="accent4"/>
-    </dgm:fillClrLst>
-    <dgm:linClrLst meth="repeat">
-      <a:schemeClr val="lt1"/>
-    </dgm:linClrLst>
-    <dgm:effectClrLst/>
-    <dgm:txLinClrLst/>
-    <dgm:txFillClrLst/>
-    <dgm:txEffectClrLst/>
-  </dgm:styleLbl>
-  <dgm:styleLbl name="parChTrans2D4">
-    <dgm:fillClrLst meth="repeat">
-      <a:schemeClr val="accent5"/>
-    </dgm:fillClrLst>
-    <dgm:linClrLst meth="repeat">
-      <a:schemeClr val="lt1"/>
-    </dgm:linClrLst>
-    <dgm:effectClrLst/>
-    <dgm:txLinClrLst/>
-    <dgm:txFillClrLst meth="repeat">
-      <a:schemeClr val="lt1"/>
-    </dgm:txFillClrLst>
-    <dgm:txEffectClrLst/>
-  </dgm:styleLbl>
-  <dgm:styleLbl name="parChTrans1D1">
-    <dgm:fillClrLst meth="repeat">
-      <a:schemeClr val="accent2"/>
-    </dgm:fillClrLst>
-    <dgm:linClrLst meth="repeat">
-      <a:schemeClr val="accent2"/>
-    </dgm:linClrLst>
-    <dgm:effectClrLst/>
-    <dgm:txLinClrLst/>
-    <dgm:txFillClrLst meth="repeat">
-      <a:schemeClr val="tx1"/>
-    </dgm:txFillClrLst>
-    <dgm:txEffectClrLst/>
-  </dgm:styleLbl>
-  <dgm:styleLbl name="parChTrans1D2">
-    <dgm:fillClrLst meth="repeat">
-      <a:schemeClr val="accent2">
-        <a:tint val="90000"/>
-      </a:schemeClr>
-    </dgm:fillClrLst>
-    <dgm:linClrLst meth="repeat">
-      <a:schemeClr val="accent3"/>
-    </dgm:linClrLst>
-    <dgm:effectClrLst/>
-    <dgm:txLinClrLst/>
-    <dgm:txFillClrLst meth="repeat">
-      <a:schemeClr val="tx1"/>
-    </dgm:txFillClrLst>
-    <dgm:txEffectClrLst/>
-  </dgm:styleLbl>
-  <dgm:styleLbl name="parChTrans1D3">
-    <dgm:fillClrLst meth="repeat">
-      <a:schemeClr val="accent2">
-        <a:tint val="70000"/>
-      </a:schemeClr>
-    </dgm:fillClrLst>
-    <dgm:linClrLst meth="repeat">
-      <a:schemeClr val="accent4"/>
-    </dgm:linClrLst>
-    <dgm:effectClrLst/>
-    <dgm:txLinClrLst/>
-    <dgm:txFillClrLst meth="repeat">
-      <a:schemeClr val="tx1"/>
-    </dgm:txFillClrLst>
-    <dgm:txEffectClrLst/>
-  </dgm:styleLbl>
-  <dgm:styleLbl name="parChTrans1D4">
-    <dgm:fillClrLst meth="repeat">
-      <a:schemeClr val="accent2">
-        <a:tint val="50000"/>
-      </a:schemeClr>
-    </dgm:fillClrLst>
-    <dgm:linClrLst meth="repeat">
-      <a:schemeClr val="accent5"/>
-    </dgm:linClrLst>
-    <dgm:effectClrLst/>
-    <dgm:txLinClrLst/>
-    <dgm:txFillClrLst meth="repeat">
-      <a:schemeClr val="tx1"/>
-    </dgm:txFillClrLst>
-    <dgm:txEffectClrLst/>
-  </dgm:styleLbl>
-  <dgm:styleLbl name="fgAcc1">
-    <dgm:fillClrLst meth="repeat">
-      <a:schemeClr val="lt1">
-        <a:alpha val="90000"/>
-      </a:schemeClr>
-    </dgm:fillClrLst>
-    <dgm:linClrLst>
-      <a:schemeClr val="accent2"/>
-      <a:schemeClr val="accent3"/>
-    </dgm:linClrLst>
-    <dgm:effectClrLst/>
-    <dgm:txLinClrLst/>
-    <dgm:txFillClrLst meth="repeat">
-      <a:schemeClr val="dk1"/>
-    </dgm:txFillClrLst>
-    <dgm:txEffectClrLst/>
-  </dgm:styleLbl>
-  <dgm:styleLbl name="conFgAcc1">
-    <dgm:fillClrLst meth="repeat">
-      <a:schemeClr val="lt1">
-        <a:alpha val="90000"/>
-      </a:schemeClr>
-    </dgm:fillClrLst>
-    <dgm:linClrLst>
-      <a:schemeClr val="accent2"/>
-      <a:schemeClr val="accent3"/>
-    </dgm:linClrLst>
-    <dgm:effectClrLst/>
-    <dgm:txLinClrLst/>
-    <dgm:txFillClrLst meth="repeat">
-      <a:schemeClr val="dk1"/>
-    </dgm:txFillClrLst>
-    <dgm:txEffectClrLst/>
-  </dgm:styleLbl>
-  <dgm:styleLbl name="alignAcc1">
-    <dgm:fillClrLst meth="repeat">
-      <a:schemeClr val="lt1">
-        <a:alpha val="90000"/>
-      </a:schemeClr>
-    </dgm:fillClrLst>
-    <dgm:linClrLst>
-      <a:schemeClr val="accent2"/>
-      <a:schemeClr val="accent3"/>
-    </dgm:linClrLst>
-    <dgm:effectClrLst/>
-    <dgm:txLinClrLst/>
-    <dgm:txFillClrLst meth="repeat">
-      <a:schemeClr val="dk1"/>
-    </dgm:txFillClrLst>
-    <dgm:txEffectClrLst/>
-  </dgm:styleLbl>
-  <dgm:styleLbl name="trAlignAcc1">
-    <dgm:fillClrLst meth="repeat">
-      <a:schemeClr val="lt1">
-        <a:alpha val="40000"/>
-      </a:schemeClr>
-    </dgm:fillClrLst>
-    <dgm:linClrLst meth="repeat">
-      <a:schemeClr val="accent2"/>
-    </dgm:linClrLst>
-    <dgm:effectClrLst/>
-    <dgm:txLinClrLst/>
-    <dgm:txFillClrLst meth="repeat">
-      <a:schemeClr val="dk1"/>
-    </dgm:txFillClrLst>
-    <dgm:txEffectClrLst/>
-  </dgm:styleLbl>
-  <dgm:styleLbl name="bgAcc1">
-    <dgm:fillClrLst meth="repeat">
-      <a:schemeClr val="lt1">
-        <a:alpha val="90000"/>
-      </a:schemeClr>
-    </dgm:fillClrLst>
-    <dgm:linClrLst>
-      <a:schemeClr val="accent2"/>
-      <a:schemeClr val="accent3"/>
-    </dgm:linClrLst>
-    <dgm:effectClrLst/>
-    <dgm:txLinClrLst/>
-    <dgm:txFillClrLst meth="repeat">
-      <a:schemeClr val="dk1"/>
-    </dgm:txFillClrLst>
-    <dgm:txEffectClrLst/>
-  </dgm:styleLbl>
-  <dgm:styleLbl name="solidFgAcc1">
-    <dgm:fillClrLst meth="repeat">
-      <a:schemeClr val="lt1"/>
-    </dgm:fillClrLst>
-    <dgm:linClrLst>
-      <a:schemeClr val="accent2"/>
-      <a:schemeClr val="accent3"/>
-    </dgm:linClrLst>
-    <dgm:effectClrLst/>
-    <dgm:txLinClrLst/>
-    <dgm:txFillClrLst meth="repeat">
-      <a:schemeClr val="dk1"/>
-    </dgm:txFillClrLst>
-    <dgm:txEffectClrLst/>
-  </dgm:styleLbl>
-  <dgm:styleLbl name="solidAlignAcc1">
-    <dgm:fillClrLst meth="repeat">
-      <a:schemeClr val="lt1"/>
-    </dgm:fillClrLst>
-    <dgm:linClrLst>
-      <a:schemeClr val="accent2"/>
-      <a:schemeClr val="accent3"/>
-    </dgm:linClrLst>
-    <dgm:effectClrLst/>
-    <dgm:txLinClrLst/>
-    <dgm:txFillClrLst meth="repeat">
-      <a:schemeClr val="dk1"/>
-    </dgm:txFillClrLst>
-    <dgm:txEffectClrLst/>
-  </dgm:styleLbl>
-  <dgm:styleLbl name="solidBgAcc1">
-    <dgm:fillClrLst meth="repeat">
-      <a:schemeClr val="lt1"/>
-    </dgm:fillClrLst>
-    <dgm:linClrLst>
-      <a:schemeClr val="accent2"/>
-      <a:schemeClr val="accent3"/>
-    </dgm:linClrLst>
-    <dgm:effectClrLst/>
-    <dgm:txLinClrLst/>
-    <dgm:txFillClrLst meth="repeat">
-      <a:schemeClr val="dk1"/>
-    </dgm:txFillClrLst>
-    <dgm:txEffectClrLst/>
-  </dgm:styleLbl>
-  <dgm:styleLbl name="fgAccFollowNode1">
-    <dgm:fillClrLst>
-      <a:schemeClr val="accent2">
-        <a:tint val="40000"/>
-        <a:alpha val="90000"/>
-      </a:schemeClr>
-      <a:schemeClr val="accent3">
-        <a:tint val="40000"/>
-        <a:alpha val="90000"/>
-      </a:schemeClr>
-    </dgm:fillClrLst>
-    <dgm:linClrLst>
-      <a:schemeClr val="accent2">
-        <a:tint val="40000"/>
-        <a:alpha val="90000"/>
-      </a:schemeClr>
-      <a:schemeClr val="accent3">
-        <a:tint val="40000"/>
-        <a:alpha val="90000"/>
-      </a:schemeClr>
-    </dgm:linClrLst>
-    <dgm:effectClrLst/>
-    <dgm:txLinClrLst/>
-    <dgm:txFillClrLst meth="repeat">
-      <a:schemeClr val="dk1"/>
-    </dgm:txFillClrLst>
-    <dgm:txEffectClrLst/>
-  </dgm:styleLbl>
-  <dgm:styleLbl name="alignAccFollowNode1">
-    <dgm:fillClrLst>
-      <a:schemeClr val="accent2">
-        <a:tint val="40000"/>
-        <a:alpha val="90000"/>
-      </a:schemeClr>
-      <a:schemeClr val="accent3">
-        <a:tint val="40000"/>
-        <a:alpha val="90000"/>
-      </a:schemeClr>
-    </dgm:fillClrLst>
-    <dgm:linClrLst>
-      <a:schemeClr val="accent2">
-        <a:tint val="40000"/>
-        <a:alpha val="90000"/>
-      </a:schemeClr>
-      <a:schemeClr val="accent3">
-        <a:tint val="40000"/>
-        <a:alpha val="90000"/>
-      </a:schemeClr>
-    </dgm:linClrLst>
-    <dgm:effectClrLst/>
-    <dgm:txLinClrLst/>
-    <dgm:txFillClrLst meth="repeat">
-      <a:schemeClr val="dk1"/>
-    </dgm:txFillClrLst>
-    <dgm:txEffectClrLst/>
-  </dgm:styleLbl>
-  <dgm:styleLbl name="bgAccFollowNode1">
-    <dgm:fillClrLst>
-      <a:schemeClr val="accent2">
-        <a:tint val="40000"/>
-        <a:alpha val="90000"/>
-      </a:schemeClr>
-      <a:schemeClr val="accent3">
-        <a:tint val="40000"/>
-        <a:alpha val="90000"/>
-      </a:schemeClr>
-    </dgm:fillClrLst>
-    <dgm:linClrLst>
-      <a:schemeClr val="accent2">
-        <a:tint val="40000"/>
-        <a:alpha val="90000"/>
-      </a:schemeClr>
-      <a:schemeClr val="accent3">
-        <a:tint val="40000"/>
-        <a:alpha val="90000"/>
-      </a:schemeClr>
-    </dgm:linClrLst>
-    <dgm:effectClrLst/>
-    <dgm:txLinClrLst/>
-    <dgm:txFillClrLst meth="repeat">
-      <a:schemeClr val="dk1"/>
-    </dgm:txFillClrLst>
-    <dgm:txEffectClrLst/>
-  </dgm:styleLbl>
-  <dgm:styleLbl name="fgAcc0">
-    <dgm:fillClrLst meth="repeat">
-      <a:schemeClr val="lt1">
-        <a:alpha val="90000"/>
-      </a:schemeClr>
-    </dgm:fillClrLst>
-    <dgm:linClrLst>
-      <a:schemeClr val="accent1"/>
-    </dgm:linClrLst>
-    <dgm:effectClrLst/>
-    <dgm:txLinClrLst/>
-    <dgm:txFillClrLst meth="repeat">
-      <a:schemeClr val="dk1"/>
-    </dgm:txFillClrLst>
-    <dgm:txEffectClrLst/>
-  </dgm:styleLbl>
-  <dgm:styleLbl name="fgAcc2">
-    <dgm:fillClrLst meth="repeat">
-      <a:schemeClr val="lt1">
-        <a:alpha val="90000"/>
-      </a:schemeClr>
-    </dgm:fillClrLst>
-    <dgm:linClrLst>
-      <a:schemeClr val="accent3"/>
-    </dgm:linClrLst>
-    <dgm:effectClrLst/>
-    <dgm:txLinClrLst/>
-    <dgm:txFillClrLst meth="repeat">
-      <a:schemeClr val="dk1"/>
-    </dgm:txFillClrLst>
-    <dgm:txEffectClrLst/>
-  </dgm:styleLbl>
-  <dgm:styleLbl name="fgAcc3">
-    <dgm:fillClrLst meth="repeat">
-      <a:schemeClr val="lt1">
-        <a:alpha val="90000"/>
-      </a:schemeClr>
-    </dgm:fillClrLst>
-    <dgm:linClrLst>
-      <a:schemeClr val="accent4"/>
-    </dgm:linClrLst>
-    <dgm:effectClrLst/>
-    <dgm:txLinClrLst/>
-    <dgm:txFillClrLst meth="repeat">
-      <a:schemeClr val="dk1"/>
-    </dgm:txFillClrLst>
-    <dgm:txEffectClrLst/>
-  </dgm:styleLbl>
-  <dgm:styleLbl name="fgAcc4">
-    <dgm:fillClrLst meth="repeat">
-      <a:schemeClr val="lt1">
-        <a:alpha val="90000"/>
-      </a:schemeClr>
-    </dgm:fillClrLst>
-    <dgm:linClrLst>
-      <a:schemeClr val="accent5"/>
-    </dgm:linClrLst>
-    <dgm:effectClrLst/>
-    <dgm:txLinClrLst/>
-    <dgm:txFillClrLst meth="repeat">
-      <a:schemeClr val="dk1"/>
-    </dgm:txFillClrLst>
-    <dgm:txEffectClrLst/>
-  </dgm:styleLbl>
-  <dgm:styleLbl name="bgShp">
-    <dgm:fillClrLst meth="repeat">
-      <a:schemeClr val="accent2">
-        <a:tint val="40000"/>
-      </a:schemeClr>
-    </dgm:fillClrLst>
-    <dgm:linClrLst meth="repeat">
-      <a:schemeClr val="dk1"/>
-    </dgm:linClrLst>
-    <dgm:effectClrLst/>
-    <dgm:txLinClrLst/>
-    <dgm:txFillClrLst meth="repeat">
-      <a:schemeClr val="dk1"/>
-    </dgm:txFillClrLst>
-    <dgm:txEffectClrLst/>
-  </dgm:styleLbl>
-  <dgm:styleLbl name="dkBgShp">
-    <dgm:fillClrLst meth="repeat">
-      <a:schemeClr val="accent2">
-        <a:shade val="90000"/>
-      </a:schemeClr>
-    </dgm:fillClrLst>
-    <dgm:linClrLst meth="repeat">
-      <a:schemeClr val="dk1"/>
-    </dgm:linClrLst>
-    <dgm:effectClrLst/>
-    <dgm:txLinClrLst/>
-    <dgm:txFillClrLst meth="repeat">
-      <a:schemeClr val="lt1"/>
-    </dgm:txFillClrLst>
-    <dgm:txEffectClrLst/>
-  </dgm:styleLbl>
-  <dgm:styleLbl name="trBgShp">
-    <dgm:fillClrLst meth="repeat">
-      <a:schemeClr val="accent2">
-        <a:tint val="50000"/>
-        <a:alpha val="40000"/>
-      </a:schemeClr>
-    </dgm:fillClrLst>
-    <dgm:linClrLst meth="repeat">
-      <a:schemeClr val="accent2"/>
-    </dgm:linClrLst>
-    <dgm:effectClrLst/>
-    <dgm:txLinClrLst/>
-    <dgm:txFillClrLst meth="repeat">
-      <a:schemeClr val="lt1"/>
-    </dgm:txFillClrLst>
-    <dgm:txEffectClrLst/>
-  </dgm:styleLbl>
-  <dgm:styleLbl name="fgShp">
-    <dgm:fillClrLst meth="repeat">
-      <a:schemeClr val="accent2">
-        <a:tint val="40000"/>
-      </a:schemeClr>
-    </dgm:fillClrLst>
-    <dgm:linClrLst meth="repeat">
-      <a:schemeClr val="lt1"/>
-    </dgm:linClrLst>
-    <dgm:effectClrLst/>
-    <dgm:txLinClrLst/>
-    <dgm:txFillClrLst meth="repeat">
-      <a:schemeClr val="dk1"/>
-    </dgm:txFillClrLst>
-    <dgm:txEffectClrLst/>
-  </dgm:styleLbl>
-  <dgm:styleLbl name="revTx">
-    <dgm:fillClrLst meth="repeat">
-      <a:schemeClr val="lt1">
-        <a:alpha val="0"/>
-      </a:schemeClr>
-    </dgm:fillClrLst>
-    <dgm:linClrLst meth="repeat">
-      <a:schemeClr val="dk1">
-        <a:alpha val="0"/>
-      </a:schemeClr>
-    </dgm:linClrLst>
-    <dgm:effectClrLst/>
-    <dgm:txLinClrLst/>
-    <dgm:txFillClrLst meth="repeat">
-      <a:schemeClr val="tx1"/>
-    </dgm:txFillClrLst>
-    <dgm:txEffectClrLst/>
-  </dgm:styleLbl>
-</dgm:colorsDef>
-</file>
-
-<file path=ppt/diagrams/colors5.xml><?xml version="1.0" encoding="utf-8"?>
 <dgm:colorsDef xmlns:dgm="http://schemas.openxmlformats.org/drawingml/2006/diagram" xmlns:a="http://schemas.openxmlformats.org/drawingml/2006/main" uniqueId="urn:microsoft.com/office/officeart/2018/5/colors/Iconchunking_neutralicon_colorful1">
   <dgm:title val=""/>
   <dgm:desc val=""/>
@@ -4425,7 +3644,1710 @@
 </dgm:colorsDef>
 </file>
 
+<file path=ppt/diagrams/colors5.xml><?xml version="1.0" encoding="utf-8"?>
+<dgm:colorsDef xmlns:dgm="http://schemas.openxmlformats.org/drawingml/2006/diagram" xmlns:a="http://schemas.openxmlformats.org/drawingml/2006/main" uniqueId="urn:microsoft.com/office/officeart/2005/8/colors/colorful2">
+  <dgm:title val=""/>
+  <dgm:desc val=""/>
+  <dgm:catLst>
+    <dgm:cat type="colorful" pri="10200"/>
+  </dgm:catLst>
+  <dgm:styleLbl name="node0">
+    <dgm:fillClrLst meth="repeat">
+      <a:schemeClr val="accent1"/>
+    </dgm:fillClrLst>
+    <dgm:linClrLst meth="repeat">
+      <a:schemeClr val="lt1"/>
+    </dgm:linClrLst>
+    <dgm:effectClrLst/>
+    <dgm:txLinClrLst/>
+    <dgm:txFillClrLst/>
+    <dgm:txEffectClrLst/>
+  </dgm:styleLbl>
+  <dgm:styleLbl name="node1">
+    <dgm:fillClrLst>
+      <a:schemeClr val="accent2"/>
+      <a:schemeClr val="accent3"/>
+    </dgm:fillClrLst>
+    <dgm:linClrLst meth="repeat">
+      <a:schemeClr val="lt1"/>
+    </dgm:linClrLst>
+    <dgm:effectClrLst/>
+    <dgm:txLinClrLst/>
+    <dgm:txFillClrLst/>
+    <dgm:txEffectClrLst/>
+  </dgm:styleLbl>
+  <dgm:styleLbl name="alignNode1">
+    <dgm:fillClrLst>
+      <a:schemeClr val="accent2"/>
+      <a:schemeClr val="accent3"/>
+    </dgm:fillClrLst>
+    <dgm:linClrLst>
+      <a:schemeClr val="accent2"/>
+      <a:schemeClr val="accent3"/>
+    </dgm:linClrLst>
+    <dgm:effectClrLst/>
+    <dgm:txLinClrLst/>
+    <dgm:txFillClrLst/>
+    <dgm:txEffectClrLst/>
+  </dgm:styleLbl>
+  <dgm:styleLbl name="lnNode1">
+    <dgm:fillClrLst>
+      <a:schemeClr val="accent2"/>
+      <a:schemeClr val="accent3"/>
+    </dgm:fillClrLst>
+    <dgm:linClrLst meth="repeat">
+      <a:schemeClr val="lt1"/>
+    </dgm:linClrLst>
+    <dgm:effectClrLst/>
+    <dgm:txLinClrLst/>
+    <dgm:txFillClrLst/>
+    <dgm:txEffectClrLst/>
+  </dgm:styleLbl>
+  <dgm:styleLbl name="vennNode1">
+    <dgm:fillClrLst>
+      <a:schemeClr val="accent2">
+        <a:alpha val="50000"/>
+      </a:schemeClr>
+      <a:schemeClr val="accent3">
+        <a:alpha val="50000"/>
+      </a:schemeClr>
+    </dgm:fillClrLst>
+    <dgm:linClrLst meth="repeat">
+      <a:schemeClr val="lt1"/>
+    </dgm:linClrLst>
+    <dgm:effectClrLst/>
+    <dgm:txLinClrLst/>
+    <dgm:txFillClrLst/>
+    <dgm:txEffectClrLst/>
+  </dgm:styleLbl>
+  <dgm:styleLbl name="node2">
+    <dgm:fillClrLst>
+      <a:schemeClr val="accent3"/>
+    </dgm:fillClrLst>
+    <dgm:linClrLst meth="repeat">
+      <a:schemeClr val="lt1"/>
+    </dgm:linClrLst>
+    <dgm:effectClrLst/>
+    <dgm:txLinClrLst/>
+    <dgm:txFillClrLst/>
+    <dgm:txEffectClrLst/>
+  </dgm:styleLbl>
+  <dgm:styleLbl name="node3">
+    <dgm:fillClrLst>
+      <a:schemeClr val="accent4"/>
+    </dgm:fillClrLst>
+    <dgm:linClrLst meth="repeat">
+      <a:schemeClr val="lt1"/>
+    </dgm:linClrLst>
+    <dgm:effectClrLst/>
+    <dgm:txLinClrLst/>
+    <dgm:txFillClrLst/>
+    <dgm:txEffectClrLst/>
+  </dgm:styleLbl>
+  <dgm:styleLbl name="node4">
+    <dgm:fillClrLst>
+      <a:schemeClr val="accent5"/>
+    </dgm:fillClrLst>
+    <dgm:linClrLst meth="repeat">
+      <a:schemeClr val="lt1"/>
+    </dgm:linClrLst>
+    <dgm:effectClrLst/>
+    <dgm:txLinClrLst/>
+    <dgm:txFillClrLst/>
+    <dgm:txEffectClrLst/>
+  </dgm:styleLbl>
+  <dgm:styleLbl name="fgImgPlace1">
+    <dgm:fillClrLst>
+      <a:schemeClr val="accent2">
+        <a:tint val="50000"/>
+      </a:schemeClr>
+      <a:schemeClr val="accent3">
+        <a:tint val="50000"/>
+      </a:schemeClr>
+    </dgm:fillClrLst>
+    <dgm:linClrLst meth="repeat">
+      <a:schemeClr val="lt1"/>
+    </dgm:linClrLst>
+    <dgm:effectClrLst/>
+    <dgm:txLinClrLst/>
+    <dgm:txFillClrLst meth="repeat">
+      <a:schemeClr val="lt1"/>
+    </dgm:txFillClrLst>
+    <dgm:txEffectClrLst/>
+  </dgm:styleLbl>
+  <dgm:styleLbl name="alignImgPlace1">
+    <dgm:fillClrLst>
+      <a:schemeClr val="accent2">
+        <a:tint val="50000"/>
+      </a:schemeClr>
+      <a:schemeClr val="accent3">
+        <a:tint val="20000"/>
+      </a:schemeClr>
+    </dgm:fillClrLst>
+    <dgm:linClrLst meth="repeat">
+      <a:schemeClr val="lt1"/>
+    </dgm:linClrLst>
+    <dgm:effectClrLst/>
+    <dgm:txLinClrLst/>
+    <dgm:txFillClrLst meth="repeat">
+      <a:schemeClr val="lt1"/>
+    </dgm:txFillClrLst>
+    <dgm:txEffectClrLst/>
+  </dgm:styleLbl>
+  <dgm:styleLbl name="bgImgPlace1">
+    <dgm:fillClrLst>
+      <a:schemeClr val="accent2">
+        <a:tint val="50000"/>
+      </a:schemeClr>
+      <a:schemeClr val="accent3">
+        <a:tint val="20000"/>
+      </a:schemeClr>
+    </dgm:fillClrLst>
+    <dgm:linClrLst meth="repeat">
+      <a:schemeClr val="lt1"/>
+    </dgm:linClrLst>
+    <dgm:effectClrLst/>
+    <dgm:txLinClrLst/>
+    <dgm:txFillClrLst meth="repeat">
+      <a:schemeClr val="lt1"/>
+    </dgm:txFillClrLst>
+    <dgm:txEffectClrLst/>
+  </dgm:styleLbl>
+  <dgm:styleLbl name="sibTrans2D1">
+    <dgm:fillClrLst>
+      <a:schemeClr val="accent2"/>
+      <a:schemeClr val="accent3"/>
+    </dgm:fillClrLst>
+    <dgm:linClrLst meth="repeat">
+      <a:schemeClr val="lt1"/>
+    </dgm:linClrLst>
+    <dgm:effectClrLst/>
+    <dgm:txLinClrLst/>
+    <dgm:txFillClrLst/>
+    <dgm:txEffectClrLst/>
+  </dgm:styleLbl>
+  <dgm:styleLbl name="fgSibTrans2D1">
+    <dgm:fillClrLst>
+      <a:schemeClr val="accent2"/>
+      <a:schemeClr val="accent3"/>
+    </dgm:fillClrLst>
+    <dgm:linClrLst meth="repeat">
+      <a:schemeClr val="lt1"/>
+    </dgm:linClrLst>
+    <dgm:effectClrLst/>
+    <dgm:txLinClrLst/>
+    <dgm:txFillClrLst meth="repeat">
+      <a:schemeClr val="lt1"/>
+    </dgm:txFillClrLst>
+    <dgm:txEffectClrLst/>
+  </dgm:styleLbl>
+  <dgm:styleLbl name="bgSibTrans2D1">
+    <dgm:fillClrLst>
+      <a:schemeClr val="accent2"/>
+      <a:schemeClr val="accent3"/>
+    </dgm:fillClrLst>
+    <dgm:linClrLst meth="repeat">
+      <a:schemeClr val="lt1"/>
+    </dgm:linClrLst>
+    <dgm:effectClrLst/>
+    <dgm:txLinClrLst/>
+    <dgm:txFillClrLst meth="repeat">
+      <a:schemeClr val="lt1"/>
+    </dgm:txFillClrLst>
+    <dgm:txEffectClrLst/>
+  </dgm:styleLbl>
+  <dgm:styleLbl name="sibTrans1D1">
+    <dgm:fillClrLst/>
+    <dgm:linClrLst>
+      <a:schemeClr val="accent2"/>
+      <a:schemeClr val="accent3"/>
+    </dgm:linClrLst>
+    <dgm:effectClrLst/>
+    <dgm:txLinClrLst/>
+    <dgm:txFillClrLst meth="repeat">
+      <a:schemeClr val="tx1"/>
+    </dgm:txFillClrLst>
+    <dgm:txEffectClrLst/>
+  </dgm:styleLbl>
+  <dgm:styleLbl name="callout">
+    <dgm:fillClrLst meth="repeat">
+      <a:schemeClr val="accent2"/>
+    </dgm:fillClrLst>
+    <dgm:linClrLst meth="repeat">
+      <a:schemeClr val="accent2">
+        <a:tint val="50000"/>
+      </a:schemeClr>
+    </dgm:linClrLst>
+    <dgm:effectClrLst/>
+    <dgm:txLinClrLst/>
+    <dgm:txFillClrLst meth="repeat">
+      <a:schemeClr val="tx1"/>
+    </dgm:txFillClrLst>
+    <dgm:txEffectClrLst/>
+  </dgm:styleLbl>
+  <dgm:styleLbl name="asst0">
+    <dgm:fillClrLst meth="repeat">
+      <a:schemeClr val="accent2"/>
+    </dgm:fillClrLst>
+    <dgm:linClrLst meth="repeat">
+      <a:schemeClr val="lt1">
+        <a:shade val="80000"/>
+      </a:schemeClr>
+    </dgm:linClrLst>
+    <dgm:effectClrLst/>
+    <dgm:txLinClrLst/>
+    <dgm:txFillClrLst/>
+    <dgm:txEffectClrLst/>
+  </dgm:styleLbl>
+  <dgm:styleLbl name="asst1">
+    <dgm:fillClrLst meth="repeat">
+      <a:schemeClr val="accent3"/>
+    </dgm:fillClrLst>
+    <dgm:linClrLst meth="repeat">
+      <a:schemeClr val="lt1">
+        <a:shade val="80000"/>
+      </a:schemeClr>
+    </dgm:linClrLst>
+    <dgm:effectClrLst/>
+    <dgm:txLinClrLst/>
+    <dgm:txFillClrLst/>
+    <dgm:txEffectClrLst/>
+  </dgm:styleLbl>
+  <dgm:styleLbl name="asst2">
+    <dgm:fillClrLst>
+      <a:schemeClr val="accent4"/>
+    </dgm:fillClrLst>
+    <dgm:linClrLst meth="repeat">
+      <a:schemeClr val="lt1"/>
+    </dgm:linClrLst>
+    <dgm:effectClrLst/>
+    <dgm:txLinClrLst/>
+    <dgm:txFillClrLst/>
+    <dgm:txEffectClrLst/>
+  </dgm:styleLbl>
+  <dgm:styleLbl name="asst3">
+    <dgm:fillClrLst>
+      <a:schemeClr val="accent5"/>
+    </dgm:fillClrLst>
+    <dgm:linClrLst meth="repeat">
+      <a:schemeClr val="lt1"/>
+    </dgm:linClrLst>
+    <dgm:effectClrLst/>
+    <dgm:txLinClrLst/>
+    <dgm:txFillClrLst/>
+    <dgm:txEffectClrLst/>
+  </dgm:styleLbl>
+  <dgm:styleLbl name="asst4">
+    <dgm:fillClrLst>
+      <a:schemeClr val="accent6"/>
+    </dgm:fillClrLst>
+    <dgm:linClrLst meth="repeat">
+      <a:schemeClr val="lt1"/>
+    </dgm:linClrLst>
+    <dgm:effectClrLst/>
+    <dgm:txLinClrLst/>
+    <dgm:txFillClrLst/>
+    <dgm:txEffectClrLst/>
+  </dgm:styleLbl>
+  <dgm:styleLbl name="parChTrans2D1">
+    <dgm:fillClrLst meth="repeat">
+      <a:schemeClr val="accent2"/>
+    </dgm:fillClrLst>
+    <dgm:linClrLst meth="repeat">
+      <a:schemeClr val="lt1"/>
+    </dgm:linClrLst>
+    <dgm:effectClrLst/>
+    <dgm:txLinClrLst/>
+    <dgm:txFillClrLst meth="repeat">
+      <a:schemeClr val="lt1"/>
+    </dgm:txFillClrLst>
+    <dgm:txEffectClrLst/>
+  </dgm:styleLbl>
+  <dgm:styleLbl name="parChTrans2D2">
+    <dgm:fillClrLst meth="repeat">
+      <a:schemeClr val="accent3"/>
+    </dgm:fillClrLst>
+    <dgm:linClrLst meth="repeat">
+      <a:schemeClr val="lt1"/>
+    </dgm:linClrLst>
+    <dgm:effectClrLst/>
+    <dgm:txLinClrLst/>
+    <dgm:txFillClrLst/>
+    <dgm:txEffectClrLst/>
+  </dgm:styleLbl>
+  <dgm:styleLbl name="parChTrans2D3">
+    <dgm:fillClrLst meth="repeat">
+      <a:schemeClr val="accent4"/>
+    </dgm:fillClrLst>
+    <dgm:linClrLst meth="repeat">
+      <a:schemeClr val="lt1"/>
+    </dgm:linClrLst>
+    <dgm:effectClrLst/>
+    <dgm:txLinClrLst/>
+    <dgm:txFillClrLst/>
+    <dgm:txEffectClrLst/>
+  </dgm:styleLbl>
+  <dgm:styleLbl name="parChTrans2D4">
+    <dgm:fillClrLst meth="repeat">
+      <a:schemeClr val="accent5"/>
+    </dgm:fillClrLst>
+    <dgm:linClrLst meth="repeat">
+      <a:schemeClr val="lt1"/>
+    </dgm:linClrLst>
+    <dgm:effectClrLst/>
+    <dgm:txLinClrLst/>
+    <dgm:txFillClrLst meth="repeat">
+      <a:schemeClr val="lt1"/>
+    </dgm:txFillClrLst>
+    <dgm:txEffectClrLst/>
+  </dgm:styleLbl>
+  <dgm:styleLbl name="parChTrans1D1">
+    <dgm:fillClrLst meth="repeat">
+      <a:schemeClr val="accent2"/>
+    </dgm:fillClrLst>
+    <dgm:linClrLst meth="repeat">
+      <a:schemeClr val="accent2"/>
+    </dgm:linClrLst>
+    <dgm:effectClrLst/>
+    <dgm:txLinClrLst/>
+    <dgm:txFillClrLst meth="repeat">
+      <a:schemeClr val="tx1"/>
+    </dgm:txFillClrLst>
+    <dgm:txEffectClrLst/>
+  </dgm:styleLbl>
+  <dgm:styleLbl name="parChTrans1D2">
+    <dgm:fillClrLst meth="repeat">
+      <a:schemeClr val="accent2">
+        <a:tint val="90000"/>
+      </a:schemeClr>
+    </dgm:fillClrLst>
+    <dgm:linClrLst meth="repeat">
+      <a:schemeClr val="accent3"/>
+    </dgm:linClrLst>
+    <dgm:effectClrLst/>
+    <dgm:txLinClrLst/>
+    <dgm:txFillClrLst meth="repeat">
+      <a:schemeClr val="tx1"/>
+    </dgm:txFillClrLst>
+    <dgm:txEffectClrLst/>
+  </dgm:styleLbl>
+  <dgm:styleLbl name="parChTrans1D3">
+    <dgm:fillClrLst meth="repeat">
+      <a:schemeClr val="accent2">
+        <a:tint val="70000"/>
+      </a:schemeClr>
+    </dgm:fillClrLst>
+    <dgm:linClrLst meth="repeat">
+      <a:schemeClr val="accent4"/>
+    </dgm:linClrLst>
+    <dgm:effectClrLst/>
+    <dgm:txLinClrLst/>
+    <dgm:txFillClrLst meth="repeat">
+      <a:schemeClr val="tx1"/>
+    </dgm:txFillClrLst>
+    <dgm:txEffectClrLst/>
+  </dgm:styleLbl>
+  <dgm:styleLbl name="parChTrans1D4">
+    <dgm:fillClrLst meth="repeat">
+      <a:schemeClr val="accent2">
+        <a:tint val="50000"/>
+      </a:schemeClr>
+    </dgm:fillClrLst>
+    <dgm:linClrLst meth="repeat">
+      <a:schemeClr val="accent5"/>
+    </dgm:linClrLst>
+    <dgm:effectClrLst/>
+    <dgm:txLinClrLst/>
+    <dgm:txFillClrLst meth="repeat">
+      <a:schemeClr val="tx1"/>
+    </dgm:txFillClrLst>
+    <dgm:txEffectClrLst/>
+  </dgm:styleLbl>
+  <dgm:styleLbl name="fgAcc1">
+    <dgm:fillClrLst meth="repeat">
+      <a:schemeClr val="lt1">
+        <a:alpha val="90000"/>
+      </a:schemeClr>
+    </dgm:fillClrLst>
+    <dgm:linClrLst>
+      <a:schemeClr val="accent2"/>
+      <a:schemeClr val="accent3"/>
+    </dgm:linClrLst>
+    <dgm:effectClrLst/>
+    <dgm:txLinClrLst/>
+    <dgm:txFillClrLst meth="repeat">
+      <a:schemeClr val="dk1"/>
+    </dgm:txFillClrLst>
+    <dgm:txEffectClrLst/>
+  </dgm:styleLbl>
+  <dgm:styleLbl name="conFgAcc1">
+    <dgm:fillClrLst meth="repeat">
+      <a:schemeClr val="lt1">
+        <a:alpha val="90000"/>
+      </a:schemeClr>
+    </dgm:fillClrLst>
+    <dgm:linClrLst>
+      <a:schemeClr val="accent2"/>
+      <a:schemeClr val="accent3"/>
+    </dgm:linClrLst>
+    <dgm:effectClrLst/>
+    <dgm:txLinClrLst/>
+    <dgm:txFillClrLst meth="repeat">
+      <a:schemeClr val="dk1"/>
+    </dgm:txFillClrLst>
+    <dgm:txEffectClrLst/>
+  </dgm:styleLbl>
+  <dgm:styleLbl name="alignAcc1">
+    <dgm:fillClrLst meth="repeat">
+      <a:schemeClr val="lt1">
+        <a:alpha val="90000"/>
+      </a:schemeClr>
+    </dgm:fillClrLst>
+    <dgm:linClrLst>
+      <a:schemeClr val="accent2"/>
+      <a:schemeClr val="accent3"/>
+    </dgm:linClrLst>
+    <dgm:effectClrLst/>
+    <dgm:txLinClrLst/>
+    <dgm:txFillClrLst meth="repeat">
+      <a:schemeClr val="dk1"/>
+    </dgm:txFillClrLst>
+    <dgm:txEffectClrLst/>
+  </dgm:styleLbl>
+  <dgm:styleLbl name="trAlignAcc1">
+    <dgm:fillClrLst meth="repeat">
+      <a:schemeClr val="lt1">
+        <a:alpha val="40000"/>
+      </a:schemeClr>
+    </dgm:fillClrLst>
+    <dgm:linClrLst meth="repeat">
+      <a:schemeClr val="accent2"/>
+    </dgm:linClrLst>
+    <dgm:effectClrLst/>
+    <dgm:txLinClrLst/>
+    <dgm:txFillClrLst meth="repeat">
+      <a:schemeClr val="dk1"/>
+    </dgm:txFillClrLst>
+    <dgm:txEffectClrLst/>
+  </dgm:styleLbl>
+  <dgm:styleLbl name="bgAcc1">
+    <dgm:fillClrLst meth="repeat">
+      <a:schemeClr val="lt1">
+        <a:alpha val="90000"/>
+      </a:schemeClr>
+    </dgm:fillClrLst>
+    <dgm:linClrLst>
+      <a:schemeClr val="accent2"/>
+      <a:schemeClr val="accent3"/>
+    </dgm:linClrLst>
+    <dgm:effectClrLst/>
+    <dgm:txLinClrLst/>
+    <dgm:txFillClrLst meth="repeat">
+      <a:schemeClr val="dk1"/>
+    </dgm:txFillClrLst>
+    <dgm:txEffectClrLst/>
+  </dgm:styleLbl>
+  <dgm:styleLbl name="solidFgAcc1">
+    <dgm:fillClrLst meth="repeat">
+      <a:schemeClr val="lt1"/>
+    </dgm:fillClrLst>
+    <dgm:linClrLst>
+      <a:schemeClr val="accent2"/>
+      <a:schemeClr val="accent3"/>
+    </dgm:linClrLst>
+    <dgm:effectClrLst/>
+    <dgm:txLinClrLst/>
+    <dgm:txFillClrLst meth="repeat">
+      <a:schemeClr val="dk1"/>
+    </dgm:txFillClrLst>
+    <dgm:txEffectClrLst/>
+  </dgm:styleLbl>
+  <dgm:styleLbl name="solidAlignAcc1">
+    <dgm:fillClrLst meth="repeat">
+      <a:schemeClr val="lt1"/>
+    </dgm:fillClrLst>
+    <dgm:linClrLst>
+      <a:schemeClr val="accent2"/>
+      <a:schemeClr val="accent3"/>
+    </dgm:linClrLst>
+    <dgm:effectClrLst/>
+    <dgm:txLinClrLst/>
+    <dgm:txFillClrLst meth="repeat">
+      <a:schemeClr val="dk1"/>
+    </dgm:txFillClrLst>
+    <dgm:txEffectClrLst/>
+  </dgm:styleLbl>
+  <dgm:styleLbl name="solidBgAcc1">
+    <dgm:fillClrLst meth="repeat">
+      <a:schemeClr val="lt1"/>
+    </dgm:fillClrLst>
+    <dgm:linClrLst>
+      <a:schemeClr val="accent2"/>
+      <a:schemeClr val="accent3"/>
+    </dgm:linClrLst>
+    <dgm:effectClrLst/>
+    <dgm:txLinClrLst/>
+    <dgm:txFillClrLst meth="repeat">
+      <a:schemeClr val="dk1"/>
+    </dgm:txFillClrLst>
+    <dgm:txEffectClrLst/>
+  </dgm:styleLbl>
+  <dgm:styleLbl name="fgAccFollowNode1">
+    <dgm:fillClrLst>
+      <a:schemeClr val="accent2">
+        <a:tint val="40000"/>
+        <a:alpha val="90000"/>
+      </a:schemeClr>
+      <a:schemeClr val="accent3">
+        <a:tint val="40000"/>
+        <a:alpha val="90000"/>
+      </a:schemeClr>
+    </dgm:fillClrLst>
+    <dgm:linClrLst>
+      <a:schemeClr val="accent2">
+        <a:tint val="40000"/>
+        <a:alpha val="90000"/>
+      </a:schemeClr>
+      <a:schemeClr val="accent3">
+        <a:tint val="40000"/>
+        <a:alpha val="90000"/>
+      </a:schemeClr>
+    </dgm:linClrLst>
+    <dgm:effectClrLst/>
+    <dgm:txLinClrLst/>
+    <dgm:txFillClrLst meth="repeat">
+      <a:schemeClr val="dk1"/>
+    </dgm:txFillClrLst>
+    <dgm:txEffectClrLst/>
+  </dgm:styleLbl>
+  <dgm:styleLbl name="alignAccFollowNode1">
+    <dgm:fillClrLst>
+      <a:schemeClr val="accent2">
+        <a:tint val="40000"/>
+        <a:alpha val="90000"/>
+      </a:schemeClr>
+      <a:schemeClr val="accent3">
+        <a:tint val="40000"/>
+        <a:alpha val="90000"/>
+      </a:schemeClr>
+    </dgm:fillClrLst>
+    <dgm:linClrLst>
+      <a:schemeClr val="accent2">
+        <a:tint val="40000"/>
+        <a:alpha val="90000"/>
+      </a:schemeClr>
+      <a:schemeClr val="accent3">
+        <a:tint val="40000"/>
+        <a:alpha val="90000"/>
+      </a:schemeClr>
+    </dgm:linClrLst>
+    <dgm:effectClrLst/>
+    <dgm:txLinClrLst/>
+    <dgm:txFillClrLst meth="repeat">
+      <a:schemeClr val="dk1"/>
+    </dgm:txFillClrLst>
+    <dgm:txEffectClrLst/>
+  </dgm:styleLbl>
+  <dgm:styleLbl name="bgAccFollowNode1">
+    <dgm:fillClrLst>
+      <a:schemeClr val="accent2">
+        <a:tint val="40000"/>
+        <a:alpha val="90000"/>
+      </a:schemeClr>
+      <a:schemeClr val="accent3">
+        <a:tint val="40000"/>
+        <a:alpha val="90000"/>
+      </a:schemeClr>
+    </dgm:fillClrLst>
+    <dgm:linClrLst>
+      <a:schemeClr val="accent2">
+        <a:tint val="40000"/>
+        <a:alpha val="90000"/>
+      </a:schemeClr>
+      <a:schemeClr val="accent3">
+        <a:tint val="40000"/>
+        <a:alpha val="90000"/>
+      </a:schemeClr>
+    </dgm:linClrLst>
+    <dgm:effectClrLst/>
+    <dgm:txLinClrLst/>
+    <dgm:txFillClrLst meth="repeat">
+      <a:schemeClr val="dk1"/>
+    </dgm:txFillClrLst>
+    <dgm:txEffectClrLst/>
+  </dgm:styleLbl>
+  <dgm:styleLbl name="fgAcc0">
+    <dgm:fillClrLst meth="repeat">
+      <a:schemeClr val="lt1">
+        <a:alpha val="90000"/>
+      </a:schemeClr>
+    </dgm:fillClrLst>
+    <dgm:linClrLst>
+      <a:schemeClr val="accent1"/>
+    </dgm:linClrLst>
+    <dgm:effectClrLst/>
+    <dgm:txLinClrLst/>
+    <dgm:txFillClrLst meth="repeat">
+      <a:schemeClr val="dk1"/>
+    </dgm:txFillClrLst>
+    <dgm:txEffectClrLst/>
+  </dgm:styleLbl>
+  <dgm:styleLbl name="fgAcc2">
+    <dgm:fillClrLst meth="repeat">
+      <a:schemeClr val="lt1">
+        <a:alpha val="90000"/>
+      </a:schemeClr>
+    </dgm:fillClrLst>
+    <dgm:linClrLst>
+      <a:schemeClr val="accent3"/>
+    </dgm:linClrLst>
+    <dgm:effectClrLst/>
+    <dgm:txLinClrLst/>
+    <dgm:txFillClrLst meth="repeat">
+      <a:schemeClr val="dk1"/>
+    </dgm:txFillClrLst>
+    <dgm:txEffectClrLst/>
+  </dgm:styleLbl>
+  <dgm:styleLbl name="fgAcc3">
+    <dgm:fillClrLst meth="repeat">
+      <a:schemeClr val="lt1">
+        <a:alpha val="90000"/>
+      </a:schemeClr>
+    </dgm:fillClrLst>
+    <dgm:linClrLst>
+      <a:schemeClr val="accent4"/>
+    </dgm:linClrLst>
+    <dgm:effectClrLst/>
+    <dgm:txLinClrLst/>
+    <dgm:txFillClrLst meth="repeat">
+      <a:schemeClr val="dk1"/>
+    </dgm:txFillClrLst>
+    <dgm:txEffectClrLst/>
+  </dgm:styleLbl>
+  <dgm:styleLbl name="fgAcc4">
+    <dgm:fillClrLst meth="repeat">
+      <a:schemeClr val="lt1">
+        <a:alpha val="90000"/>
+      </a:schemeClr>
+    </dgm:fillClrLst>
+    <dgm:linClrLst>
+      <a:schemeClr val="accent5"/>
+    </dgm:linClrLst>
+    <dgm:effectClrLst/>
+    <dgm:txLinClrLst/>
+    <dgm:txFillClrLst meth="repeat">
+      <a:schemeClr val="dk1"/>
+    </dgm:txFillClrLst>
+    <dgm:txEffectClrLst/>
+  </dgm:styleLbl>
+  <dgm:styleLbl name="bgShp">
+    <dgm:fillClrLst meth="repeat">
+      <a:schemeClr val="accent2">
+        <a:tint val="40000"/>
+      </a:schemeClr>
+    </dgm:fillClrLst>
+    <dgm:linClrLst meth="repeat">
+      <a:schemeClr val="dk1"/>
+    </dgm:linClrLst>
+    <dgm:effectClrLst/>
+    <dgm:txLinClrLst/>
+    <dgm:txFillClrLst meth="repeat">
+      <a:schemeClr val="dk1"/>
+    </dgm:txFillClrLst>
+    <dgm:txEffectClrLst/>
+  </dgm:styleLbl>
+  <dgm:styleLbl name="dkBgShp">
+    <dgm:fillClrLst meth="repeat">
+      <a:schemeClr val="accent2">
+        <a:shade val="90000"/>
+      </a:schemeClr>
+    </dgm:fillClrLst>
+    <dgm:linClrLst meth="repeat">
+      <a:schemeClr val="dk1"/>
+    </dgm:linClrLst>
+    <dgm:effectClrLst/>
+    <dgm:txLinClrLst/>
+    <dgm:txFillClrLst meth="repeat">
+      <a:schemeClr val="lt1"/>
+    </dgm:txFillClrLst>
+    <dgm:txEffectClrLst/>
+  </dgm:styleLbl>
+  <dgm:styleLbl name="trBgShp">
+    <dgm:fillClrLst meth="repeat">
+      <a:schemeClr val="accent2">
+        <a:tint val="50000"/>
+        <a:alpha val="40000"/>
+      </a:schemeClr>
+    </dgm:fillClrLst>
+    <dgm:linClrLst meth="repeat">
+      <a:schemeClr val="accent2"/>
+    </dgm:linClrLst>
+    <dgm:effectClrLst/>
+    <dgm:txLinClrLst/>
+    <dgm:txFillClrLst meth="repeat">
+      <a:schemeClr val="lt1"/>
+    </dgm:txFillClrLst>
+    <dgm:txEffectClrLst/>
+  </dgm:styleLbl>
+  <dgm:styleLbl name="fgShp">
+    <dgm:fillClrLst meth="repeat">
+      <a:schemeClr val="accent2">
+        <a:tint val="40000"/>
+      </a:schemeClr>
+    </dgm:fillClrLst>
+    <dgm:linClrLst meth="repeat">
+      <a:schemeClr val="lt1"/>
+    </dgm:linClrLst>
+    <dgm:effectClrLst/>
+    <dgm:txLinClrLst/>
+    <dgm:txFillClrLst meth="repeat">
+      <a:schemeClr val="dk1"/>
+    </dgm:txFillClrLst>
+    <dgm:txEffectClrLst/>
+  </dgm:styleLbl>
+  <dgm:styleLbl name="revTx">
+    <dgm:fillClrLst meth="repeat">
+      <a:schemeClr val="lt1">
+        <a:alpha val="0"/>
+      </a:schemeClr>
+    </dgm:fillClrLst>
+    <dgm:linClrLst meth="repeat">
+      <a:schemeClr val="dk1">
+        <a:alpha val="0"/>
+      </a:schemeClr>
+    </dgm:linClrLst>
+    <dgm:effectClrLst/>
+    <dgm:txLinClrLst/>
+    <dgm:txFillClrLst meth="repeat">
+      <a:schemeClr val="tx1"/>
+    </dgm:txFillClrLst>
+    <dgm:txEffectClrLst/>
+  </dgm:styleLbl>
+</dgm:colorsDef>
+</file>
+
 <file path=ppt/diagrams/colors6.xml><?xml version="1.0" encoding="utf-8"?>
+<dgm:colorsDef xmlns:dgm="http://schemas.openxmlformats.org/drawingml/2006/diagram" xmlns:a="http://schemas.openxmlformats.org/drawingml/2006/main" uniqueId="urn:microsoft.com/office/officeart/2018/5/colors/Iconchunking_neutralicon_colorful1">
+  <dgm:title val=""/>
+  <dgm:desc val=""/>
+  <dgm:catLst>
+    <dgm:cat type="colorful" pri="10100"/>
+  </dgm:catLst>
+  <dgm:styleLbl name="node0">
+    <dgm:fillClrLst meth="repeat">
+      <a:schemeClr val="accent1"/>
+    </dgm:fillClrLst>
+    <dgm:linClrLst meth="repeat">
+      <a:schemeClr val="lt1"/>
+    </dgm:linClrLst>
+    <dgm:effectClrLst/>
+    <dgm:txLinClrLst/>
+    <dgm:txFillClrLst/>
+    <dgm:txEffectClrLst/>
+  </dgm:styleLbl>
+  <dgm:styleLbl name="node1">
+    <dgm:fillClrLst meth="repeat">
+      <a:schemeClr val="bg1"/>
+    </dgm:fillClrLst>
+    <dgm:linClrLst meth="repeat">
+      <a:schemeClr val="lt1">
+        <a:alpha val="0"/>
+      </a:schemeClr>
+    </dgm:linClrLst>
+    <dgm:effectClrLst/>
+    <dgm:txLinClrLst/>
+    <dgm:txFillClrLst meth="repeat">
+      <a:schemeClr val="dk1"/>
+    </dgm:txFillClrLst>
+    <dgm:txEffectClrLst/>
+  </dgm:styleLbl>
+  <dgm:styleLbl name="alignNode1">
+    <dgm:fillClrLst meth="repeat">
+      <a:schemeClr val="accent2"/>
+      <a:schemeClr val="accent3"/>
+      <a:schemeClr val="accent4"/>
+      <a:schemeClr val="accent5"/>
+      <a:schemeClr val="accent6"/>
+    </dgm:fillClrLst>
+    <dgm:linClrLst meth="repeat">
+      <a:schemeClr val="accent2"/>
+      <a:schemeClr val="accent3"/>
+      <a:schemeClr val="accent4"/>
+      <a:schemeClr val="accent5"/>
+      <a:schemeClr val="accent6"/>
+    </dgm:linClrLst>
+    <dgm:effectClrLst/>
+    <dgm:txLinClrLst/>
+    <dgm:txFillClrLst/>
+    <dgm:txEffectClrLst/>
+  </dgm:styleLbl>
+  <dgm:styleLbl name="lnNode1">
+    <dgm:fillClrLst meth="repeat">
+      <a:schemeClr val="accent2"/>
+      <a:schemeClr val="accent3"/>
+      <a:schemeClr val="accent4"/>
+      <a:schemeClr val="accent5"/>
+      <a:schemeClr val="accent6"/>
+    </dgm:fillClrLst>
+    <dgm:linClrLst meth="repeat">
+      <a:schemeClr val="lt1"/>
+    </dgm:linClrLst>
+    <dgm:effectClrLst/>
+    <dgm:txLinClrLst/>
+    <dgm:txFillClrLst/>
+    <dgm:txEffectClrLst/>
+  </dgm:styleLbl>
+  <dgm:styleLbl name="vennNode1">
+    <dgm:fillClrLst meth="repeat">
+      <a:schemeClr val="accent2">
+        <a:alpha val="50000"/>
+      </a:schemeClr>
+      <a:schemeClr val="accent3">
+        <a:alpha val="50000"/>
+      </a:schemeClr>
+      <a:schemeClr val="accent4">
+        <a:alpha val="50000"/>
+      </a:schemeClr>
+      <a:schemeClr val="accent5">
+        <a:alpha val="50000"/>
+      </a:schemeClr>
+      <a:schemeClr val="accent6">
+        <a:alpha val="50000"/>
+      </a:schemeClr>
+    </dgm:fillClrLst>
+    <dgm:linClrLst meth="repeat">
+      <a:schemeClr val="lt1"/>
+    </dgm:linClrLst>
+    <dgm:effectClrLst/>
+    <dgm:txLinClrLst/>
+    <dgm:txFillClrLst/>
+    <dgm:txEffectClrLst/>
+  </dgm:styleLbl>
+  <dgm:styleLbl name="node2">
+    <dgm:fillClrLst>
+      <a:schemeClr val="accent2"/>
+    </dgm:fillClrLst>
+    <dgm:linClrLst meth="repeat">
+      <a:schemeClr val="lt1"/>
+    </dgm:linClrLst>
+    <dgm:effectClrLst/>
+    <dgm:txLinClrLst/>
+    <dgm:txFillClrLst/>
+    <dgm:txEffectClrLst/>
+  </dgm:styleLbl>
+  <dgm:styleLbl name="node3">
+    <dgm:fillClrLst>
+      <a:schemeClr val="accent3"/>
+    </dgm:fillClrLst>
+    <dgm:linClrLst meth="repeat">
+      <a:schemeClr val="lt1"/>
+    </dgm:linClrLst>
+    <dgm:effectClrLst/>
+    <dgm:txLinClrLst/>
+    <dgm:txFillClrLst/>
+    <dgm:txEffectClrLst/>
+  </dgm:styleLbl>
+  <dgm:styleLbl name="node4">
+    <dgm:fillClrLst>
+      <a:schemeClr val="accent4"/>
+    </dgm:fillClrLst>
+    <dgm:linClrLst meth="repeat">
+      <a:schemeClr val="lt1"/>
+    </dgm:linClrLst>
+    <dgm:effectClrLst/>
+    <dgm:txLinClrLst/>
+    <dgm:txFillClrLst/>
+    <dgm:txEffectClrLst/>
+  </dgm:styleLbl>
+  <dgm:styleLbl name="fgImgPlace1">
+    <dgm:fillClrLst meth="repeat">
+      <a:schemeClr val="accent2">
+        <a:tint val="50000"/>
+      </a:schemeClr>
+      <a:schemeClr val="accent3">
+        <a:tint val="50000"/>
+      </a:schemeClr>
+      <a:schemeClr val="accent4">
+        <a:tint val="50000"/>
+      </a:schemeClr>
+      <a:schemeClr val="accent5">
+        <a:tint val="50000"/>
+      </a:schemeClr>
+      <a:schemeClr val="accent6">
+        <a:tint val="50000"/>
+      </a:schemeClr>
+    </dgm:fillClrLst>
+    <dgm:linClrLst meth="repeat">
+      <a:schemeClr val="lt1"/>
+    </dgm:linClrLst>
+    <dgm:effectClrLst/>
+    <dgm:txLinClrLst/>
+    <dgm:txFillClrLst meth="repeat">
+      <a:schemeClr val="lt1"/>
+    </dgm:txFillClrLst>
+    <dgm:txEffectClrLst/>
+  </dgm:styleLbl>
+  <dgm:styleLbl name="alignImgPlace1">
+    <dgm:fillClrLst>
+      <a:schemeClr val="accent1">
+        <a:tint val="50000"/>
+      </a:schemeClr>
+      <a:schemeClr val="accent2">
+        <a:tint val="20000"/>
+      </a:schemeClr>
+    </dgm:fillClrLst>
+    <dgm:linClrLst meth="repeat">
+      <a:schemeClr val="lt1"/>
+    </dgm:linClrLst>
+    <dgm:effectClrLst/>
+    <dgm:txLinClrLst/>
+    <dgm:txFillClrLst meth="repeat">
+      <a:schemeClr val="lt1"/>
+    </dgm:txFillClrLst>
+    <dgm:txEffectClrLst/>
+  </dgm:styleLbl>
+  <dgm:styleLbl name="bgImgPlace1">
+    <dgm:fillClrLst>
+      <a:schemeClr val="accent1">
+        <a:tint val="50000"/>
+      </a:schemeClr>
+      <a:schemeClr val="accent2">
+        <a:tint val="20000"/>
+      </a:schemeClr>
+    </dgm:fillClrLst>
+    <dgm:linClrLst meth="repeat">
+      <a:schemeClr val="lt1"/>
+    </dgm:linClrLst>
+    <dgm:effectClrLst/>
+    <dgm:txLinClrLst/>
+    <dgm:txFillClrLst meth="repeat">
+      <a:schemeClr val="lt1"/>
+    </dgm:txFillClrLst>
+    <dgm:txEffectClrLst/>
+  </dgm:styleLbl>
+  <dgm:styleLbl name="sibTrans2D1">
+    <dgm:fillClrLst meth="repeat">
+      <a:schemeClr val="accent2"/>
+      <a:schemeClr val="accent3"/>
+      <a:schemeClr val="accent4"/>
+      <a:schemeClr val="accent5"/>
+      <a:schemeClr val="accent6"/>
+    </dgm:fillClrLst>
+    <dgm:linClrLst meth="cycle">
+      <a:schemeClr val="lt1"/>
+    </dgm:linClrLst>
+    <dgm:effectClrLst/>
+    <dgm:txLinClrLst/>
+    <dgm:txFillClrLst/>
+    <dgm:txEffectClrLst/>
+  </dgm:styleLbl>
+  <dgm:styleLbl name="fgSibTrans2D1">
+    <dgm:fillClrLst meth="repeat">
+      <a:schemeClr val="accent2"/>
+      <a:schemeClr val="accent3"/>
+      <a:schemeClr val="accent4"/>
+      <a:schemeClr val="accent5"/>
+      <a:schemeClr val="accent6"/>
+    </dgm:fillClrLst>
+    <dgm:linClrLst meth="cycle">
+      <a:schemeClr val="lt1"/>
+    </dgm:linClrLst>
+    <dgm:effectClrLst/>
+    <dgm:txLinClrLst/>
+    <dgm:txFillClrLst meth="repeat">
+      <a:schemeClr val="lt1"/>
+    </dgm:txFillClrLst>
+    <dgm:txEffectClrLst/>
+  </dgm:styleLbl>
+  <dgm:styleLbl name="bgSibTrans2D1">
+    <dgm:fillClrLst meth="repeat">
+      <a:schemeClr val="accent2"/>
+      <a:schemeClr val="accent3"/>
+      <a:schemeClr val="accent4"/>
+      <a:schemeClr val="accent5"/>
+      <a:schemeClr val="accent6"/>
+    </dgm:fillClrLst>
+    <dgm:linClrLst meth="cycle">
+      <a:schemeClr val="lt1"/>
+    </dgm:linClrLst>
+    <dgm:effectClrLst/>
+    <dgm:txLinClrLst/>
+    <dgm:txFillClrLst meth="repeat">
+      <a:schemeClr val="lt1"/>
+    </dgm:txFillClrLst>
+    <dgm:txEffectClrLst/>
+  </dgm:styleLbl>
+  <dgm:styleLbl name="sibTrans1D1">
+    <dgm:fillClrLst meth="repeat">
+      <a:schemeClr val="accent2"/>
+      <a:schemeClr val="accent3"/>
+      <a:schemeClr val="accent4"/>
+      <a:schemeClr val="accent5"/>
+      <a:schemeClr val="accent6"/>
+    </dgm:fillClrLst>
+    <dgm:linClrLst meth="repeat">
+      <a:schemeClr val="accent2"/>
+      <a:schemeClr val="accent3"/>
+      <a:schemeClr val="accent4"/>
+      <a:schemeClr val="accent5"/>
+      <a:schemeClr val="accent6"/>
+    </dgm:linClrLst>
+    <dgm:effectClrLst/>
+    <dgm:txLinClrLst/>
+    <dgm:txFillClrLst meth="repeat">
+      <a:schemeClr val="tx1"/>
+    </dgm:txFillClrLst>
+    <dgm:txEffectClrLst/>
+  </dgm:styleLbl>
+  <dgm:styleLbl name="callout">
+    <dgm:fillClrLst meth="repeat">
+      <a:schemeClr val="accent2"/>
+    </dgm:fillClrLst>
+    <dgm:linClrLst meth="repeat">
+      <a:schemeClr val="accent2">
+        <a:tint val="50000"/>
+      </a:schemeClr>
+    </dgm:linClrLst>
+    <dgm:effectClrLst/>
+    <dgm:txLinClrLst/>
+    <dgm:txFillClrLst meth="repeat">
+      <a:schemeClr val="tx1"/>
+    </dgm:txFillClrLst>
+    <dgm:txEffectClrLst/>
+  </dgm:styleLbl>
+  <dgm:styleLbl name="asst0">
+    <dgm:fillClrLst meth="repeat">
+      <a:schemeClr val="accent1"/>
+    </dgm:fillClrLst>
+    <dgm:linClrLst meth="repeat">
+      <a:schemeClr val="lt1"/>
+    </dgm:linClrLst>
+    <dgm:effectClrLst/>
+    <dgm:txLinClrLst/>
+    <dgm:txFillClrLst/>
+    <dgm:txEffectClrLst/>
+  </dgm:styleLbl>
+  <dgm:styleLbl name="asst1">
+    <dgm:fillClrLst meth="repeat">
+      <a:schemeClr val="accent2"/>
+    </dgm:fillClrLst>
+    <dgm:linClrLst meth="repeat">
+      <a:schemeClr val="lt1"/>
+    </dgm:linClrLst>
+    <dgm:effectClrLst/>
+    <dgm:txLinClrLst/>
+    <dgm:txFillClrLst/>
+    <dgm:txEffectClrLst/>
+  </dgm:styleLbl>
+  <dgm:styleLbl name="asst2">
+    <dgm:fillClrLst>
+      <a:schemeClr val="accent3"/>
+    </dgm:fillClrLst>
+    <dgm:linClrLst meth="repeat">
+      <a:schemeClr val="lt1"/>
+    </dgm:linClrLst>
+    <dgm:effectClrLst/>
+    <dgm:txLinClrLst/>
+    <dgm:txFillClrLst/>
+    <dgm:txEffectClrLst/>
+  </dgm:styleLbl>
+  <dgm:styleLbl name="asst3">
+    <dgm:fillClrLst>
+      <a:schemeClr val="accent4"/>
+    </dgm:fillClrLst>
+    <dgm:linClrLst meth="repeat">
+      <a:schemeClr val="lt1"/>
+    </dgm:linClrLst>
+    <dgm:effectClrLst/>
+    <dgm:txLinClrLst/>
+    <dgm:txFillClrLst/>
+    <dgm:txEffectClrLst/>
+  </dgm:styleLbl>
+  <dgm:styleLbl name="asst4">
+    <dgm:fillClrLst>
+      <a:schemeClr val="accent5"/>
+    </dgm:fillClrLst>
+    <dgm:linClrLst meth="repeat">
+      <a:schemeClr val="lt1"/>
+    </dgm:linClrLst>
+    <dgm:effectClrLst/>
+    <dgm:txLinClrLst/>
+    <dgm:txFillClrLst/>
+    <dgm:txEffectClrLst/>
+  </dgm:styleLbl>
+  <dgm:styleLbl name="parChTrans2D1">
+    <dgm:fillClrLst meth="repeat">
+      <a:schemeClr val="accent2"/>
+    </dgm:fillClrLst>
+    <dgm:linClrLst meth="repeat">
+      <a:schemeClr val="lt1"/>
+    </dgm:linClrLst>
+    <dgm:effectClrLst/>
+    <dgm:txLinClrLst/>
+    <dgm:txFillClrLst meth="repeat">
+      <a:schemeClr val="lt1"/>
+    </dgm:txFillClrLst>
+    <dgm:txEffectClrLst/>
+  </dgm:styleLbl>
+  <dgm:styleLbl name="parChTrans2D2">
+    <dgm:fillClrLst meth="repeat">
+      <a:schemeClr val="accent3"/>
+    </dgm:fillClrLst>
+    <dgm:linClrLst meth="repeat">
+      <a:schemeClr val="lt1"/>
+    </dgm:linClrLst>
+    <dgm:effectClrLst/>
+    <dgm:txLinClrLst/>
+    <dgm:txFillClrLst/>
+    <dgm:txEffectClrLst/>
+  </dgm:styleLbl>
+  <dgm:styleLbl name="parChTrans2D3">
+    <dgm:fillClrLst meth="repeat">
+      <a:schemeClr val="accent4"/>
+    </dgm:fillClrLst>
+    <dgm:linClrLst meth="repeat">
+      <a:schemeClr val="lt1"/>
+    </dgm:linClrLst>
+    <dgm:effectClrLst/>
+    <dgm:txLinClrLst/>
+    <dgm:txFillClrLst/>
+    <dgm:txEffectClrLst/>
+  </dgm:styleLbl>
+  <dgm:styleLbl name="parChTrans2D4">
+    <dgm:fillClrLst meth="repeat">
+      <a:schemeClr val="accent5"/>
+    </dgm:fillClrLst>
+    <dgm:linClrLst meth="repeat">
+      <a:schemeClr val="lt1"/>
+    </dgm:linClrLst>
+    <dgm:effectClrLst/>
+    <dgm:txLinClrLst/>
+    <dgm:txFillClrLst meth="repeat">
+      <a:schemeClr val="lt1"/>
+    </dgm:txFillClrLst>
+    <dgm:txEffectClrLst/>
+  </dgm:styleLbl>
+  <dgm:styleLbl name="parChTrans1D1">
+    <dgm:fillClrLst meth="repeat">
+      <a:schemeClr val="accent2"/>
+    </dgm:fillClrLst>
+    <dgm:linClrLst meth="repeat">
+      <a:schemeClr val="accent1"/>
+    </dgm:linClrLst>
+    <dgm:effectClrLst/>
+    <dgm:txLinClrLst/>
+    <dgm:txFillClrLst meth="repeat">
+      <a:schemeClr val="tx1"/>
+    </dgm:txFillClrLst>
+    <dgm:txEffectClrLst/>
+  </dgm:styleLbl>
+  <dgm:styleLbl name="parChTrans1D2">
+    <dgm:fillClrLst meth="repeat">
+      <a:schemeClr val="accent3">
+        <a:tint val="90000"/>
+      </a:schemeClr>
+    </dgm:fillClrLst>
+    <dgm:linClrLst meth="repeat">
+      <a:schemeClr val="accent2"/>
+    </dgm:linClrLst>
+    <dgm:effectClrLst/>
+    <dgm:txLinClrLst/>
+    <dgm:txFillClrLst meth="repeat">
+      <a:schemeClr val="tx1"/>
+    </dgm:txFillClrLst>
+    <dgm:txEffectClrLst/>
+  </dgm:styleLbl>
+  <dgm:styleLbl name="parChTrans1D3">
+    <dgm:fillClrLst meth="repeat">
+      <a:schemeClr val="accent4">
+        <a:tint val="70000"/>
+      </a:schemeClr>
+    </dgm:fillClrLst>
+    <dgm:linClrLst meth="repeat">
+      <a:schemeClr val="accent3"/>
+    </dgm:linClrLst>
+    <dgm:effectClrLst/>
+    <dgm:txLinClrLst/>
+    <dgm:txFillClrLst meth="repeat">
+      <a:schemeClr val="tx1"/>
+    </dgm:txFillClrLst>
+    <dgm:txEffectClrLst/>
+  </dgm:styleLbl>
+  <dgm:styleLbl name="parChTrans1D4">
+    <dgm:fillClrLst meth="repeat">
+      <a:schemeClr val="accent5">
+        <a:tint val="50000"/>
+      </a:schemeClr>
+    </dgm:fillClrLst>
+    <dgm:linClrLst meth="repeat">
+      <a:schemeClr val="accent4"/>
+    </dgm:linClrLst>
+    <dgm:effectClrLst/>
+    <dgm:txLinClrLst/>
+    <dgm:txFillClrLst meth="repeat">
+      <a:schemeClr val="tx1"/>
+    </dgm:txFillClrLst>
+    <dgm:txEffectClrLst/>
+  </dgm:styleLbl>
+  <dgm:styleLbl name="fgAcc1">
+    <dgm:fillClrLst meth="repeat">
+      <a:schemeClr val="lt1">
+        <a:alpha val="90000"/>
+      </a:schemeClr>
+    </dgm:fillClrLst>
+    <dgm:linClrLst meth="repeat">
+      <a:schemeClr val="accent2"/>
+      <a:schemeClr val="accent3"/>
+      <a:schemeClr val="accent4"/>
+      <a:schemeClr val="accent5"/>
+      <a:schemeClr val="accent6"/>
+    </dgm:linClrLst>
+    <dgm:effectClrLst/>
+    <dgm:txLinClrLst/>
+    <dgm:txFillClrLst meth="repeat">
+      <a:schemeClr val="dk1"/>
+    </dgm:txFillClrLst>
+    <dgm:txEffectClrLst/>
+  </dgm:styleLbl>
+  <dgm:styleLbl name="conFgAcc1">
+    <dgm:fillClrLst meth="repeat">
+      <a:schemeClr val="lt1">
+        <a:alpha val="90000"/>
+      </a:schemeClr>
+    </dgm:fillClrLst>
+    <dgm:linClrLst meth="repeat">
+      <a:schemeClr val="accent2"/>
+      <a:schemeClr val="accent3"/>
+      <a:schemeClr val="accent4"/>
+      <a:schemeClr val="accent5"/>
+      <a:schemeClr val="accent6"/>
+    </dgm:linClrLst>
+    <dgm:effectClrLst/>
+    <dgm:txLinClrLst/>
+    <dgm:txFillClrLst meth="repeat">
+      <a:schemeClr val="dk1"/>
+    </dgm:txFillClrLst>
+    <dgm:txEffectClrLst/>
+  </dgm:styleLbl>
+  <dgm:styleLbl name="alignAcc1">
+    <dgm:fillClrLst meth="repeat">
+      <a:schemeClr val="lt1">
+        <a:alpha val="90000"/>
+      </a:schemeClr>
+    </dgm:fillClrLst>
+    <dgm:linClrLst meth="repeat">
+      <a:schemeClr val="accent2"/>
+      <a:schemeClr val="accent3"/>
+      <a:schemeClr val="accent4"/>
+      <a:schemeClr val="accent5"/>
+      <a:schemeClr val="accent6"/>
+    </dgm:linClrLst>
+    <dgm:effectClrLst/>
+    <dgm:txLinClrLst/>
+    <dgm:txFillClrLst meth="repeat">
+      <a:schemeClr val="dk1"/>
+    </dgm:txFillClrLst>
+    <dgm:txEffectClrLst/>
+  </dgm:styleLbl>
+  <dgm:styleLbl name="trAlignAcc1">
+    <dgm:fillClrLst meth="repeat">
+      <a:schemeClr val="lt1">
+        <a:alpha val="40000"/>
+      </a:schemeClr>
+    </dgm:fillClrLst>
+    <dgm:linClrLst meth="repeat">
+      <a:schemeClr val="accent1"/>
+    </dgm:linClrLst>
+    <dgm:effectClrLst/>
+    <dgm:txLinClrLst/>
+    <dgm:txFillClrLst meth="repeat">
+      <a:schemeClr val="dk1"/>
+    </dgm:txFillClrLst>
+    <dgm:txEffectClrLst/>
+  </dgm:styleLbl>
+  <dgm:styleLbl name="bgAcc1">
+    <dgm:fillClrLst meth="repeat">
+      <a:schemeClr val="lt1">
+        <a:alpha val="90000"/>
+      </a:schemeClr>
+    </dgm:fillClrLst>
+    <dgm:linClrLst meth="repeat">
+      <a:schemeClr val="accent2"/>
+      <a:schemeClr val="accent3"/>
+      <a:schemeClr val="accent4"/>
+      <a:schemeClr val="accent5"/>
+      <a:schemeClr val="accent6"/>
+    </dgm:linClrLst>
+    <dgm:effectClrLst/>
+    <dgm:txLinClrLst/>
+    <dgm:txFillClrLst meth="repeat">
+      <a:schemeClr val="dk1"/>
+    </dgm:txFillClrLst>
+    <dgm:txEffectClrLst/>
+  </dgm:styleLbl>
+  <dgm:styleLbl name="solidFgAcc1">
+    <dgm:fillClrLst meth="repeat">
+      <a:schemeClr val="lt1"/>
+    </dgm:fillClrLst>
+    <dgm:linClrLst meth="repeat">
+      <a:schemeClr val="accent2"/>
+      <a:schemeClr val="accent3"/>
+      <a:schemeClr val="accent4"/>
+      <a:schemeClr val="accent5"/>
+      <a:schemeClr val="accent6"/>
+    </dgm:linClrLst>
+    <dgm:effectClrLst/>
+    <dgm:txLinClrLst/>
+    <dgm:txFillClrLst meth="repeat">
+      <a:schemeClr val="dk1"/>
+    </dgm:txFillClrLst>
+    <dgm:txEffectClrLst/>
+  </dgm:styleLbl>
+  <dgm:styleLbl name="solidAlignAcc1">
+    <dgm:fillClrLst meth="repeat">
+      <a:schemeClr val="lt1"/>
+    </dgm:fillClrLst>
+    <dgm:linClrLst meth="repeat">
+      <a:schemeClr val="accent2"/>
+      <a:schemeClr val="accent3"/>
+      <a:schemeClr val="accent4"/>
+      <a:schemeClr val="accent5"/>
+      <a:schemeClr val="accent6"/>
+    </dgm:linClrLst>
+    <dgm:effectClrLst/>
+    <dgm:txLinClrLst/>
+    <dgm:txFillClrLst meth="repeat">
+      <a:schemeClr val="dk1"/>
+    </dgm:txFillClrLst>
+    <dgm:txEffectClrLst/>
+  </dgm:styleLbl>
+  <dgm:styleLbl name="solidBgAcc1">
+    <dgm:fillClrLst meth="repeat">
+      <a:schemeClr val="lt1"/>
+    </dgm:fillClrLst>
+    <dgm:linClrLst meth="repeat">
+      <a:schemeClr val="accent2"/>
+      <a:schemeClr val="accent3"/>
+      <a:schemeClr val="accent4"/>
+      <a:schemeClr val="accent5"/>
+      <a:schemeClr val="accent6"/>
+    </dgm:linClrLst>
+    <dgm:effectClrLst/>
+    <dgm:txLinClrLst/>
+    <dgm:txFillClrLst meth="repeat">
+      <a:schemeClr val="dk1"/>
+    </dgm:txFillClrLst>
+    <dgm:txEffectClrLst/>
+  </dgm:styleLbl>
+  <dgm:styleLbl name="fgAccFollowNode1">
+    <dgm:fillClrLst meth="repeat">
+      <a:schemeClr val="accent2">
+        <a:tint val="40000"/>
+        <a:alpha val="90000"/>
+      </a:schemeClr>
+      <a:schemeClr val="accent3">
+        <a:tint val="40000"/>
+        <a:alpha val="90000"/>
+      </a:schemeClr>
+      <a:schemeClr val="accent4">
+        <a:tint val="40000"/>
+        <a:alpha val="90000"/>
+      </a:schemeClr>
+      <a:schemeClr val="accent5">
+        <a:tint val="40000"/>
+        <a:alpha val="90000"/>
+      </a:schemeClr>
+      <a:schemeClr val="accent6">
+        <a:tint val="40000"/>
+        <a:alpha val="90000"/>
+      </a:schemeClr>
+    </dgm:fillClrLst>
+    <dgm:linClrLst meth="repeat">
+      <a:schemeClr val="accent2">
+        <a:tint val="40000"/>
+        <a:alpha val="90000"/>
+      </a:schemeClr>
+      <a:schemeClr val="accent3">
+        <a:tint val="40000"/>
+        <a:alpha val="90000"/>
+      </a:schemeClr>
+      <a:schemeClr val="accent4">
+        <a:tint val="40000"/>
+        <a:alpha val="90000"/>
+      </a:schemeClr>
+      <a:schemeClr val="accent5">
+        <a:tint val="40000"/>
+        <a:alpha val="90000"/>
+      </a:schemeClr>
+      <a:schemeClr val="accent6">
+        <a:tint val="40000"/>
+        <a:alpha val="90000"/>
+      </a:schemeClr>
+    </dgm:linClrLst>
+    <dgm:effectClrLst/>
+    <dgm:txLinClrLst/>
+    <dgm:txFillClrLst meth="repeat">
+      <a:schemeClr val="dk1"/>
+    </dgm:txFillClrLst>
+    <dgm:txEffectClrLst/>
+  </dgm:styleLbl>
+  <dgm:styleLbl name="alignAccFollowNode1">
+    <dgm:fillClrLst meth="repeat">
+      <a:schemeClr val="accent2">
+        <a:tint val="40000"/>
+        <a:alpha val="90000"/>
+      </a:schemeClr>
+      <a:schemeClr val="accent3">
+        <a:tint val="40000"/>
+        <a:alpha val="90000"/>
+      </a:schemeClr>
+      <a:schemeClr val="accent4">
+        <a:tint val="40000"/>
+        <a:alpha val="90000"/>
+      </a:schemeClr>
+      <a:schemeClr val="accent5">
+        <a:tint val="40000"/>
+        <a:alpha val="90000"/>
+      </a:schemeClr>
+      <a:schemeClr val="accent6">
+        <a:tint val="40000"/>
+        <a:alpha val="90000"/>
+      </a:schemeClr>
+    </dgm:fillClrLst>
+    <dgm:linClrLst meth="repeat">
+      <a:schemeClr val="accent2">
+        <a:tint val="40000"/>
+        <a:alpha val="90000"/>
+      </a:schemeClr>
+      <a:schemeClr val="accent3">
+        <a:tint val="40000"/>
+        <a:alpha val="90000"/>
+      </a:schemeClr>
+      <a:schemeClr val="accent4">
+        <a:tint val="40000"/>
+        <a:alpha val="90000"/>
+      </a:schemeClr>
+      <a:schemeClr val="accent5">
+        <a:tint val="40000"/>
+        <a:alpha val="90000"/>
+      </a:schemeClr>
+      <a:schemeClr val="accent6">
+        <a:tint val="40000"/>
+        <a:alpha val="90000"/>
+      </a:schemeClr>
+    </dgm:linClrLst>
+    <dgm:effectClrLst/>
+    <dgm:txLinClrLst/>
+    <dgm:txFillClrLst meth="repeat">
+      <a:schemeClr val="dk1"/>
+    </dgm:txFillClrLst>
+    <dgm:txEffectClrLst/>
+  </dgm:styleLbl>
+  <dgm:styleLbl name="bgAccFollowNode1">
+    <dgm:fillClrLst meth="repeat">
+      <a:schemeClr val="accent2">
+        <a:tint val="40000"/>
+        <a:alpha val="90000"/>
+      </a:schemeClr>
+      <a:schemeClr val="accent3">
+        <a:tint val="40000"/>
+        <a:alpha val="90000"/>
+      </a:schemeClr>
+      <a:schemeClr val="accent4">
+        <a:tint val="40000"/>
+        <a:alpha val="90000"/>
+      </a:schemeClr>
+      <a:schemeClr val="accent5">
+        <a:tint val="40000"/>
+        <a:alpha val="90000"/>
+      </a:schemeClr>
+      <a:schemeClr val="accent6">
+        <a:tint val="40000"/>
+        <a:alpha val="90000"/>
+      </a:schemeClr>
+    </dgm:fillClrLst>
+    <dgm:linClrLst meth="repeat">
+      <a:schemeClr val="accent2">
+        <a:tint val="40000"/>
+        <a:alpha val="90000"/>
+      </a:schemeClr>
+      <a:schemeClr val="accent3">
+        <a:tint val="40000"/>
+        <a:alpha val="90000"/>
+      </a:schemeClr>
+      <a:schemeClr val="accent4">
+        <a:tint val="40000"/>
+        <a:alpha val="90000"/>
+      </a:schemeClr>
+      <a:schemeClr val="accent5">
+        <a:tint val="40000"/>
+        <a:alpha val="90000"/>
+      </a:schemeClr>
+      <a:schemeClr val="accent6">
+        <a:tint val="40000"/>
+        <a:alpha val="90000"/>
+      </a:schemeClr>
+    </dgm:linClrLst>
+    <dgm:effectClrLst/>
+    <dgm:txLinClrLst/>
+    <dgm:txFillClrLst meth="repeat">
+      <a:schemeClr val="dk1"/>
+    </dgm:txFillClrLst>
+    <dgm:txEffectClrLst/>
+  </dgm:styleLbl>
+  <dgm:styleLbl name="fgAcc0">
+    <dgm:fillClrLst meth="repeat">
+      <a:schemeClr val="lt1">
+        <a:alpha val="90000"/>
+      </a:schemeClr>
+    </dgm:fillClrLst>
+    <dgm:linClrLst>
+      <a:schemeClr val="accent1"/>
+    </dgm:linClrLst>
+    <dgm:effectClrLst/>
+    <dgm:txLinClrLst/>
+    <dgm:txFillClrLst meth="repeat">
+      <a:schemeClr val="dk1"/>
+    </dgm:txFillClrLst>
+    <dgm:txEffectClrLst/>
+  </dgm:styleLbl>
+  <dgm:styleLbl name="fgAcc2">
+    <dgm:fillClrLst meth="repeat">
+      <a:schemeClr val="lt1">
+        <a:alpha val="90000"/>
+      </a:schemeClr>
+    </dgm:fillClrLst>
+    <dgm:linClrLst>
+      <a:schemeClr val="accent2"/>
+    </dgm:linClrLst>
+    <dgm:effectClrLst/>
+    <dgm:txLinClrLst/>
+    <dgm:txFillClrLst meth="repeat">
+      <a:schemeClr val="dk1"/>
+    </dgm:txFillClrLst>
+    <dgm:txEffectClrLst/>
+  </dgm:styleLbl>
+  <dgm:styleLbl name="fgAcc3">
+    <dgm:fillClrLst meth="repeat">
+      <a:schemeClr val="lt1">
+        <a:alpha val="90000"/>
+      </a:schemeClr>
+    </dgm:fillClrLst>
+    <dgm:linClrLst>
+      <a:schemeClr val="accent3"/>
+    </dgm:linClrLst>
+    <dgm:effectClrLst/>
+    <dgm:txLinClrLst/>
+    <dgm:txFillClrLst meth="repeat">
+      <a:schemeClr val="dk1"/>
+    </dgm:txFillClrLst>
+    <dgm:txEffectClrLst/>
+  </dgm:styleLbl>
+  <dgm:styleLbl name="fgAcc4">
+    <dgm:fillClrLst meth="repeat">
+      <a:schemeClr val="lt1">
+        <a:alpha val="90000"/>
+      </a:schemeClr>
+    </dgm:fillClrLst>
+    <dgm:linClrLst>
+      <a:schemeClr val="accent4"/>
+    </dgm:linClrLst>
+    <dgm:effectClrLst/>
+    <dgm:txLinClrLst/>
+    <dgm:txFillClrLst meth="repeat">
+      <a:schemeClr val="dk1"/>
+    </dgm:txFillClrLst>
+    <dgm:txEffectClrLst/>
+  </dgm:styleLbl>
+  <dgm:styleLbl name="bgShp">
+    <dgm:fillClrLst meth="repeat">
+      <a:schemeClr val="accent2"/>
+      <a:schemeClr val="accent3"/>
+      <a:schemeClr val="accent4"/>
+      <a:schemeClr val="accent5"/>
+      <a:schemeClr val="accent6"/>
+    </dgm:fillClrLst>
+    <dgm:linClrLst meth="repeat">
+      <a:schemeClr val="lt1">
+        <a:alpha val="0"/>
+      </a:schemeClr>
+    </dgm:linClrLst>
+    <dgm:effectClrLst/>
+    <dgm:txLinClrLst/>
+    <dgm:txFillClrLst/>
+    <dgm:txEffectClrLst/>
+  </dgm:styleLbl>
+  <dgm:styleLbl name="dkBgShp">
+    <dgm:fillClrLst meth="repeat">
+      <a:schemeClr val="accent2">
+        <a:shade val="90000"/>
+      </a:schemeClr>
+    </dgm:fillClrLst>
+    <dgm:linClrLst meth="repeat">
+      <a:schemeClr val="dk1"/>
+    </dgm:linClrLst>
+    <dgm:effectClrLst/>
+    <dgm:txLinClrLst/>
+    <dgm:txFillClrLst meth="repeat">
+      <a:schemeClr val="lt1"/>
+    </dgm:txFillClrLst>
+    <dgm:txEffectClrLst/>
+  </dgm:styleLbl>
+  <dgm:styleLbl name="trBgShp">
+    <dgm:fillClrLst meth="repeat">
+      <a:schemeClr val="accent1">
+        <a:tint val="50000"/>
+        <a:alpha val="40000"/>
+      </a:schemeClr>
+    </dgm:fillClrLst>
+    <dgm:linClrLst meth="repeat">
+      <a:schemeClr val="accent2"/>
+    </dgm:linClrLst>
+    <dgm:effectClrLst/>
+    <dgm:txLinClrLst/>
+    <dgm:txFillClrLst meth="repeat">
+      <a:schemeClr val="lt1"/>
+    </dgm:txFillClrLst>
+    <dgm:txEffectClrLst/>
+  </dgm:styleLbl>
+  <dgm:styleLbl name="fgShp">
+    <dgm:fillClrLst meth="repeat">
+      <a:schemeClr val="accent2">
+        <a:tint val="40000"/>
+      </a:schemeClr>
+    </dgm:fillClrLst>
+    <dgm:linClrLst meth="repeat">
+      <a:schemeClr val="lt1"/>
+    </dgm:linClrLst>
+    <dgm:effectClrLst/>
+    <dgm:txLinClrLst/>
+    <dgm:txFillClrLst meth="repeat">
+      <a:schemeClr val="dk1"/>
+    </dgm:txFillClrLst>
+    <dgm:txEffectClrLst/>
+  </dgm:styleLbl>
+  <dgm:styleLbl name="revTx">
+    <dgm:fillClrLst meth="repeat">
+      <a:schemeClr val="lt1">
+        <a:alpha val="0"/>
+      </a:schemeClr>
+    </dgm:fillClrLst>
+    <dgm:linClrLst meth="repeat">
+      <a:schemeClr val="dk1">
+        <a:alpha val="0"/>
+      </a:schemeClr>
+    </dgm:linClrLst>
+    <dgm:effectClrLst/>
+    <dgm:txLinClrLst/>
+    <dgm:txFillClrLst meth="repeat">
+      <a:schemeClr val="tx1"/>
+    </dgm:txFillClrLst>
+    <dgm:txEffectClrLst/>
+  </dgm:styleLbl>
+</dgm:colorsDef>
+</file>
+
+<file path=ppt/diagrams/colors7.xml><?xml version="1.0" encoding="utf-8"?>
 <dgm:colorsDef xmlns:dgm="http://schemas.openxmlformats.org/drawingml/2006/diagram" xmlns:a="http://schemas.openxmlformats.org/drawingml/2006/main" uniqueId="urn:microsoft.com/office/officeart/2018/5/colors/Iconchunking_neutralicontext_accent2_2">
   <dgm:title val=""/>
   <dgm:desc val=""/>
@@ -5612,8 +6534,8 @@
             </a:lnSpc>
           </a:pPr>
           <a:r>
-            <a:rPr lang="es-419" sz="2600"/>
-            <a:t>Nombre del cliente/proveedor</a:t>
+            <a:rPr lang="es-419" sz="2600" dirty="0"/>
+            <a:t>Datos del cliente/proveedor</a:t>
           </a:r>
           <a:endParaRPr lang="en-US" sz="2600" dirty="0"/>
         </a:p>
@@ -6046,6 +6968,633 @@
 </file>
 
 <file path=ppt/diagrams/data4.xml><?xml version="1.0" encoding="utf-8"?>
+<dgm:dataModel xmlns:dgm="http://schemas.openxmlformats.org/drawingml/2006/diagram" xmlns:a="http://schemas.openxmlformats.org/drawingml/2006/main">
+  <dgm:ptLst>
+    <dgm:pt modelId="{6203975F-A86B-468B-8B02-3148EB7C05F2}" type="doc">
+      <dgm:prSet loTypeId="urn:microsoft.com/office/officeart/2018/5/layout/IconLeafLabelList" loCatId="icon" qsTypeId="urn:microsoft.com/office/officeart/2005/8/quickstyle/simple1" qsCatId="simple" csTypeId="urn:microsoft.com/office/officeart/2018/5/colors/Iconchunking_neutralicon_colorful1" csCatId="colorful" phldr="1"/>
+      <dgm:spPr/>
+      <dgm:t>
+        <a:bodyPr/>
+        <a:lstStyle/>
+        <a:p>
+          <a:endParaRPr lang="en-US"/>
+        </a:p>
+      </dgm:t>
+    </dgm:pt>
+    <dgm:pt modelId="{7B0B3C96-D373-497C-9B52-A53D43098214}">
+      <dgm:prSet custT="1"/>
+      <dgm:spPr/>
+      <dgm:t>
+        <a:bodyPr/>
+        <a:lstStyle/>
+        <a:p>
+          <a:pPr>
+            <a:lnSpc>
+              <a:spcPct val="100000"/>
+            </a:lnSpc>
+            <a:defRPr cap="all"/>
+          </a:pPr>
+          <a:r>
+            <a:rPr lang="es-MX" sz="1800" b="1" dirty="0">
+              <a:solidFill>
+                <a:schemeClr val="accent2"/>
+              </a:solidFill>
+            </a:rPr>
+            <a:t>Número de Identificación (ID)</a:t>
+          </a:r>
+          <a:endParaRPr lang="en-US" sz="1800" b="1" dirty="0">
+            <a:solidFill>
+              <a:schemeClr val="accent2"/>
+            </a:solidFill>
+          </a:endParaRPr>
+        </a:p>
+      </dgm:t>
+    </dgm:pt>
+    <dgm:pt modelId="{7F4EF2DE-1675-4DD9-AAF7-984DF1123EDB}" type="parTrans" cxnId="{D4408A1C-B1A8-4C8E-BD4A-29CF1FEB777F}">
+      <dgm:prSet/>
+      <dgm:spPr/>
+      <dgm:t>
+        <a:bodyPr/>
+        <a:lstStyle/>
+        <a:p>
+          <a:endParaRPr lang="en-US"/>
+        </a:p>
+      </dgm:t>
+    </dgm:pt>
+    <dgm:pt modelId="{1159ED22-8ACB-41D8-B80D-3E516FE67004}" type="sibTrans" cxnId="{D4408A1C-B1A8-4C8E-BD4A-29CF1FEB777F}">
+      <dgm:prSet/>
+      <dgm:spPr/>
+      <dgm:t>
+        <a:bodyPr/>
+        <a:lstStyle/>
+        <a:p>
+          <a:endParaRPr lang="en-US"/>
+        </a:p>
+      </dgm:t>
+    </dgm:pt>
+    <dgm:pt modelId="{880010FB-60B0-4B49-96FE-864B539532A1}">
+      <dgm:prSet custT="1"/>
+      <dgm:spPr/>
+      <dgm:t>
+        <a:bodyPr/>
+        <a:lstStyle/>
+        <a:p>
+          <a:pPr>
+            <a:lnSpc>
+              <a:spcPct val="100000"/>
+            </a:lnSpc>
+            <a:defRPr cap="all"/>
+          </a:pPr>
+          <a:r>
+            <a:rPr lang="es-MX" sz="1800" b="1" dirty="0">
+              <a:solidFill>
+                <a:schemeClr val="accent3"/>
+              </a:solidFill>
+            </a:rPr>
+            <a:t>Nombre del cliente o proveedor</a:t>
+          </a:r>
+          <a:endParaRPr lang="en-US" sz="1800" b="1" dirty="0">
+            <a:solidFill>
+              <a:schemeClr val="accent3"/>
+            </a:solidFill>
+          </a:endParaRPr>
+        </a:p>
+      </dgm:t>
+    </dgm:pt>
+    <dgm:pt modelId="{C8D6AB75-5A46-4672-8678-2BBFFFDFD4A1}" type="parTrans" cxnId="{28F7EB65-E996-454B-A1AE-C3A0047208AB}">
+      <dgm:prSet/>
+      <dgm:spPr/>
+      <dgm:t>
+        <a:bodyPr/>
+        <a:lstStyle/>
+        <a:p>
+          <a:endParaRPr lang="en-US"/>
+        </a:p>
+      </dgm:t>
+    </dgm:pt>
+    <dgm:pt modelId="{9F6985AA-1EC3-48BB-9DE6-0B963B22EDB0}" type="sibTrans" cxnId="{28F7EB65-E996-454B-A1AE-C3A0047208AB}">
+      <dgm:prSet/>
+      <dgm:spPr/>
+      <dgm:t>
+        <a:bodyPr/>
+        <a:lstStyle/>
+        <a:p>
+          <a:endParaRPr lang="en-US"/>
+        </a:p>
+      </dgm:t>
+    </dgm:pt>
+    <dgm:pt modelId="{FF458B08-3A33-4C68-988D-A484987CEC9A}">
+      <dgm:prSet custT="1"/>
+      <dgm:spPr/>
+      <dgm:t>
+        <a:bodyPr/>
+        <a:lstStyle/>
+        <a:p>
+          <a:pPr>
+            <a:lnSpc>
+              <a:spcPct val="100000"/>
+            </a:lnSpc>
+            <a:defRPr cap="all"/>
+          </a:pPr>
+          <a:r>
+            <a:rPr lang="es-MX" sz="1800" b="1" dirty="0">
+              <a:solidFill>
+                <a:schemeClr val="accent4"/>
+              </a:solidFill>
+            </a:rPr>
+            <a:t>Ciudad</a:t>
+          </a:r>
+          <a:endParaRPr lang="en-US" sz="1700" b="1" dirty="0">
+            <a:solidFill>
+              <a:schemeClr val="accent4"/>
+            </a:solidFill>
+          </a:endParaRPr>
+        </a:p>
+      </dgm:t>
+    </dgm:pt>
+    <dgm:pt modelId="{818D464B-BFC4-4124-99A3-4F69AC49BF46}" type="parTrans" cxnId="{2047D9DD-4C25-4242-A186-2824B6C5BE57}">
+      <dgm:prSet/>
+      <dgm:spPr/>
+      <dgm:t>
+        <a:bodyPr/>
+        <a:lstStyle/>
+        <a:p>
+          <a:endParaRPr lang="en-US"/>
+        </a:p>
+      </dgm:t>
+    </dgm:pt>
+    <dgm:pt modelId="{1C90FCC0-D8A2-4C4B-B41C-F2D0CBB27080}" type="sibTrans" cxnId="{2047D9DD-4C25-4242-A186-2824B6C5BE57}">
+      <dgm:prSet/>
+      <dgm:spPr/>
+      <dgm:t>
+        <a:bodyPr/>
+        <a:lstStyle/>
+        <a:p>
+          <a:endParaRPr lang="en-US"/>
+        </a:p>
+      </dgm:t>
+    </dgm:pt>
+    <dgm:pt modelId="{C8614DC2-FE57-4719-BF0F-646A0D18B222}">
+      <dgm:prSet custT="1"/>
+      <dgm:spPr/>
+      <dgm:t>
+        <a:bodyPr/>
+        <a:lstStyle/>
+        <a:p>
+          <a:pPr>
+            <a:lnSpc>
+              <a:spcPct val="100000"/>
+            </a:lnSpc>
+            <a:defRPr cap="all"/>
+          </a:pPr>
+          <a:r>
+            <a:rPr lang="es-MX" sz="1800" b="1">
+              <a:solidFill>
+                <a:schemeClr val="accent5"/>
+              </a:solidFill>
+            </a:rPr>
+            <a:t>Número de Teléfono</a:t>
+          </a:r>
+          <a:endParaRPr lang="en-US" sz="1800" b="1">
+            <a:solidFill>
+              <a:schemeClr val="accent5"/>
+            </a:solidFill>
+          </a:endParaRPr>
+        </a:p>
+      </dgm:t>
+    </dgm:pt>
+    <dgm:pt modelId="{1EE4C94C-0C68-4396-8A58-8835297811E9}" type="parTrans" cxnId="{8F0669B3-8FCB-4EDB-910B-50F0660E6A26}">
+      <dgm:prSet/>
+      <dgm:spPr/>
+      <dgm:t>
+        <a:bodyPr/>
+        <a:lstStyle/>
+        <a:p>
+          <a:endParaRPr lang="en-US"/>
+        </a:p>
+      </dgm:t>
+    </dgm:pt>
+    <dgm:pt modelId="{F3080957-AFF8-438C-AF75-3A71D2B4E63A}" type="sibTrans" cxnId="{8F0669B3-8FCB-4EDB-910B-50F0660E6A26}">
+      <dgm:prSet/>
+      <dgm:spPr/>
+      <dgm:t>
+        <a:bodyPr/>
+        <a:lstStyle/>
+        <a:p>
+          <a:endParaRPr lang="en-US"/>
+        </a:p>
+      </dgm:t>
+    </dgm:pt>
+    <dgm:pt modelId="{3DB77BC0-2AFD-4307-8B8F-F28E2F11B90D}">
+      <dgm:prSet custT="1"/>
+      <dgm:spPr/>
+      <dgm:t>
+        <a:bodyPr/>
+        <a:lstStyle/>
+        <a:p>
+          <a:pPr>
+            <a:lnSpc>
+              <a:spcPct val="100000"/>
+            </a:lnSpc>
+            <a:defRPr cap="all"/>
+          </a:pPr>
+          <a:r>
+            <a:rPr lang="es-MX" sz="1800" b="1">
+              <a:solidFill>
+                <a:schemeClr val="accent6"/>
+              </a:solidFill>
+            </a:rPr>
+            <a:t>E-Mail</a:t>
+          </a:r>
+          <a:endParaRPr lang="en-US" sz="1800" b="1">
+            <a:solidFill>
+              <a:schemeClr val="accent6"/>
+            </a:solidFill>
+          </a:endParaRPr>
+        </a:p>
+      </dgm:t>
+    </dgm:pt>
+    <dgm:pt modelId="{63FABFD7-B8E4-480C-AD7F-3B37C3A1BBD1}" type="parTrans" cxnId="{82D34403-9320-4C0A-8AFB-EE9B5852C0D7}">
+      <dgm:prSet/>
+      <dgm:spPr/>
+      <dgm:t>
+        <a:bodyPr/>
+        <a:lstStyle/>
+        <a:p>
+          <a:endParaRPr lang="en-US"/>
+        </a:p>
+      </dgm:t>
+    </dgm:pt>
+    <dgm:pt modelId="{BF85A53B-7FC2-4F88-BCEF-CF85AF314CEF}" type="sibTrans" cxnId="{82D34403-9320-4C0A-8AFB-EE9B5852C0D7}">
+      <dgm:prSet/>
+      <dgm:spPr/>
+      <dgm:t>
+        <a:bodyPr/>
+        <a:lstStyle/>
+        <a:p>
+          <a:endParaRPr lang="en-US"/>
+        </a:p>
+      </dgm:t>
+    </dgm:pt>
+    <dgm:pt modelId="{0D34E6B9-0961-4C9E-A814-B08E151C44B1}" type="pres">
+      <dgm:prSet presAssocID="{6203975F-A86B-468B-8B02-3148EB7C05F2}" presName="root" presStyleCnt="0">
+        <dgm:presLayoutVars>
+          <dgm:dir/>
+          <dgm:resizeHandles val="exact"/>
+        </dgm:presLayoutVars>
+      </dgm:prSet>
+      <dgm:spPr/>
+    </dgm:pt>
+    <dgm:pt modelId="{358E8C84-7B2F-454A-A25B-EB4BB05AC32C}" type="pres">
+      <dgm:prSet presAssocID="{7B0B3C96-D373-497C-9B52-A53D43098214}" presName="compNode" presStyleCnt="0"/>
+      <dgm:spPr/>
+    </dgm:pt>
+    <dgm:pt modelId="{3C0BEB13-1AF5-44A3-BB33-8E58BAD2552E}" type="pres">
+      <dgm:prSet presAssocID="{7B0B3C96-D373-497C-9B52-A53D43098214}" presName="iconBgRect" presStyleLbl="bgShp" presStyleIdx="0" presStyleCnt="5" custScaleX="133100" custScaleY="133100"/>
+      <dgm:spPr>
+        <a:prstGeom prst="round2DiagRect">
+          <a:avLst>
+            <a:gd name="adj1" fmla="val 29727"/>
+            <a:gd name="adj2" fmla="val 0"/>
+          </a:avLst>
+        </a:prstGeom>
+      </dgm:spPr>
+    </dgm:pt>
+    <dgm:pt modelId="{005F627F-D1A5-484C-9820-668E8C3E046F}" type="pres">
+      <dgm:prSet presAssocID="{7B0B3C96-D373-497C-9B52-A53D43098214}" presName="iconRect" presStyleLbl="node1" presStyleIdx="0" presStyleCnt="5" custScaleX="177156" custScaleY="177156"/>
+      <dgm:spPr>
+        <a:blipFill>
+          <a:blip xmlns:r="http://schemas.openxmlformats.org/officeDocument/2006/relationships" r:embed="rId1">
+            <a:extLst>
+              <a:ext uri="{28A0092B-C50C-407E-A947-70E740481C1C}">
+                <a14:useLocalDpi xmlns:a14="http://schemas.microsoft.com/office/drawing/2010/main" val="0"/>
+              </a:ext>
+              <a:ext uri="{96DAC541-7B7A-43D3-8B79-37D633B846F1}">
+                <asvg:svgBlip xmlns:asvg="http://schemas.microsoft.com/office/drawing/2016/SVG/main" r:embed="rId2"/>
+              </a:ext>
+            </a:extLst>
+          </a:blip>
+          <a:stretch>
+            <a:fillRect/>
+          </a:stretch>
+        </a:blipFill>
+        <a:ln>
+          <a:noFill/>
+        </a:ln>
+      </dgm:spPr>
+      <dgm:extLst>
+        <a:ext uri="{E40237B7-FDA0-4F09-8148-C483321AD2D9}">
+          <dgm14:cNvPr xmlns:dgm14="http://schemas.microsoft.com/office/drawing/2010/diagram" id="0" name="" descr="Employee Badge"/>
+        </a:ext>
+      </dgm:extLst>
+    </dgm:pt>
+    <dgm:pt modelId="{B7BA1C19-FDD1-4FA8-A475-3843DC5DB365}" type="pres">
+      <dgm:prSet presAssocID="{7B0B3C96-D373-497C-9B52-A53D43098214}" presName="spaceRect" presStyleCnt="0"/>
+      <dgm:spPr/>
+    </dgm:pt>
+    <dgm:pt modelId="{E89EE1C9-A9A9-429F-BF41-617656FD107B}" type="pres">
+      <dgm:prSet presAssocID="{7B0B3C96-D373-497C-9B52-A53D43098214}" presName="textRect" presStyleLbl="revTx" presStyleIdx="0" presStyleCnt="5">
+        <dgm:presLayoutVars>
+          <dgm:chMax val="1"/>
+          <dgm:chPref val="1"/>
+        </dgm:presLayoutVars>
+      </dgm:prSet>
+      <dgm:spPr/>
+    </dgm:pt>
+    <dgm:pt modelId="{C19037F0-D070-41E7-BC0C-8CB6737020CB}" type="pres">
+      <dgm:prSet presAssocID="{1159ED22-8ACB-41D8-B80D-3E516FE67004}" presName="sibTrans" presStyleCnt="0"/>
+      <dgm:spPr/>
+    </dgm:pt>
+    <dgm:pt modelId="{4B6C0E11-5A3D-466A-93F8-393B85E65400}" type="pres">
+      <dgm:prSet presAssocID="{880010FB-60B0-4B49-96FE-864B539532A1}" presName="compNode" presStyleCnt="0"/>
+      <dgm:spPr/>
+    </dgm:pt>
+    <dgm:pt modelId="{26F06E33-95B2-49FE-9017-3949A1F7172B}" type="pres">
+      <dgm:prSet presAssocID="{880010FB-60B0-4B49-96FE-864B539532A1}" presName="iconBgRect" presStyleLbl="bgShp" presStyleIdx="1" presStyleCnt="5" custScaleX="133100" custScaleY="133100"/>
+      <dgm:spPr>
+        <a:prstGeom prst="round2DiagRect">
+          <a:avLst>
+            <a:gd name="adj1" fmla="val 29727"/>
+            <a:gd name="adj2" fmla="val 0"/>
+          </a:avLst>
+        </a:prstGeom>
+      </dgm:spPr>
+    </dgm:pt>
+    <dgm:pt modelId="{394A29F4-66DD-48B1-8B1F-6CDF2854B621}" type="pres">
+      <dgm:prSet presAssocID="{880010FB-60B0-4B49-96FE-864B539532A1}" presName="iconRect" presStyleLbl="node1" presStyleIdx="1" presStyleCnt="5" custScaleX="177143" custScaleY="177143"/>
+      <dgm:spPr>
+        <a:blipFill>
+          <a:blip xmlns:r="http://schemas.openxmlformats.org/officeDocument/2006/relationships" r:embed="rId3">
+            <a:extLst>
+              <a:ext uri="{28A0092B-C50C-407E-A947-70E740481C1C}">
+                <a14:useLocalDpi xmlns:a14="http://schemas.microsoft.com/office/drawing/2010/main" val="0"/>
+              </a:ext>
+              <a:ext uri="{96DAC541-7B7A-43D3-8B79-37D633B846F1}">
+                <asvg:svgBlip xmlns:asvg="http://schemas.microsoft.com/office/drawing/2016/SVG/main" r:embed="rId4"/>
+              </a:ext>
+            </a:extLst>
+          </a:blip>
+          <a:stretch>
+            <a:fillRect/>
+          </a:stretch>
+        </a:blipFill>
+        <a:ln>
+          <a:noFill/>
+        </a:ln>
+      </dgm:spPr>
+      <dgm:extLst>
+        <a:ext uri="{E40237B7-FDA0-4F09-8148-C483321AD2D9}">
+          <dgm14:cNvPr xmlns:dgm14="http://schemas.microsoft.com/office/drawing/2010/diagram" id="0" name="" descr="User"/>
+        </a:ext>
+      </dgm:extLst>
+    </dgm:pt>
+    <dgm:pt modelId="{E793FA42-0784-498C-8DDB-891DDEB6E132}" type="pres">
+      <dgm:prSet presAssocID="{880010FB-60B0-4B49-96FE-864B539532A1}" presName="spaceRect" presStyleCnt="0"/>
+      <dgm:spPr/>
+    </dgm:pt>
+    <dgm:pt modelId="{060659B5-F1FD-48A3-8971-13A06B0747EC}" type="pres">
+      <dgm:prSet presAssocID="{880010FB-60B0-4B49-96FE-864B539532A1}" presName="textRect" presStyleLbl="revTx" presStyleIdx="1" presStyleCnt="5" custScaleX="89818">
+        <dgm:presLayoutVars>
+          <dgm:chMax val="1"/>
+          <dgm:chPref val="1"/>
+        </dgm:presLayoutVars>
+      </dgm:prSet>
+      <dgm:spPr/>
+    </dgm:pt>
+    <dgm:pt modelId="{623FCEF0-BF73-45D1-9428-79D8911190C7}" type="pres">
+      <dgm:prSet presAssocID="{9F6985AA-1EC3-48BB-9DE6-0B963B22EDB0}" presName="sibTrans" presStyleCnt="0"/>
+      <dgm:spPr/>
+    </dgm:pt>
+    <dgm:pt modelId="{4EFC1567-A245-4480-967F-F88ACB85DBB0}" type="pres">
+      <dgm:prSet presAssocID="{FF458B08-3A33-4C68-988D-A484987CEC9A}" presName="compNode" presStyleCnt="0"/>
+      <dgm:spPr/>
+    </dgm:pt>
+    <dgm:pt modelId="{05F26071-D309-4CDC-AF9C-9948BD7D9955}" type="pres">
+      <dgm:prSet presAssocID="{FF458B08-3A33-4C68-988D-A484987CEC9A}" presName="iconBgRect" presStyleLbl="bgShp" presStyleIdx="2" presStyleCnt="5" custScaleX="133100" custScaleY="133100"/>
+      <dgm:spPr>
+        <a:prstGeom prst="round2DiagRect">
+          <a:avLst>
+            <a:gd name="adj1" fmla="val 29727"/>
+            <a:gd name="adj2" fmla="val 0"/>
+          </a:avLst>
+        </a:prstGeom>
+      </dgm:spPr>
+    </dgm:pt>
+    <dgm:pt modelId="{23D055CE-BBFA-4197-BEFA-B095E789F710}" type="pres">
+      <dgm:prSet presAssocID="{FF458B08-3A33-4C68-988D-A484987CEC9A}" presName="iconRect" presStyleLbl="node1" presStyleIdx="2" presStyleCnt="5" custScaleX="177143" custScaleY="177143"/>
+      <dgm:spPr>
+        <a:blipFill>
+          <a:blip xmlns:r="http://schemas.openxmlformats.org/officeDocument/2006/relationships" r:embed="rId5">
+            <a:extLst>
+              <a:ext uri="{28A0092B-C50C-407E-A947-70E740481C1C}">
+                <a14:useLocalDpi xmlns:a14="http://schemas.microsoft.com/office/drawing/2010/main" val="0"/>
+              </a:ext>
+              <a:ext uri="{96DAC541-7B7A-43D3-8B79-37D633B846F1}">
+                <asvg:svgBlip xmlns:asvg="http://schemas.microsoft.com/office/drawing/2016/SVG/main" r:embed="rId6"/>
+              </a:ext>
+            </a:extLst>
+          </a:blip>
+          <a:stretch>
+            <a:fillRect/>
+          </a:stretch>
+        </a:blipFill>
+        <a:ln>
+          <a:noFill/>
+        </a:ln>
+      </dgm:spPr>
+      <dgm:extLst>
+        <a:ext uri="{E40237B7-FDA0-4F09-8148-C483321AD2D9}">
+          <dgm14:cNvPr xmlns:dgm14="http://schemas.microsoft.com/office/drawing/2010/diagram" id="0" name="" descr="City"/>
+        </a:ext>
+      </dgm:extLst>
+    </dgm:pt>
+    <dgm:pt modelId="{B3116237-F29F-4C5C-94F1-7ED368B04021}" type="pres">
+      <dgm:prSet presAssocID="{FF458B08-3A33-4C68-988D-A484987CEC9A}" presName="spaceRect" presStyleCnt="0"/>
+      <dgm:spPr/>
+    </dgm:pt>
+    <dgm:pt modelId="{3D3C3C99-9D3E-444A-A663-642350DF6C71}" type="pres">
+      <dgm:prSet presAssocID="{FF458B08-3A33-4C68-988D-A484987CEC9A}" presName="textRect" presStyleLbl="revTx" presStyleIdx="2" presStyleCnt="5" custScaleX="109311">
+        <dgm:presLayoutVars>
+          <dgm:chMax val="1"/>
+          <dgm:chPref val="1"/>
+        </dgm:presLayoutVars>
+      </dgm:prSet>
+      <dgm:spPr/>
+    </dgm:pt>
+    <dgm:pt modelId="{2F2F4582-18EA-4139-A993-B4E3C3982A18}" type="pres">
+      <dgm:prSet presAssocID="{1C90FCC0-D8A2-4C4B-B41C-F2D0CBB27080}" presName="sibTrans" presStyleCnt="0"/>
+      <dgm:spPr/>
+    </dgm:pt>
+    <dgm:pt modelId="{47A319C9-3FC7-48B8-927E-8385CCB7D5AD}" type="pres">
+      <dgm:prSet presAssocID="{C8614DC2-FE57-4719-BF0F-646A0D18B222}" presName="compNode" presStyleCnt="0"/>
+      <dgm:spPr/>
+    </dgm:pt>
+    <dgm:pt modelId="{FE4B43D3-DC01-48F7-8312-33EFC39BF4F1}" type="pres">
+      <dgm:prSet presAssocID="{C8614DC2-FE57-4719-BF0F-646A0D18B222}" presName="iconBgRect" presStyleLbl="bgShp" presStyleIdx="3" presStyleCnt="5" custScaleX="133100" custScaleY="133100"/>
+      <dgm:spPr>
+        <a:prstGeom prst="round2DiagRect">
+          <a:avLst>
+            <a:gd name="adj1" fmla="val 29727"/>
+            <a:gd name="adj2" fmla="val 0"/>
+          </a:avLst>
+        </a:prstGeom>
+      </dgm:spPr>
+    </dgm:pt>
+    <dgm:pt modelId="{4E26DC9A-EBB1-494F-BCC7-9A5862D0A84D}" type="pres">
+      <dgm:prSet presAssocID="{C8614DC2-FE57-4719-BF0F-646A0D18B222}" presName="iconRect" presStyleLbl="node1" presStyleIdx="3" presStyleCnt="5" custScaleX="177143" custScaleY="177143"/>
+      <dgm:spPr>
+        <a:blipFill>
+          <a:blip xmlns:r="http://schemas.openxmlformats.org/officeDocument/2006/relationships" r:embed="rId7">
+            <a:extLst>
+              <a:ext uri="{28A0092B-C50C-407E-A947-70E740481C1C}">
+                <a14:useLocalDpi xmlns:a14="http://schemas.microsoft.com/office/drawing/2010/main" val="0"/>
+              </a:ext>
+              <a:ext uri="{96DAC541-7B7A-43D3-8B79-37D633B846F1}">
+                <asvg:svgBlip xmlns:asvg="http://schemas.microsoft.com/office/drawing/2016/SVG/main" r:embed="rId8"/>
+              </a:ext>
+            </a:extLst>
+          </a:blip>
+          <a:stretch>
+            <a:fillRect/>
+          </a:stretch>
+        </a:blipFill>
+        <a:ln>
+          <a:noFill/>
+        </a:ln>
+      </dgm:spPr>
+      <dgm:extLst>
+        <a:ext uri="{E40237B7-FDA0-4F09-8148-C483321AD2D9}">
+          <dgm14:cNvPr xmlns:dgm14="http://schemas.microsoft.com/office/drawing/2010/diagram" id="0" name="" descr="Speaker Phone"/>
+        </a:ext>
+      </dgm:extLst>
+    </dgm:pt>
+    <dgm:pt modelId="{C0E294F8-EE42-46D5-8E11-E517FC49C3BD}" type="pres">
+      <dgm:prSet presAssocID="{C8614DC2-FE57-4719-BF0F-646A0D18B222}" presName="spaceRect" presStyleCnt="0"/>
+      <dgm:spPr/>
+    </dgm:pt>
+    <dgm:pt modelId="{A7967C51-46B6-4A38-A5E9-39D520C0E4C6}" type="pres">
+      <dgm:prSet presAssocID="{C8614DC2-FE57-4719-BF0F-646A0D18B222}" presName="textRect" presStyleLbl="revTx" presStyleIdx="3" presStyleCnt="5">
+        <dgm:presLayoutVars>
+          <dgm:chMax val="1"/>
+          <dgm:chPref val="1"/>
+        </dgm:presLayoutVars>
+      </dgm:prSet>
+      <dgm:spPr/>
+    </dgm:pt>
+    <dgm:pt modelId="{4B503191-5AC4-432F-A35B-6E97BABFA4EC}" type="pres">
+      <dgm:prSet presAssocID="{F3080957-AFF8-438C-AF75-3A71D2B4E63A}" presName="sibTrans" presStyleCnt="0"/>
+      <dgm:spPr/>
+    </dgm:pt>
+    <dgm:pt modelId="{5802FD59-C219-4130-902C-72B87EED86F3}" type="pres">
+      <dgm:prSet presAssocID="{3DB77BC0-2AFD-4307-8B8F-F28E2F11B90D}" presName="compNode" presStyleCnt="0"/>
+      <dgm:spPr/>
+    </dgm:pt>
+    <dgm:pt modelId="{1895E238-2981-4FDA-B9B1-B5C7C46E5E54}" type="pres">
+      <dgm:prSet presAssocID="{3DB77BC0-2AFD-4307-8B8F-F28E2F11B90D}" presName="iconBgRect" presStyleLbl="bgShp" presStyleIdx="4" presStyleCnt="5" custScaleX="133100" custScaleY="133100"/>
+      <dgm:spPr>
+        <a:prstGeom prst="round2DiagRect">
+          <a:avLst>
+            <a:gd name="adj1" fmla="val 29727"/>
+            <a:gd name="adj2" fmla="val 0"/>
+          </a:avLst>
+        </a:prstGeom>
+      </dgm:spPr>
+    </dgm:pt>
+    <dgm:pt modelId="{7113C16E-F08A-4D97-B9BA-BB01F45FA40D}" type="pres">
+      <dgm:prSet presAssocID="{3DB77BC0-2AFD-4307-8B8F-F28E2F11B90D}" presName="iconRect" presStyleLbl="node1" presStyleIdx="4" presStyleCnt="5" custScaleX="177143" custScaleY="177143"/>
+      <dgm:spPr>
+        <a:blipFill>
+          <a:blip xmlns:r="http://schemas.openxmlformats.org/officeDocument/2006/relationships" r:embed="rId9">
+            <a:extLst>
+              <a:ext uri="{28A0092B-C50C-407E-A947-70E740481C1C}">
+                <a14:useLocalDpi xmlns:a14="http://schemas.microsoft.com/office/drawing/2010/main" val="0"/>
+              </a:ext>
+              <a:ext uri="{96DAC541-7B7A-43D3-8B79-37D633B846F1}">
+                <asvg:svgBlip xmlns:asvg="http://schemas.microsoft.com/office/drawing/2016/SVG/main" r:embed="rId10"/>
+              </a:ext>
+            </a:extLst>
+          </a:blip>
+          <a:stretch>
+            <a:fillRect/>
+          </a:stretch>
+        </a:blipFill>
+        <a:ln>
+          <a:noFill/>
+        </a:ln>
+      </dgm:spPr>
+      <dgm:extLst>
+        <a:ext uri="{E40237B7-FDA0-4F09-8148-C483321AD2D9}">
+          <dgm14:cNvPr xmlns:dgm14="http://schemas.microsoft.com/office/drawing/2010/diagram" id="0" name="" descr="Email"/>
+        </a:ext>
+      </dgm:extLst>
+    </dgm:pt>
+    <dgm:pt modelId="{26AFDEFA-319B-4330-98A1-D07388D348C8}" type="pres">
+      <dgm:prSet presAssocID="{3DB77BC0-2AFD-4307-8B8F-F28E2F11B90D}" presName="spaceRect" presStyleCnt="0"/>
+      <dgm:spPr/>
+    </dgm:pt>
+    <dgm:pt modelId="{D5D2ADB6-846E-43E9-8D1F-B722071A66CA}" type="pres">
+      <dgm:prSet presAssocID="{3DB77BC0-2AFD-4307-8B8F-F28E2F11B90D}" presName="textRect" presStyleLbl="revTx" presStyleIdx="4" presStyleCnt="5">
+        <dgm:presLayoutVars>
+          <dgm:chMax val="1"/>
+          <dgm:chPref val="1"/>
+        </dgm:presLayoutVars>
+      </dgm:prSet>
+      <dgm:spPr/>
+    </dgm:pt>
+  </dgm:ptLst>
+  <dgm:cxnLst>
+    <dgm:cxn modelId="{82D34403-9320-4C0A-8AFB-EE9B5852C0D7}" srcId="{6203975F-A86B-468B-8B02-3148EB7C05F2}" destId="{3DB77BC0-2AFD-4307-8B8F-F28E2F11B90D}" srcOrd="4" destOrd="0" parTransId="{63FABFD7-B8E4-480C-AD7F-3B37C3A1BBD1}" sibTransId="{BF85A53B-7FC2-4F88-BCEF-CF85AF314CEF}"/>
+    <dgm:cxn modelId="{D4408A1C-B1A8-4C8E-BD4A-29CF1FEB777F}" srcId="{6203975F-A86B-468B-8B02-3148EB7C05F2}" destId="{7B0B3C96-D373-497C-9B52-A53D43098214}" srcOrd="0" destOrd="0" parTransId="{7F4EF2DE-1675-4DD9-AAF7-984DF1123EDB}" sibTransId="{1159ED22-8ACB-41D8-B80D-3E516FE67004}"/>
+    <dgm:cxn modelId="{C0BEF65D-106A-4418-8409-A9B9FA60AD1B}" type="presOf" srcId="{7B0B3C96-D373-497C-9B52-A53D43098214}" destId="{E89EE1C9-A9A9-429F-BF41-617656FD107B}" srcOrd="0" destOrd="0" presId="urn:microsoft.com/office/officeart/2018/5/layout/IconLeafLabelList"/>
+    <dgm:cxn modelId="{28F7EB65-E996-454B-A1AE-C3A0047208AB}" srcId="{6203975F-A86B-468B-8B02-3148EB7C05F2}" destId="{880010FB-60B0-4B49-96FE-864B539532A1}" srcOrd="1" destOrd="0" parTransId="{C8D6AB75-5A46-4672-8678-2BBFFFDFD4A1}" sibTransId="{9F6985AA-1EC3-48BB-9DE6-0B963B22EDB0}"/>
+    <dgm:cxn modelId="{4BD6F37E-B9E0-4644-93E6-D90724CDA73C}" type="presOf" srcId="{FF458B08-3A33-4C68-988D-A484987CEC9A}" destId="{3D3C3C99-9D3E-444A-A663-642350DF6C71}" srcOrd="0" destOrd="0" presId="urn:microsoft.com/office/officeart/2018/5/layout/IconLeafLabelList"/>
+    <dgm:cxn modelId="{6925AC80-80BD-4568-A29B-1BC59F1EFE1D}" type="presOf" srcId="{6203975F-A86B-468B-8B02-3148EB7C05F2}" destId="{0D34E6B9-0961-4C9E-A814-B08E151C44B1}" srcOrd="0" destOrd="0" presId="urn:microsoft.com/office/officeart/2018/5/layout/IconLeafLabelList"/>
+    <dgm:cxn modelId="{95FA8798-746B-45FD-A251-1004F94ED557}" type="presOf" srcId="{C8614DC2-FE57-4719-BF0F-646A0D18B222}" destId="{A7967C51-46B6-4A38-A5E9-39D520C0E4C6}" srcOrd="0" destOrd="0" presId="urn:microsoft.com/office/officeart/2018/5/layout/IconLeafLabelList"/>
+    <dgm:cxn modelId="{5015C799-502D-423E-B4D6-5AD13A452D68}" type="presOf" srcId="{3DB77BC0-2AFD-4307-8B8F-F28E2F11B90D}" destId="{D5D2ADB6-846E-43E9-8D1F-B722071A66CA}" srcOrd="0" destOrd="0" presId="urn:microsoft.com/office/officeart/2018/5/layout/IconLeafLabelList"/>
+    <dgm:cxn modelId="{8F0669B3-8FCB-4EDB-910B-50F0660E6A26}" srcId="{6203975F-A86B-468B-8B02-3148EB7C05F2}" destId="{C8614DC2-FE57-4719-BF0F-646A0D18B222}" srcOrd="3" destOrd="0" parTransId="{1EE4C94C-0C68-4396-8A58-8835297811E9}" sibTransId="{F3080957-AFF8-438C-AF75-3A71D2B4E63A}"/>
+    <dgm:cxn modelId="{9E3584C4-ADD5-49F9-A354-8C9A8A03CAED}" type="presOf" srcId="{880010FB-60B0-4B49-96FE-864B539532A1}" destId="{060659B5-F1FD-48A3-8971-13A06B0747EC}" srcOrd="0" destOrd="0" presId="urn:microsoft.com/office/officeart/2018/5/layout/IconLeafLabelList"/>
+    <dgm:cxn modelId="{2047D9DD-4C25-4242-A186-2824B6C5BE57}" srcId="{6203975F-A86B-468B-8B02-3148EB7C05F2}" destId="{FF458B08-3A33-4C68-988D-A484987CEC9A}" srcOrd="2" destOrd="0" parTransId="{818D464B-BFC4-4124-99A3-4F69AC49BF46}" sibTransId="{1C90FCC0-D8A2-4C4B-B41C-F2D0CBB27080}"/>
+    <dgm:cxn modelId="{F51F1994-AC6A-4E16-9677-706DC503ECFB}" type="presParOf" srcId="{0D34E6B9-0961-4C9E-A814-B08E151C44B1}" destId="{358E8C84-7B2F-454A-A25B-EB4BB05AC32C}" srcOrd="0" destOrd="0" presId="urn:microsoft.com/office/officeart/2018/5/layout/IconLeafLabelList"/>
+    <dgm:cxn modelId="{37CE2E74-CAE6-49E0-B9D4-344FBD9FA0C0}" type="presParOf" srcId="{358E8C84-7B2F-454A-A25B-EB4BB05AC32C}" destId="{3C0BEB13-1AF5-44A3-BB33-8E58BAD2552E}" srcOrd="0" destOrd="0" presId="urn:microsoft.com/office/officeart/2018/5/layout/IconLeafLabelList"/>
+    <dgm:cxn modelId="{14D4B58A-D66C-44DC-96D1-848ED1FDF7A6}" type="presParOf" srcId="{358E8C84-7B2F-454A-A25B-EB4BB05AC32C}" destId="{005F627F-D1A5-484C-9820-668E8C3E046F}" srcOrd="1" destOrd="0" presId="urn:microsoft.com/office/officeart/2018/5/layout/IconLeafLabelList"/>
+    <dgm:cxn modelId="{A7572505-2863-4B58-9756-962F44C510C9}" type="presParOf" srcId="{358E8C84-7B2F-454A-A25B-EB4BB05AC32C}" destId="{B7BA1C19-FDD1-4FA8-A475-3843DC5DB365}" srcOrd="2" destOrd="0" presId="urn:microsoft.com/office/officeart/2018/5/layout/IconLeafLabelList"/>
+    <dgm:cxn modelId="{E9C415FC-7D99-470B-87D8-12BDF8A2FC53}" type="presParOf" srcId="{358E8C84-7B2F-454A-A25B-EB4BB05AC32C}" destId="{E89EE1C9-A9A9-429F-BF41-617656FD107B}" srcOrd="3" destOrd="0" presId="urn:microsoft.com/office/officeart/2018/5/layout/IconLeafLabelList"/>
+    <dgm:cxn modelId="{F84F232D-8C9F-46EB-BD0D-9B1D6E25EFA5}" type="presParOf" srcId="{0D34E6B9-0961-4C9E-A814-B08E151C44B1}" destId="{C19037F0-D070-41E7-BC0C-8CB6737020CB}" srcOrd="1" destOrd="0" presId="urn:microsoft.com/office/officeart/2018/5/layout/IconLeafLabelList"/>
+    <dgm:cxn modelId="{87E15D9D-528D-4C4B-A8D9-E44354E90A6E}" type="presParOf" srcId="{0D34E6B9-0961-4C9E-A814-B08E151C44B1}" destId="{4B6C0E11-5A3D-466A-93F8-393B85E65400}" srcOrd="2" destOrd="0" presId="urn:microsoft.com/office/officeart/2018/5/layout/IconLeafLabelList"/>
+    <dgm:cxn modelId="{6ACE0CF2-2684-4A3E-A2F8-B07EFDDDCA70}" type="presParOf" srcId="{4B6C0E11-5A3D-466A-93F8-393B85E65400}" destId="{26F06E33-95B2-49FE-9017-3949A1F7172B}" srcOrd="0" destOrd="0" presId="urn:microsoft.com/office/officeart/2018/5/layout/IconLeafLabelList"/>
+    <dgm:cxn modelId="{AAC23F36-362F-4D9C-9BC8-DFC4FF516225}" type="presParOf" srcId="{4B6C0E11-5A3D-466A-93F8-393B85E65400}" destId="{394A29F4-66DD-48B1-8B1F-6CDF2854B621}" srcOrd="1" destOrd="0" presId="urn:microsoft.com/office/officeart/2018/5/layout/IconLeafLabelList"/>
+    <dgm:cxn modelId="{964088A8-0508-4012-9BA8-492EA48F8042}" type="presParOf" srcId="{4B6C0E11-5A3D-466A-93F8-393B85E65400}" destId="{E793FA42-0784-498C-8DDB-891DDEB6E132}" srcOrd="2" destOrd="0" presId="urn:microsoft.com/office/officeart/2018/5/layout/IconLeafLabelList"/>
+    <dgm:cxn modelId="{B32D1D01-BB09-417C-8BA4-635B786949D5}" type="presParOf" srcId="{4B6C0E11-5A3D-466A-93F8-393B85E65400}" destId="{060659B5-F1FD-48A3-8971-13A06B0747EC}" srcOrd="3" destOrd="0" presId="urn:microsoft.com/office/officeart/2018/5/layout/IconLeafLabelList"/>
+    <dgm:cxn modelId="{59525571-82A8-4A10-BBE9-0D439DA2A28F}" type="presParOf" srcId="{0D34E6B9-0961-4C9E-A814-B08E151C44B1}" destId="{623FCEF0-BF73-45D1-9428-79D8911190C7}" srcOrd="3" destOrd="0" presId="urn:microsoft.com/office/officeart/2018/5/layout/IconLeafLabelList"/>
+    <dgm:cxn modelId="{D0D6AA38-8D05-4EC0-B079-85D7C3E5DCFA}" type="presParOf" srcId="{0D34E6B9-0961-4C9E-A814-B08E151C44B1}" destId="{4EFC1567-A245-4480-967F-F88ACB85DBB0}" srcOrd="4" destOrd="0" presId="urn:microsoft.com/office/officeart/2018/5/layout/IconLeafLabelList"/>
+    <dgm:cxn modelId="{DA7CF553-7F04-4505-A9F5-F7F40A5326DA}" type="presParOf" srcId="{4EFC1567-A245-4480-967F-F88ACB85DBB0}" destId="{05F26071-D309-4CDC-AF9C-9948BD7D9955}" srcOrd="0" destOrd="0" presId="urn:microsoft.com/office/officeart/2018/5/layout/IconLeafLabelList"/>
+    <dgm:cxn modelId="{165AC1CF-749B-4B46-B9EE-1BAE3F719740}" type="presParOf" srcId="{4EFC1567-A245-4480-967F-F88ACB85DBB0}" destId="{23D055CE-BBFA-4197-BEFA-B095E789F710}" srcOrd="1" destOrd="0" presId="urn:microsoft.com/office/officeart/2018/5/layout/IconLeafLabelList"/>
+    <dgm:cxn modelId="{275EA34D-8897-45F3-BFDF-C65B6341DE18}" type="presParOf" srcId="{4EFC1567-A245-4480-967F-F88ACB85DBB0}" destId="{B3116237-F29F-4C5C-94F1-7ED368B04021}" srcOrd="2" destOrd="0" presId="urn:microsoft.com/office/officeart/2018/5/layout/IconLeafLabelList"/>
+    <dgm:cxn modelId="{D8BC5397-595B-4AA4-A379-569DA829B435}" type="presParOf" srcId="{4EFC1567-A245-4480-967F-F88ACB85DBB0}" destId="{3D3C3C99-9D3E-444A-A663-642350DF6C71}" srcOrd="3" destOrd="0" presId="urn:microsoft.com/office/officeart/2018/5/layout/IconLeafLabelList"/>
+    <dgm:cxn modelId="{1D01098B-80BE-4A7F-8725-4FFC209CC309}" type="presParOf" srcId="{0D34E6B9-0961-4C9E-A814-B08E151C44B1}" destId="{2F2F4582-18EA-4139-A993-B4E3C3982A18}" srcOrd="5" destOrd="0" presId="urn:microsoft.com/office/officeart/2018/5/layout/IconLeafLabelList"/>
+    <dgm:cxn modelId="{8C8DB075-2013-4F22-AC8F-6102258F545F}" type="presParOf" srcId="{0D34E6B9-0961-4C9E-A814-B08E151C44B1}" destId="{47A319C9-3FC7-48B8-927E-8385CCB7D5AD}" srcOrd="6" destOrd="0" presId="urn:microsoft.com/office/officeart/2018/5/layout/IconLeafLabelList"/>
+    <dgm:cxn modelId="{3060AD9B-49E4-47A2-9674-2F25EEE22EE9}" type="presParOf" srcId="{47A319C9-3FC7-48B8-927E-8385CCB7D5AD}" destId="{FE4B43D3-DC01-48F7-8312-33EFC39BF4F1}" srcOrd="0" destOrd="0" presId="urn:microsoft.com/office/officeart/2018/5/layout/IconLeafLabelList"/>
+    <dgm:cxn modelId="{9FC6AE99-A1A4-4B0B-AF00-0D6E8885001E}" type="presParOf" srcId="{47A319C9-3FC7-48B8-927E-8385CCB7D5AD}" destId="{4E26DC9A-EBB1-494F-BCC7-9A5862D0A84D}" srcOrd="1" destOrd="0" presId="urn:microsoft.com/office/officeart/2018/5/layout/IconLeafLabelList"/>
+    <dgm:cxn modelId="{D4AFDD18-715D-4229-B99C-A77F6D39A057}" type="presParOf" srcId="{47A319C9-3FC7-48B8-927E-8385CCB7D5AD}" destId="{C0E294F8-EE42-46D5-8E11-E517FC49C3BD}" srcOrd="2" destOrd="0" presId="urn:microsoft.com/office/officeart/2018/5/layout/IconLeafLabelList"/>
+    <dgm:cxn modelId="{9F519966-7E79-44F0-AF26-88BF0A6A55D4}" type="presParOf" srcId="{47A319C9-3FC7-48B8-927E-8385CCB7D5AD}" destId="{A7967C51-46B6-4A38-A5E9-39D520C0E4C6}" srcOrd="3" destOrd="0" presId="urn:microsoft.com/office/officeart/2018/5/layout/IconLeafLabelList"/>
+    <dgm:cxn modelId="{DDF6B599-0CA8-4A9D-83B5-C67B7DA8D022}" type="presParOf" srcId="{0D34E6B9-0961-4C9E-A814-B08E151C44B1}" destId="{4B503191-5AC4-432F-A35B-6E97BABFA4EC}" srcOrd="7" destOrd="0" presId="urn:microsoft.com/office/officeart/2018/5/layout/IconLeafLabelList"/>
+    <dgm:cxn modelId="{C9017C6C-9247-4F1C-B1A9-1DED81DAD3DF}" type="presParOf" srcId="{0D34E6B9-0961-4C9E-A814-B08E151C44B1}" destId="{5802FD59-C219-4130-902C-72B87EED86F3}" srcOrd="8" destOrd="0" presId="urn:microsoft.com/office/officeart/2018/5/layout/IconLeafLabelList"/>
+    <dgm:cxn modelId="{341B4255-A89F-4C15-8F79-9FD6B541C662}" type="presParOf" srcId="{5802FD59-C219-4130-902C-72B87EED86F3}" destId="{1895E238-2981-4FDA-B9B1-B5C7C46E5E54}" srcOrd="0" destOrd="0" presId="urn:microsoft.com/office/officeart/2018/5/layout/IconLeafLabelList"/>
+    <dgm:cxn modelId="{8B027D95-207C-4891-900F-9D839DE59C2C}" type="presParOf" srcId="{5802FD59-C219-4130-902C-72B87EED86F3}" destId="{7113C16E-F08A-4D97-B9BA-BB01F45FA40D}" srcOrd="1" destOrd="0" presId="urn:microsoft.com/office/officeart/2018/5/layout/IconLeafLabelList"/>
+    <dgm:cxn modelId="{99C08CA5-8C53-4BEC-A7F5-BAF0E3F75243}" type="presParOf" srcId="{5802FD59-C219-4130-902C-72B87EED86F3}" destId="{26AFDEFA-319B-4330-98A1-D07388D348C8}" srcOrd="2" destOrd="0" presId="urn:microsoft.com/office/officeart/2018/5/layout/IconLeafLabelList"/>
+    <dgm:cxn modelId="{06FC9D83-1FAE-4352-AE53-658102B27237}" type="presParOf" srcId="{5802FD59-C219-4130-902C-72B87EED86F3}" destId="{D5D2ADB6-846E-43E9-8D1F-B722071A66CA}" srcOrd="3" destOrd="0" presId="urn:microsoft.com/office/officeart/2018/5/layout/IconLeafLabelList"/>
+  </dgm:cxnLst>
+  <dgm:bg/>
+  <dgm:whole/>
+  <dgm:extLst>
+    <a:ext uri="http://schemas.microsoft.com/office/drawing/2008/diagram">
+      <dsp:dataModelExt xmlns:dsp="http://schemas.microsoft.com/office/drawing/2008/diagram" relId="rId6" minVer="http://schemas.openxmlformats.org/drawingml/2006/diagram"/>
+    </a:ext>
+  </dgm:extLst>
+</dgm:dataModel>
+</file>
+
+<file path=ppt/diagrams/data5.xml><?xml version="1.0" encoding="utf-8"?>
 <dgm:dataModel xmlns:dgm="http://schemas.openxmlformats.org/drawingml/2006/diagram" xmlns:a="http://schemas.openxmlformats.org/drawingml/2006/main">
   <dgm:ptLst>
     <dgm:pt modelId="{413C314A-F2A3-4C90-ABAC-C55C59DAE38E}" type="doc">
@@ -6554,7 +8103,7 @@
 </dgm:dataModel>
 </file>
 
-<file path=ppt/diagrams/data5.xml><?xml version="1.0" encoding="utf-8"?>
+<file path=ppt/diagrams/data6.xml><?xml version="1.0" encoding="utf-8"?>
 <dgm:dataModel xmlns:dgm="http://schemas.openxmlformats.org/drawingml/2006/diagram" xmlns:a="http://schemas.openxmlformats.org/drawingml/2006/main">
   <dgm:ptLst>
     <dgm:pt modelId="{D8C6EB0C-8FE5-4031-AC96-5D46685E6E3B}" type="doc">
@@ -7244,7 +8793,7 @@
 </dgm:dataModel>
 </file>
 
-<file path=ppt/diagrams/data6.xml><?xml version="1.0" encoding="utf-8"?>
+<file path=ppt/diagrams/data7.xml><?xml version="1.0" encoding="utf-8"?>
 <dgm:dataModel xmlns:dgm="http://schemas.openxmlformats.org/drawingml/2006/diagram" xmlns:a="http://schemas.openxmlformats.org/drawingml/2006/main">
   <dgm:ptLst>
     <dgm:pt modelId="{F4AE5999-A959-4110-B634-91C3FE13F319}" type="doc">
@@ -8190,8 +9739,8 @@
             <a:buNone/>
           </a:pPr>
           <a:r>
-            <a:rPr lang="es-419" sz="2600" kern="1200"/>
-            <a:t>Nombre del cliente/proveedor</a:t>
+            <a:rPr lang="es-419" sz="2600" kern="1200" dirty="0"/>
+            <a:t>Datos del cliente/proveedor</a:t>
           </a:r>
           <a:endParaRPr lang="en-US" sz="2600" kern="1200" dirty="0"/>
         </a:p>
@@ -8650,6 +10199,823 @@
 </file>
 
 <file path=ppt/diagrams/drawing4.xml><?xml version="1.0" encoding="utf-8"?>
+<dsp:drawing xmlns:dgm="http://schemas.openxmlformats.org/drawingml/2006/diagram" xmlns:dsp="http://schemas.microsoft.com/office/drawing/2008/diagram" xmlns:a="http://schemas.openxmlformats.org/drawingml/2006/main">
+  <dsp:spTree>
+    <dsp:nvGrpSpPr>
+      <dsp:cNvPr id="0" name=""/>
+      <dsp:cNvGrpSpPr/>
+    </dsp:nvGrpSpPr>
+    <dsp:grpSpPr/>
+    <dsp:sp modelId="{3C0BEB13-1AF5-44A3-BB33-8E58BAD2552E}">
+      <dsp:nvSpPr>
+        <dsp:cNvPr id="0" name=""/>
+        <dsp:cNvSpPr/>
+      </dsp:nvSpPr>
+      <dsp:spPr>
+        <a:xfrm>
+          <a:off x="429264" y="189047"/>
+          <a:ext cx="1461438" cy="1461438"/>
+        </a:xfrm>
+        <a:prstGeom prst="round2DiagRect">
+          <a:avLst>
+            <a:gd name="adj1" fmla="val 29727"/>
+            <a:gd name="adj2" fmla="val 0"/>
+          </a:avLst>
+        </a:prstGeom>
+        <a:solidFill>
+          <a:schemeClr val="accent2">
+            <a:hueOff val="0"/>
+            <a:satOff val="0"/>
+            <a:lumOff val="0"/>
+            <a:alphaOff val="0"/>
+          </a:schemeClr>
+        </a:solidFill>
+        <a:ln>
+          <a:noFill/>
+        </a:ln>
+        <a:effectLst/>
+      </dsp:spPr>
+      <dsp:style>
+        <a:lnRef idx="0">
+          <a:scrgbClr r="0" g="0" b="0"/>
+        </a:lnRef>
+        <a:fillRef idx="1">
+          <a:scrgbClr r="0" g="0" b="0"/>
+        </a:fillRef>
+        <a:effectRef idx="0">
+          <a:scrgbClr r="0" g="0" b="0"/>
+        </a:effectRef>
+        <a:fontRef idx="minor"/>
+      </dsp:style>
+    </dsp:sp>
+    <dsp:sp modelId="{005F627F-D1A5-484C-9820-668E8C3E046F}">
+      <dsp:nvSpPr>
+        <dsp:cNvPr id="0" name=""/>
+        <dsp:cNvSpPr/>
+      </dsp:nvSpPr>
+      <dsp:spPr>
+        <a:xfrm>
+          <a:off x="601942" y="361725"/>
+          <a:ext cx="1116082" cy="1116082"/>
+        </a:xfrm>
+        <a:prstGeom prst="rect">
+          <a:avLst/>
+        </a:prstGeom>
+        <a:blipFill>
+          <a:blip xmlns:r="http://schemas.openxmlformats.org/officeDocument/2006/relationships" r:embed="rId1">
+            <a:extLst>
+              <a:ext uri="{28A0092B-C50C-407E-A947-70E740481C1C}">
+                <a14:useLocalDpi xmlns:a14="http://schemas.microsoft.com/office/drawing/2010/main" val="0"/>
+              </a:ext>
+              <a:ext uri="{96DAC541-7B7A-43D3-8B79-37D633B846F1}">
+                <asvg:svgBlip xmlns:asvg="http://schemas.microsoft.com/office/drawing/2016/SVG/main" r:embed="rId2"/>
+              </a:ext>
+            </a:extLst>
+          </a:blip>
+          <a:stretch>
+            <a:fillRect/>
+          </a:stretch>
+        </a:blipFill>
+        <a:ln w="15875" cap="flat" cmpd="sng" algn="ctr">
+          <a:noFill/>
+          <a:prstDash val="solid"/>
+        </a:ln>
+        <a:effectLst/>
+      </dsp:spPr>
+      <dsp:style>
+        <a:lnRef idx="2">
+          <a:scrgbClr r="0" g="0" b="0"/>
+        </a:lnRef>
+        <a:fillRef idx="1">
+          <a:scrgbClr r="0" g="0" b="0"/>
+        </a:fillRef>
+        <a:effectRef idx="0">
+          <a:scrgbClr r="0" g="0" b="0"/>
+        </a:effectRef>
+        <a:fontRef idx="minor">
+          <a:schemeClr val="lt1"/>
+        </a:fontRef>
+      </dsp:style>
+    </dsp:sp>
+    <dsp:sp modelId="{E89EE1C9-A9A9-429F-BF41-617656FD107B}">
+      <dsp:nvSpPr>
+        <dsp:cNvPr id="0" name=""/>
+        <dsp:cNvSpPr/>
+      </dsp:nvSpPr>
+      <dsp:spPr>
+        <a:xfrm>
+          <a:off x="259983" y="1810766"/>
+          <a:ext cx="1800000" cy="855000"/>
+        </a:xfrm>
+        <a:prstGeom prst="rect">
+          <a:avLst/>
+        </a:prstGeom>
+        <a:noFill/>
+        <a:ln>
+          <a:noFill/>
+        </a:ln>
+        <a:effectLst/>
+      </dsp:spPr>
+      <dsp:style>
+        <a:lnRef idx="0">
+          <a:scrgbClr r="0" g="0" b="0"/>
+        </a:lnRef>
+        <a:fillRef idx="0">
+          <a:scrgbClr r="0" g="0" b="0"/>
+        </a:fillRef>
+        <a:effectRef idx="0">
+          <a:scrgbClr r="0" g="0" b="0"/>
+        </a:effectRef>
+        <a:fontRef idx="minor"/>
+      </dsp:style>
+      <dsp:txBody>
+        <a:bodyPr spcFirstLastPara="0" vert="horz" wrap="square" lIns="0" tIns="0" rIns="0" bIns="0" numCol="1" spcCol="1270" anchor="t" anchorCtr="0">
+          <a:noAutofit/>
+        </a:bodyPr>
+        <a:lstStyle/>
+        <a:p>
+          <a:pPr marL="0" lvl="0" indent="0" algn="ctr" defTabSz="800100">
+            <a:lnSpc>
+              <a:spcPct val="100000"/>
+            </a:lnSpc>
+            <a:spcBef>
+              <a:spcPct val="0"/>
+            </a:spcBef>
+            <a:spcAft>
+              <a:spcPct val="35000"/>
+            </a:spcAft>
+            <a:buNone/>
+            <a:defRPr cap="all"/>
+          </a:pPr>
+          <a:r>
+            <a:rPr lang="es-MX" sz="1800" b="1" kern="1200" dirty="0">
+              <a:solidFill>
+                <a:schemeClr val="accent2"/>
+              </a:solidFill>
+            </a:rPr>
+            <a:t>Número de Identificación (ID)</a:t>
+          </a:r>
+          <a:endParaRPr lang="en-US" sz="1800" b="1" kern="1200" dirty="0">
+            <a:solidFill>
+              <a:schemeClr val="accent2"/>
+            </a:solidFill>
+          </a:endParaRPr>
+        </a:p>
+      </dsp:txBody>
+      <dsp:txXfrm>
+        <a:off x="259983" y="1810766"/>
+        <a:ext cx="1800000" cy="855000"/>
+      </dsp:txXfrm>
+    </dsp:sp>
+    <dsp:sp modelId="{26F06E33-95B2-49FE-9017-3949A1F7172B}">
+      <dsp:nvSpPr>
+        <dsp:cNvPr id="0" name=""/>
+        <dsp:cNvSpPr/>
+      </dsp:nvSpPr>
+      <dsp:spPr>
+        <a:xfrm>
+          <a:off x="2544264" y="189047"/>
+          <a:ext cx="1461438" cy="1461438"/>
+        </a:xfrm>
+        <a:prstGeom prst="round2DiagRect">
+          <a:avLst>
+            <a:gd name="adj1" fmla="val 29727"/>
+            <a:gd name="adj2" fmla="val 0"/>
+          </a:avLst>
+        </a:prstGeom>
+        <a:solidFill>
+          <a:schemeClr val="accent3">
+            <a:hueOff val="0"/>
+            <a:satOff val="0"/>
+            <a:lumOff val="0"/>
+            <a:alphaOff val="0"/>
+          </a:schemeClr>
+        </a:solidFill>
+        <a:ln>
+          <a:noFill/>
+        </a:ln>
+        <a:effectLst/>
+      </dsp:spPr>
+      <dsp:style>
+        <a:lnRef idx="0">
+          <a:scrgbClr r="0" g="0" b="0"/>
+        </a:lnRef>
+        <a:fillRef idx="1">
+          <a:scrgbClr r="0" g="0" b="0"/>
+        </a:fillRef>
+        <a:effectRef idx="0">
+          <a:scrgbClr r="0" g="0" b="0"/>
+        </a:effectRef>
+        <a:fontRef idx="minor"/>
+      </dsp:style>
+    </dsp:sp>
+    <dsp:sp modelId="{394A29F4-66DD-48B1-8B1F-6CDF2854B621}">
+      <dsp:nvSpPr>
+        <dsp:cNvPr id="0" name=""/>
+        <dsp:cNvSpPr/>
+      </dsp:nvSpPr>
+      <dsp:spPr>
+        <a:xfrm>
+          <a:off x="2716983" y="361766"/>
+          <a:ext cx="1116000" cy="1116000"/>
+        </a:xfrm>
+        <a:prstGeom prst="rect">
+          <a:avLst/>
+        </a:prstGeom>
+        <a:blipFill>
+          <a:blip xmlns:r="http://schemas.openxmlformats.org/officeDocument/2006/relationships" r:embed="rId3">
+            <a:extLst>
+              <a:ext uri="{28A0092B-C50C-407E-A947-70E740481C1C}">
+                <a14:useLocalDpi xmlns:a14="http://schemas.microsoft.com/office/drawing/2010/main" val="0"/>
+              </a:ext>
+              <a:ext uri="{96DAC541-7B7A-43D3-8B79-37D633B846F1}">
+                <asvg:svgBlip xmlns:asvg="http://schemas.microsoft.com/office/drawing/2016/SVG/main" r:embed="rId4"/>
+              </a:ext>
+            </a:extLst>
+          </a:blip>
+          <a:stretch>
+            <a:fillRect/>
+          </a:stretch>
+        </a:blipFill>
+        <a:ln w="15875" cap="flat" cmpd="sng" algn="ctr">
+          <a:noFill/>
+          <a:prstDash val="solid"/>
+        </a:ln>
+        <a:effectLst/>
+      </dsp:spPr>
+      <dsp:style>
+        <a:lnRef idx="2">
+          <a:scrgbClr r="0" g="0" b="0"/>
+        </a:lnRef>
+        <a:fillRef idx="1">
+          <a:scrgbClr r="0" g="0" b="0"/>
+        </a:fillRef>
+        <a:effectRef idx="0">
+          <a:scrgbClr r="0" g="0" b="0"/>
+        </a:effectRef>
+        <a:fontRef idx="minor">
+          <a:schemeClr val="lt1"/>
+        </a:fontRef>
+      </dsp:style>
+    </dsp:sp>
+    <dsp:sp modelId="{060659B5-F1FD-48A3-8971-13A06B0747EC}">
+      <dsp:nvSpPr>
+        <dsp:cNvPr id="0" name=""/>
+        <dsp:cNvSpPr/>
+      </dsp:nvSpPr>
+      <dsp:spPr>
+        <a:xfrm>
+          <a:off x="2466621" y="1810766"/>
+          <a:ext cx="1616724" cy="855000"/>
+        </a:xfrm>
+        <a:prstGeom prst="rect">
+          <a:avLst/>
+        </a:prstGeom>
+        <a:noFill/>
+        <a:ln>
+          <a:noFill/>
+        </a:ln>
+        <a:effectLst/>
+      </dsp:spPr>
+      <dsp:style>
+        <a:lnRef idx="0">
+          <a:scrgbClr r="0" g="0" b="0"/>
+        </a:lnRef>
+        <a:fillRef idx="0">
+          <a:scrgbClr r="0" g="0" b="0"/>
+        </a:fillRef>
+        <a:effectRef idx="0">
+          <a:scrgbClr r="0" g="0" b="0"/>
+        </a:effectRef>
+        <a:fontRef idx="minor"/>
+      </dsp:style>
+      <dsp:txBody>
+        <a:bodyPr spcFirstLastPara="0" vert="horz" wrap="square" lIns="0" tIns="0" rIns="0" bIns="0" numCol="1" spcCol="1270" anchor="t" anchorCtr="0">
+          <a:noAutofit/>
+        </a:bodyPr>
+        <a:lstStyle/>
+        <a:p>
+          <a:pPr marL="0" lvl="0" indent="0" algn="ctr" defTabSz="800100">
+            <a:lnSpc>
+              <a:spcPct val="100000"/>
+            </a:lnSpc>
+            <a:spcBef>
+              <a:spcPct val="0"/>
+            </a:spcBef>
+            <a:spcAft>
+              <a:spcPct val="35000"/>
+            </a:spcAft>
+            <a:buNone/>
+            <a:defRPr cap="all"/>
+          </a:pPr>
+          <a:r>
+            <a:rPr lang="es-MX" sz="1800" b="1" kern="1200" dirty="0">
+              <a:solidFill>
+                <a:schemeClr val="accent3"/>
+              </a:solidFill>
+            </a:rPr>
+            <a:t>Nombre del cliente o proveedor</a:t>
+          </a:r>
+          <a:endParaRPr lang="en-US" sz="1800" b="1" kern="1200" dirty="0">
+            <a:solidFill>
+              <a:schemeClr val="accent3"/>
+            </a:solidFill>
+          </a:endParaRPr>
+        </a:p>
+      </dsp:txBody>
+      <dsp:txXfrm>
+        <a:off x="2466621" y="1810766"/>
+        <a:ext cx="1616724" cy="855000"/>
+      </dsp:txXfrm>
+    </dsp:sp>
+    <dsp:sp modelId="{05F26071-D309-4CDC-AF9C-9948BD7D9955}">
+      <dsp:nvSpPr>
+        <dsp:cNvPr id="0" name=""/>
+        <dsp:cNvSpPr/>
+      </dsp:nvSpPr>
+      <dsp:spPr>
+        <a:xfrm>
+          <a:off x="4743063" y="189047"/>
+          <a:ext cx="1461438" cy="1461438"/>
+        </a:xfrm>
+        <a:prstGeom prst="round2DiagRect">
+          <a:avLst>
+            <a:gd name="adj1" fmla="val 29727"/>
+            <a:gd name="adj2" fmla="val 0"/>
+          </a:avLst>
+        </a:prstGeom>
+        <a:solidFill>
+          <a:schemeClr val="accent4">
+            <a:hueOff val="0"/>
+            <a:satOff val="0"/>
+            <a:lumOff val="0"/>
+            <a:alphaOff val="0"/>
+          </a:schemeClr>
+        </a:solidFill>
+        <a:ln>
+          <a:noFill/>
+        </a:ln>
+        <a:effectLst/>
+      </dsp:spPr>
+      <dsp:style>
+        <a:lnRef idx="0">
+          <a:scrgbClr r="0" g="0" b="0"/>
+        </a:lnRef>
+        <a:fillRef idx="1">
+          <a:scrgbClr r="0" g="0" b="0"/>
+        </a:fillRef>
+        <a:effectRef idx="0">
+          <a:scrgbClr r="0" g="0" b="0"/>
+        </a:effectRef>
+        <a:fontRef idx="minor"/>
+      </dsp:style>
+    </dsp:sp>
+    <dsp:sp modelId="{23D055CE-BBFA-4197-BEFA-B095E789F710}">
+      <dsp:nvSpPr>
+        <dsp:cNvPr id="0" name=""/>
+        <dsp:cNvSpPr/>
+      </dsp:nvSpPr>
+      <dsp:spPr>
+        <a:xfrm>
+          <a:off x="4915782" y="361766"/>
+          <a:ext cx="1116000" cy="1116000"/>
+        </a:xfrm>
+        <a:prstGeom prst="rect">
+          <a:avLst/>
+        </a:prstGeom>
+        <a:blipFill>
+          <a:blip xmlns:r="http://schemas.openxmlformats.org/officeDocument/2006/relationships" r:embed="rId5">
+            <a:extLst>
+              <a:ext uri="{28A0092B-C50C-407E-A947-70E740481C1C}">
+                <a14:useLocalDpi xmlns:a14="http://schemas.microsoft.com/office/drawing/2010/main" val="0"/>
+              </a:ext>
+              <a:ext uri="{96DAC541-7B7A-43D3-8B79-37D633B846F1}">
+                <asvg:svgBlip xmlns:asvg="http://schemas.microsoft.com/office/drawing/2016/SVG/main" r:embed="rId6"/>
+              </a:ext>
+            </a:extLst>
+          </a:blip>
+          <a:stretch>
+            <a:fillRect/>
+          </a:stretch>
+        </a:blipFill>
+        <a:ln w="15875" cap="flat" cmpd="sng" algn="ctr">
+          <a:noFill/>
+          <a:prstDash val="solid"/>
+        </a:ln>
+        <a:effectLst/>
+      </dsp:spPr>
+      <dsp:style>
+        <a:lnRef idx="2">
+          <a:scrgbClr r="0" g="0" b="0"/>
+        </a:lnRef>
+        <a:fillRef idx="1">
+          <a:scrgbClr r="0" g="0" b="0"/>
+        </a:fillRef>
+        <a:effectRef idx="0">
+          <a:scrgbClr r="0" g="0" b="0"/>
+        </a:effectRef>
+        <a:fontRef idx="minor">
+          <a:schemeClr val="lt1"/>
+        </a:fontRef>
+      </dsp:style>
+    </dsp:sp>
+    <dsp:sp modelId="{3D3C3C99-9D3E-444A-A663-642350DF6C71}">
+      <dsp:nvSpPr>
+        <dsp:cNvPr id="0" name=""/>
+        <dsp:cNvSpPr/>
+      </dsp:nvSpPr>
+      <dsp:spPr>
+        <a:xfrm>
+          <a:off x="4489983" y="1810766"/>
+          <a:ext cx="1967598" cy="855000"/>
+        </a:xfrm>
+        <a:prstGeom prst="rect">
+          <a:avLst/>
+        </a:prstGeom>
+        <a:noFill/>
+        <a:ln>
+          <a:noFill/>
+        </a:ln>
+        <a:effectLst/>
+      </dsp:spPr>
+      <dsp:style>
+        <a:lnRef idx="0">
+          <a:scrgbClr r="0" g="0" b="0"/>
+        </a:lnRef>
+        <a:fillRef idx="0">
+          <a:scrgbClr r="0" g="0" b="0"/>
+        </a:fillRef>
+        <a:effectRef idx="0">
+          <a:scrgbClr r="0" g="0" b="0"/>
+        </a:effectRef>
+        <a:fontRef idx="minor"/>
+      </dsp:style>
+      <dsp:txBody>
+        <a:bodyPr spcFirstLastPara="0" vert="horz" wrap="square" lIns="0" tIns="0" rIns="0" bIns="0" numCol="1" spcCol="1270" anchor="t" anchorCtr="0">
+          <a:noAutofit/>
+        </a:bodyPr>
+        <a:lstStyle/>
+        <a:p>
+          <a:pPr marL="0" lvl="0" indent="0" algn="ctr" defTabSz="800100">
+            <a:lnSpc>
+              <a:spcPct val="100000"/>
+            </a:lnSpc>
+            <a:spcBef>
+              <a:spcPct val="0"/>
+            </a:spcBef>
+            <a:spcAft>
+              <a:spcPct val="35000"/>
+            </a:spcAft>
+            <a:buNone/>
+            <a:defRPr cap="all"/>
+          </a:pPr>
+          <a:r>
+            <a:rPr lang="es-MX" sz="1800" b="1" kern="1200" dirty="0">
+              <a:solidFill>
+                <a:schemeClr val="accent4"/>
+              </a:solidFill>
+            </a:rPr>
+            <a:t>Ciudad</a:t>
+          </a:r>
+          <a:endParaRPr lang="en-US" sz="1700" b="1" kern="1200" dirty="0">
+            <a:solidFill>
+              <a:schemeClr val="accent4"/>
+            </a:solidFill>
+          </a:endParaRPr>
+        </a:p>
+      </dsp:txBody>
+      <dsp:txXfrm>
+        <a:off x="4489983" y="1810766"/>
+        <a:ext cx="1967598" cy="855000"/>
+      </dsp:txXfrm>
+    </dsp:sp>
+    <dsp:sp modelId="{FE4B43D3-DC01-48F7-8312-33EFC39BF4F1}">
+      <dsp:nvSpPr>
+        <dsp:cNvPr id="0" name=""/>
+        <dsp:cNvSpPr/>
+      </dsp:nvSpPr>
+      <dsp:spPr>
+        <a:xfrm>
+          <a:off x="6941862" y="189047"/>
+          <a:ext cx="1461438" cy="1461438"/>
+        </a:xfrm>
+        <a:prstGeom prst="round2DiagRect">
+          <a:avLst>
+            <a:gd name="adj1" fmla="val 29727"/>
+            <a:gd name="adj2" fmla="val 0"/>
+          </a:avLst>
+        </a:prstGeom>
+        <a:solidFill>
+          <a:schemeClr val="accent5">
+            <a:hueOff val="0"/>
+            <a:satOff val="0"/>
+            <a:lumOff val="0"/>
+            <a:alphaOff val="0"/>
+          </a:schemeClr>
+        </a:solidFill>
+        <a:ln>
+          <a:noFill/>
+        </a:ln>
+        <a:effectLst/>
+      </dsp:spPr>
+      <dsp:style>
+        <a:lnRef idx="0">
+          <a:scrgbClr r="0" g="0" b="0"/>
+        </a:lnRef>
+        <a:fillRef idx="1">
+          <a:scrgbClr r="0" g="0" b="0"/>
+        </a:fillRef>
+        <a:effectRef idx="0">
+          <a:scrgbClr r="0" g="0" b="0"/>
+        </a:effectRef>
+        <a:fontRef idx="minor"/>
+      </dsp:style>
+    </dsp:sp>
+    <dsp:sp modelId="{4E26DC9A-EBB1-494F-BCC7-9A5862D0A84D}">
+      <dsp:nvSpPr>
+        <dsp:cNvPr id="0" name=""/>
+        <dsp:cNvSpPr/>
+      </dsp:nvSpPr>
+      <dsp:spPr>
+        <a:xfrm>
+          <a:off x="7114581" y="361766"/>
+          <a:ext cx="1116000" cy="1116000"/>
+        </a:xfrm>
+        <a:prstGeom prst="rect">
+          <a:avLst/>
+        </a:prstGeom>
+        <a:blipFill>
+          <a:blip xmlns:r="http://schemas.openxmlformats.org/officeDocument/2006/relationships" r:embed="rId7">
+            <a:extLst>
+              <a:ext uri="{28A0092B-C50C-407E-A947-70E740481C1C}">
+                <a14:useLocalDpi xmlns:a14="http://schemas.microsoft.com/office/drawing/2010/main" val="0"/>
+              </a:ext>
+              <a:ext uri="{96DAC541-7B7A-43D3-8B79-37D633B846F1}">
+                <asvg:svgBlip xmlns:asvg="http://schemas.microsoft.com/office/drawing/2016/SVG/main" r:embed="rId8"/>
+              </a:ext>
+            </a:extLst>
+          </a:blip>
+          <a:stretch>
+            <a:fillRect/>
+          </a:stretch>
+        </a:blipFill>
+        <a:ln w="15875" cap="flat" cmpd="sng" algn="ctr">
+          <a:noFill/>
+          <a:prstDash val="solid"/>
+        </a:ln>
+        <a:effectLst/>
+      </dsp:spPr>
+      <dsp:style>
+        <a:lnRef idx="2">
+          <a:scrgbClr r="0" g="0" b="0"/>
+        </a:lnRef>
+        <a:fillRef idx="1">
+          <a:scrgbClr r="0" g="0" b="0"/>
+        </a:fillRef>
+        <a:effectRef idx="0">
+          <a:scrgbClr r="0" g="0" b="0"/>
+        </a:effectRef>
+        <a:fontRef idx="minor">
+          <a:schemeClr val="lt1"/>
+        </a:fontRef>
+      </dsp:style>
+    </dsp:sp>
+    <dsp:sp modelId="{A7967C51-46B6-4A38-A5E9-39D520C0E4C6}">
+      <dsp:nvSpPr>
+        <dsp:cNvPr id="0" name=""/>
+        <dsp:cNvSpPr/>
+      </dsp:nvSpPr>
+      <dsp:spPr>
+        <a:xfrm>
+          <a:off x="6772581" y="1810766"/>
+          <a:ext cx="1800000" cy="855000"/>
+        </a:xfrm>
+        <a:prstGeom prst="rect">
+          <a:avLst/>
+        </a:prstGeom>
+        <a:noFill/>
+        <a:ln>
+          <a:noFill/>
+        </a:ln>
+        <a:effectLst/>
+      </dsp:spPr>
+      <dsp:style>
+        <a:lnRef idx="0">
+          <a:scrgbClr r="0" g="0" b="0"/>
+        </a:lnRef>
+        <a:fillRef idx="0">
+          <a:scrgbClr r="0" g="0" b="0"/>
+        </a:fillRef>
+        <a:effectRef idx="0">
+          <a:scrgbClr r="0" g="0" b="0"/>
+        </a:effectRef>
+        <a:fontRef idx="minor"/>
+      </dsp:style>
+      <dsp:txBody>
+        <a:bodyPr spcFirstLastPara="0" vert="horz" wrap="square" lIns="0" tIns="0" rIns="0" bIns="0" numCol="1" spcCol="1270" anchor="t" anchorCtr="0">
+          <a:noAutofit/>
+        </a:bodyPr>
+        <a:lstStyle/>
+        <a:p>
+          <a:pPr marL="0" lvl="0" indent="0" algn="ctr" defTabSz="800100">
+            <a:lnSpc>
+              <a:spcPct val="100000"/>
+            </a:lnSpc>
+            <a:spcBef>
+              <a:spcPct val="0"/>
+            </a:spcBef>
+            <a:spcAft>
+              <a:spcPct val="35000"/>
+            </a:spcAft>
+            <a:buNone/>
+            <a:defRPr cap="all"/>
+          </a:pPr>
+          <a:r>
+            <a:rPr lang="es-MX" sz="1800" b="1" kern="1200">
+              <a:solidFill>
+                <a:schemeClr val="accent5"/>
+              </a:solidFill>
+            </a:rPr>
+            <a:t>Número de Teléfono</a:t>
+          </a:r>
+          <a:endParaRPr lang="en-US" sz="1800" b="1" kern="1200">
+            <a:solidFill>
+              <a:schemeClr val="accent5"/>
+            </a:solidFill>
+          </a:endParaRPr>
+        </a:p>
+      </dsp:txBody>
+      <dsp:txXfrm>
+        <a:off x="6772581" y="1810766"/>
+        <a:ext cx="1800000" cy="855000"/>
+      </dsp:txXfrm>
+    </dsp:sp>
+    <dsp:sp modelId="{1895E238-2981-4FDA-B9B1-B5C7C46E5E54}">
+      <dsp:nvSpPr>
+        <dsp:cNvPr id="0" name=""/>
+        <dsp:cNvSpPr/>
+      </dsp:nvSpPr>
+      <dsp:spPr>
+        <a:xfrm>
+          <a:off x="9056862" y="189047"/>
+          <a:ext cx="1461438" cy="1461438"/>
+        </a:xfrm>
+        <a:prstGeom prst="round2DiagRect">
+          <a:avLst>
+            <a:gd name="adj1" fmla="val 29727"/>
+            <a:gd name="adj2" fmla="val 0"/>
+          </a:avLst>
+        </a:prstGeom>
+        <a:solidFill>
+          <a:schemeClr val="accent6">
+            <a:hueOff val="0"/>
+            <a:satOff val="0"/>
+            <a:lumOff val="0"/>
+            <a:alphaOff val="0"/>
+          </a:schemeClr>
+        </a:solidFill>
+        <a:ln>
+          <a:noFill/>
+        </a:ln>
+        <a:effectLst/>
+      </dsp:spPr>
+      <dsp:style>
+        <a:lnRef idx="0">
+          <a:scrgbClr r="0" g="0" b="0"/>
+        </a:lnRef>
+        <a:fillRef idx="1">
+          <a:scrgbClr r="0" g="0" b="0"/>
+        </a:fillRef>
+        <a:effectRef idx="0">
+          <a:scrgbClr r="0" g="0" b="0"/>
+        </a:effectRef>
+        <a:fontRef idx="minor"/>
+      </dsp:style>
+    </dsp:sp>
+    <dsp:sp modelId="{7113C16E-F08A-4D97-B9BA-BB01F45FA40D}">
+      <dsp:nvSpPr>
+        <dsp:cNvPr id="0" name=""/>
+        <dsp:cNvSpPr/>
+      </dsp:nvSpPr>
+      <dsp:spPr>
+        <a:xfrm>
+          <a:off x="9229581" y="361766"/>
+          <a:ext cx="1116000" cy="1116000"/>
+        </a:xfrm>
+        <a:prstGeom prst="rect">
+          <a:avLst/>
+        </a:prstGeom>
+        <a:blipFill>
+          <a:blip xmlns:r="http://schemas.openxmlformats.org/officeDocument/2006/relationships" r:embed="rId9">
+            <a:extLst>
+              <a:ext uri="{28A0092B-C50C-407E-A947-70E740481C1C}">
+                <a14:useLocalDpi xmlns:a14="http://schemas.microsoft.com/office/drawing/2010/main" val="0"/>
+              </a:ext>
+              <a:ext uri="{96DAC541-7B7A-43D3-8B79-37D633B846F1}">
+                <asvg:svgBlip xmlns:asvg="http://schemas.microsoft.com/office/drawing/2016/SVG/main" r:embed="rId10"/>
+              </a:ext>
+            </a:extLst>
+          </a:blip>
+          <a:stretch>
+            <a:fillRect/>
+          </a:stretch>
+        </a:blipFill>
+        <a:ln w="15875" cap="flat" cmpd="sng" algn="ctr">
+          <a:noFill/>
+          <a:prstDash val="solid"/>
+        </a:ln>
+        <a:effectLst/>
+      </dsp:spPr>
+      <dsp:style>
+        <a:lnRef idx="2">
+          <a:scrgbClr r="0" g="0" b="0"/>
+        </a:lnRef>
+        <a:fillRef idx="1">
+          <a:scrgbClr r="0" g="0" b="0"/>
+        </a:fillRef>
+        <a:effectRef idx="0">
+          <a:scrgbClr r="0" g="0" b="0"/>
+        </a:effectRef>
+        <a:fontRef idx="minor">
+          <a:schemeClr val="lt1"/>
+        </a:fontRef>
+      </dsp:style>
+    </dsp:sp>
+    <dsp:sp modelId="{D5D2ADB6-846E-43E9-8D1F-B722071A66CA}">
+      <dsp:nvSpPr>
+        <dsp:cNvPr id="0" name=""/>
+        <dsp:cNvSpPr/>
+      </dsp:nvSpPr>
+      <dsp:spPr>
+        <a:xfrm>
+          <a:off x="8887581" y="1810766"/>
+          <a:ext cx="1800000" cy="855000"/>
+        </a:xfrm>
+        <a:prstGeom prst="rect">
+          <a:avLst/>
+        </a:prstGeom>
+        <a:noFill/>
+        <a:ln>
+          <a:noFill/>
+        </a:ln>
+        <a:effectLst/>
+      </dsp:spPr>
+      <dsp:style>
+        <a:lnRef idx="0">
+          <a:scrgbClr r="0" g="0" b="0"/>
+        </a:lnRef>
+        <a:fillRef idx="0">
+          <a:scrgbClr r="0" g="0" b="0"/>
+        </a:fillRef>
+        <a:effectRef idx="0">
+          <a:scrgbClr r="0" g="0" b="0"/>
+        </a:effectRef>
+        <a:fontRef idx="minor"/>
+      </dsp:style>
+      <dsp:txBody>
+        <a:bodyPr spcFirstLastPara="0" vert="horz" wrap="square" lIns="0" tIns="0" rIns="0" bIns="0" numCol="1" spcCol="1270" anchor="t" anchorCtr="0">
+          <a:noAutofit/>
+        </a:bodyPr>
+        <a:lstStyle/>
+        <a:p>
+          <a:pPr marL="0" lvl="0" indent="0" algn="ctr" defTabSz="800100">
+            <a:lnSpc>
+              <a:spcPct val="100000"/>
+            </a:lnSpc>
+            <a:spcBef>
+              <a:spcPct val="0"/>
+            </a:spcBef>
+            <a:spcAft>
+              <a:spcPct val="35000"/>
+            </a:spcAft>
+            <a:buNone/>
+            <a:defRPr cap="all"/>
+          </a:pPr>
+          <a:r>
+            <a:rPr lang="es-MX" sz="1800" b="1" kern="1200">
+              <a:solidFill>
+                <a:schemeClr val="accent6"/>
+              </a:solidFill>
+            </a:rPr>
+            <a:t>E-Mail</a:t>
+          </a:r>
+          <a:endParaRPr lang="en-US" sz="1800" b="1" kern="1200">
+            <a:solidFill>
+              <a:schemeClr val="accent6"/>
+            </a:solidFill>
+          </a:endParaRPr>
+        </a:p>
+      </dsp:txBody>
+      <dsp:txXfrm>
+        <a:off x="8887581" y="1810766"/>
+        <a:ext cx="1800000" cy="855000"/>
+      </dsp:txXfrm>
+    </dsp:sp>
+  </dsp:spTree>
+</dsp:drawing>
+</file>
+
+<file path=ppt/diagrams/drawing5.xml><?xml version="1.0" encoding="utf-8"?>
 <dsp:drawing xmlns:dgm="http://schemas.openxmlformats.org/drawingml/2006/diagram" xmlns:dsp="http://schemas.microsoft.com/office/drawing/2008/diagram" xmlns:a="http://schemas.openxmlformats.org/drawingml/2006/main">
   <dsp:spTree>
     <dsp:nvGrpSpPr>
@@ -9561,7 +11927,7 @@
 </dsp:drawing>
 </file>
 
-<file path=ppt/diagrams/drawing5.xml><?xml version="1.0" encoding="utf-8"?>
+<file path=ppt/diagrams/drawing6.xml><?xml version="1.0" encoding="utf-8"?>
 <dsp:drawing xmlns:dgm="http://schemas.openxmlformats.org/drawingml/2006/diagram" xmlns:dsp="http://schemas.microsoft.com/office/drawing/2008/diagram" xmlns:a="http://schemas.openxmlformats.org/drawingml/2006/main">
   <dsp:spTree>
     <dsp:nvGrpSpPr>
@@ -10467,7 +12833,7 @@
 </dsp:drawing>
 </file>
 
-<file path=ppt/diagrams/drawing6.xml><?xml version="1.0" encoding="utf-8"?>
+<file path=ppt/diagrams/drawing7.xml><?xml version="1.0" encoding="utf-8"?>
 <dsp:drawing xmlns:dgm="http://schemas.openxmlformats.org/drawingml/2006/diagram" xmlns:dsp="http://schemas.microsoft.com/office/drawing/2008/diagram" xmlns:a="http://schemas.openxmlformats.org/drawingml/2006/main">
   <dsp:spTree>
     <dsp:nvGrpSpPr>
@@ -12983,6 +15349,233 @@
 </file>
 
 <file path=ppt/diagrams/layout4.xml><?xml version="1.0" encoding="utf-8"?>
+<dgm:layoutDef xmlns:dgm="http://schemas.openxmlformats.org/drawingml/2006/diagram" xmlns:a="http://schemas.openxmlformats.org/drawingml/2006/main" uniqueId="urn:microsoft.com/office/officeart/2018/5/layout/IconLeafLabelList">
+  <dgm:title val="Icon Leaf Label List"/>
+  <dgm:desc val="Use to show non-sequential or grouped chunks of information accompanied by a related visuals. Works best with icons or small pictures with short text captions."/>
+  <dgm:catLst>
+    <dgm:cat type="icon" pri="500"/>
+  </dgm:catLst>
+  <dgm:sampData useDef="1">
+    <dgm:dataModel>
+      <dgm:ptLst/>
+      <dgm:bg/>
+      <dgm:whole/>
+    </dgm:dataModel>
+  </dgm:sampData>
+  <dgm:styleData useDef="1">
+    <dgm:dataModel>
+      <dgm:ptLst/>
+      <dgm:bg/>
+      <dgm:whole/>
+    </dgm:dataModel>
+  </dgm:styleData>
+  <dgm:clrData useDef="1">
+    <dgm:dataModel>
+      <dgm:ptLst/>
+      <dgm:bg/>
+      <dgm:whole/>
+    </dgm:dataModel>
+  </dgm:clrData>
+  <dgm:layoutNode name="root">
+    <dgm:varLst>
+      <dgm:dir/>
+      <dgm:resizeHandles val="exact"/>
+    </dgm:varLst>
+    <dgm:choose name="Name0">
+      <dgm:if name="Name1" axis="self" func="var" arg="dir" op="equ" val="norm">
+        <dgm:alg type="snake">
+          <dgm:param type="grDir" val="tL"/>
+          <dgm:param type="flowDir" val="row"/>
+          <dgm:param type="contDir" val="sameDir"/>
+          <dgm:param type="off" val="ctr"/>
+          <dgm:param type="vertAlign" val="mid"/>
+          <dgm:param type="horzAlign" val="ctr"/>
+        </dgm:alg>
+      </dgm:if>
+      <dgm:else name="Name2">
+        <dgm:alg type="snake">
+          <dgm:param type="grDir" val="tR"/>
+          <dgm:param type="flowDir" val="row"/>
+          <dgm:param type="contDir" val="sameDir"/>
+          <dgm:param type="off" val="ctr"/>
+          <dgm:param type="vertAlign" val="mid"/>
+          <dgm:param type="horzAlign" val="ctr"/>
+        </dgm:alg>
+      </dgm:else>
+    </dgm:choose>
+    <dgm:shape xmlns:r="http://schemas.openxmlformats.org/officeDocument/2006/relationships" r:blip="">
+      <dgm:adjLst/>
+    </dgm:shape>
+    <dgm:presOf/>
+    <dgm:choose name="Name3">
+      <dgm:if name="Name4" axis="ch" ptType="node" func="cnt" op="lte" val="2">
+        <dgm:constrLst>
+          <dgm:constr type="h" for="ch" forName="compNode" refType="h" fact="0.4"/>
+          <dgm:constr type="w" for="ch" forName="compNode" val="100"/>
+          <dgm:constr type="w" for="ch" forName="sibTrans" refType="w" refFor="ch" refForName="compNode" fact="0.175"/>
+          <dgm:constr type="sp" refType="w" refFor="ch" refForName="compNode" op="equ" fact="0.25"/>
+          <dgm:constr type="primFontSz" for="des" ptType="node" op="equ" val="44"/>
+          <dgm:constr type="h" for="des" forName="compNode" op="equ"/>
+          <dgm:constr type="h" for="des" forName="textRect" op="equ"/>
+        </dgm:constrLst>
+      </dgm:if>
+      <dgm:if name="Name5" axis="ch" ptType="node" func="cnt" op="lte" val="3">
+        <dgm:constrLst>
+          <dgm:constr type="h" for="ch" forName="compNode" refType="h" fact="0.4"/>
+          <dgm:constr type="w" for="ch" forName="compNode" val="100"/>
+          <dgm:constr type="w" for="ch" forName="sibTrans" refType="w" refFor="ch" refForName="compNode" fact="0.175"/>
+          <dgm:constr type="sp" refType="w" refFor="ch" refForName="compNode" op="equ" fact="0.25"/>
+          <dgm:constr type="primFontSz" for="des" ptType="node" op="equ" val="40"/>
+          <dgm:constr type="h" for="des" forName="compNode" op="equ"/>
+          <dgm:constr type="h" for="des" forName="textRect" op="equ"/>
+        </dgm:constrLst>
+      </dgm:if>
+      <dgm:if name="Name6" axis="ch" ptType="node" func="cnt" op="lte" val="4">
+        <dgm:constrLst>
+          <dgm:constr type="h" for="ch" forName="compNode" refType="h" fact="0.4"/>
+          <dgm:constr type="w" for="ch" forName="compNode" refType="w"/>
+          <dgm:constr type="w" for="ch" forName="sibTrans" refType="w" refFor="ch" refForName="compNode" fact="0.175"/>
+          <dgm:constr type="sp" refType="w" refFor="ch" refForName="compNode" op="equ" fact="0.25"/>
+          <dgm:constr type="primFontSz" for="des" ptType="node" op="equ" val="32"/>
+          <dgm:constr type="h" for="des" forName="compNode" op="equ"/>
+          <dgm:constr type="h" for="des" forName="textRect" op="equ"/>
+        </dgm:constrLst>
+      </dgm:if>
+      <dgm:else name="Name7">
+        <dgm:constrLst>
+          <dgm:constr type="h" for="ch" forName="compNode" refType="h" fact="0.4"/>
+          <dgm:constr type="w" for="ch" forName="compNode" refType="w"/>
+          <dgm:constr type="w" for="ch" forName="sibTrans" refType="w" refFor="ch" refForName="compNode" fact="0.175"/>
+          <dgm:constr type="sp" refType="w" refFor="ch" refForName="compNode" op="equ" fact="0.25"/>
+          <dgm:constr type="primFontSz" for="des" ptType="node" op="equ" val="24"/>
+          <dgm:constr type="h" for="des" forName="compNode" op="equ"/>
+          <dgm:constr type="h" for="des" forName="textRect" op="equ"/>
+        </dgm:constrLst>
+      </dgm:else>
+    </dgm:choose>
+    <dgm:ruleLst>
+      <dgm:rule type="w" for="ch" forName="compNode" val="50" fact="NaN" max="NaN"/>
+    </dgm:ruleLst>
+    <dgm:forEach name="Name8" axis="ch" ptType="node">
+      <dgm:layoutNode name="compNode">
+        <dgm:alg type="composite"/>
+        <dgm:shape xmlns:r="http://schemas.openxmlformats.org/officeDocument/2006/relationships" r:blip="">
+          <dgm:adjLst/>
+        </dgm:shape>
+        <dgm:presOf axis="self"/>
+        <dgm:constrLst>
+          <dgm:constr type="w" for="ch" forName="iconBgRect" refType="w" fact="0.61"/>
+          <dgm:constr type="h" for="ch" forName="iconBgRect" refType="w" refFor="ch" refForName="iconBgRect"/>
+          <dgm:constr type="t" for="ch" forName="iconBgRect"/>
+          <dgm:constr type="ctrX" for="ch" forName="iconBgRect" refType="w" fact="0.5"/>
+          <dgm:constr type="w" for="ch" forName="iconRect" refType="w" fact="0.35"/>
+          <dgm:constr type="h" for="ch" forName="iconRect" refType="w" refFor="ch" refForName="iconRect"/>
+          <dgm:constr type="ctrX" for="ch" forName="iconRect" refType="ctrX" refFor="ch" refForName="iconBgRect"/>
+          <dgm:constr type="ctrY" for="ch" forName="iconRect" refType="ctrY" refFor="ch" refForName="iconBgRect"/>
+          <dgm:constr type="h" for="ch" forName="spaceRect" refType="w" fact="0.19"/>
+          <dgm:constr type="w" for="ch" forName="spaceRect" refType="w"/>
+          <dgm:constr type="l" for="ch" forName="spaceRect"/>
+          <dgm:constr type="t" for="ch" forName="spaceRect" refType="b" refFor="ch" refForName="iconBgRect"/>
+          <dgm:constr type="h" for="ch" forName="textRect" val="20"/>
+          <dgm:constr type="w" for="ch" forName="textRect" refType="w"/>
+          <dgm:constr type="l" for="ch" forName="textRect"/>
+          <dgm:constr type="t" for="ch" forName="textRect" refType="b" refFor="ch" refForName="spaceRect"/>
+        </dgm:constrLst>
+        <dgm:ruleLst>
+          <dgm:rule type="h" val="INF" fact="NaN" max="NaN"/>
+        </dgm:ruleLst>
+        <dgm:layoutNode name="iconBgRect" styleLbl="bgShp">
+          <dgm:alg type="sp"/>
+          <dgm:shape xmlns:r="http://schemas.openxmlformats.org/officeDocument/2006/relationships" type="round2DiagRect" r:blip="">
+            <dgm:adjLst/>
+            <dgm:extLst>
+              <a:ext uri="{B698B0E9-8C71-41B9-8309-B3DCBF30829C}">
+                <dgm1612:spPr xmlns:dgm1612="http://schemas.microsoft.com/office/drawing/2016/12/diagram">
+                  <a:prstGeom prst="round2DiagRect">
+                    <a:avLst>
+                      <a:gd name="adj1" fmla="val 29727"/>
+                      <a:gd name="adj2" fmla="val 0"/>
+                    </a:avLst>
+                  </a:prstGeom>
+                </dgm1612:spPr>
+              </a:ext>
+            </dgm:extLst>
+          </dgm:shape>
+          <dgm:presOf/>
+          <dgm:constrLst/>
+          <dgm:ruleLst/>
+        </dgm:layoutNode>
+        <dgm:layoutNode name="iconRect" styleLbl="node1">
+          <dgm:alg type="sp"/>
+          <dgm:shape xmlns:r="http://schemas.openxmlformats.org/officeDocument/2006/relationships" type="rect" r:blip="" blipPhldr="1">
+            <dgm:adjLst/>
+          </dgm:shape>
+          <dgm:presOf/>
+          <dgm:constrLst/>
+          <dgm:ruleLst/>
+        </dgm:layoutNode>
+        <dgm:layoutNode name="spaceRect">
+          <dgm:alg type="sp"/>
+          <dgm:shape xmlns:r="http://schemas.openxmlformats.org/officeDocument/2006/relationships" r:blip="">
+            <dgm:adjLst/>
+          </dgm:shape>
+          <dgm:presOf/>
+          <dgm:constrLst/>
+          <dgm:ruleLst/>
+        </dgm:layoutNode>
+        <dgm:layoutNode name="textRect" styleLbl="revTx">
+          <dgm:varLst>
+            <dgm:chMax val="1"/>
+            <dgm:chPref val="1"/>
+          </dgm:varLst>
+          <dgm:alg type="tx">
+            <dgm:param type="txAnchorVert" val="t"/>
+          </dgm:alg>
+          <dgm:shape xmlns:r="http://schemas.openxmlformats.org/officeDocument/2006/relationships" type="rect" r:blip="">
+            <dgm:adjLst/>
+          </dgm:shape>
+          <dgm:presOf axis="self" ptType="node"/>
+          <dgm:constrLst>
+            <dgm:constr type="lMarg"/>
+            <dgm:constr type="rMarg"/>
+            <dgm:constr type="tMarg"/>
+            <dgm:constr type="bMarg"/>
+          </dgm:constrLst>
+          <dgm:ruleLst>
+            <dgm:rule type="primFontSz" val="11" fact="NaN" max="NaN"/>
+            <dgm:rule type="h" val="INF" fact="NaN" max="NaN"/>
+          </dgm:ruleLst>
+        </dgm:layoutNode>
+      </dgm:layoutNode>
+      <dgm:forEach name="Name9" axis="followSib" ptType="sibTrans" cnt="1">
+        <dgm:layoutNode name="sibTrans">
+          <dgm:alg type="sp"/>
+          <dgm:shape xmlns:r="http://schemas.openxmlformats.org/officeDocument/2006/relationships" r:blip="">
+            <dgm:adjLst/>
+          </dgm:shape>
+          <dgm:presOf axis="self"/>
+          <dgm:constrLst/>
+          <dgm:ruleLst/>
+        </dgm:layoutNode>
+      </dgm:forEach>
+    </dgm:forEach>
+  </dgm:layoutNode>
+  <dgm:extLst>
+    <a:ext uri="{68A01E43-0DF5-4B5B-8FA6-DAF915123BFB}">
+      <dgm1612:lstStyle xmlns:dgm1612="http://schemas.microsoft.com/office/drawing/2016/12/diagram">
+        <a:lvl1pPr>
+          <a:lnSpc>
+            <a:spcPct val="100000"/>
+          </a:lnSpc>
+          <a:defRPr cap="all"/>
+        </a:lvl1pPr>
+      </dgm1612:lstStyle>
+    </a:ext>
+  </dgm:extLst>
+</dgm:layoutDef>
+</file>
+
+<file path=ppt/diagrams/layout5.xml><?xml version="1.0" encoding="utf-8"?>
 <dgm:layoutDef xmlns:dgm="http://schemas.openxmlformats.org/drawingml/2006/diagram" xmlns:a="http://schemas.openxmlformats.org/drawingml/2006/main" uniqueId="urn:microsoft.com/office/officeart/2005/8/layout/default">
   <dgm:title val=""/>
   <dgm:desc val=""/>
@@ -13129,7 +15722,7 @@
 </dgm:layoutDef>
 </file>
 
-<file path=ppt/diagrams/layout5.xml><?xml version="1.0" encoding="utf-8"?>
+<file path=ppt/diagrams/layout6.xml><?xml version="1.0" encoding="utf-8"?>
 <dgm:layoutDef xmlns:dgm="http://schemas.openxmlformats.org/drawingml/2006/diagram" xmlns:a="http://schemas.openxmlformats.org/drawingml/2006/main" uniqueId="urn:microsoft.com/office/officeart/2018/2/layout/IconCircleList">
   <dgm:title val="Icon Circle List"/>
   <dgm:desc val="Use to show non-sequential or grouped chunks of information accompanied by related visuals. Circular shapes can hold an icon or small picture and corresponding text box shows Level 1 text. Works best for icons or small pictures with medium-length descriptions."/>
@@ -13341,7 +15934,7 @@
 </dgm:layoutDef>
 </file>
 
-<file path=ppt/diagrams/layout6.xml><?xml version="1.0" encoding="utf-8"?>
+<file path=ppt/diagrams/layout7.xml><?xml version="1.0" encoding="utf-8"?>
 <dgm:layoutDef xmlns:dgm="http://schemas.openxmlformats.org/drawingml/2006/diagram" xmlns:a="http://schemas.openxmlformats.org/drawingml/2006/main" uniqueId="urn:microsoft.com/office/officeart/2018/2/layout/IconVerticalSolidList">
   <dgm:title val="Icon Vertical Solid List"/>
   <dgm:desc val="Use to show a series of visuals from top to bottom with Level 1 or Level 1 and Level 2 text grouped in a shape. Works best with icons or small pictures with lengthier descriptions."/>
@@ -16738,6 +19331,1040 @@
 </file>
 
 <file path=ppt/diagrams/quickStyle4.xml><?xml version="1.0" encoding="utf-8"?>
+<dgm:styleDef xmlns:dgm="http://schemas.openxmlformats.org/drawingml/2006/diagram" xmlns:a="http://schemas.openxmlformats.org/drawingml/2006/main" uniqueId="urn:microsoft.com/office/officeart/2005/8/quickstyle/simple1">
+  <dgm:title val=""/>
+  <dgm:desc val=""/>
+  <dgm:catLst>
+    <dgm:cat type="simple" pri="10100"/>
+  </dgm:catLst>
+  <dgm:scene3d>
+    <a:camera prst="orthographicFront"/>
+    <a:lightRig rig="threePt" dir="t"/>
+  </dgm:scene3d>
+  <dgm:styleLbl name="node0">
+    <dgm:scene3d>
+      <a:camera prst="orthographicFront"/>
+      <a:lightRig rig="threePt" dir="t"/>
+    </dgm:scene3d>
+    <dgm:sp3d/>
+    <dgm:txPr/>
+    <dgm:style>
+      <a:lnRef idx="2">
+        <a:scrgbClr r="0" g="0" b="0"/>
+      </a:lnRef>
+      <a:fillRef idx="1">
+        <a:scrgbClr r="0" g="0" b="0"/>
+      </a:fillRef>
+      <a:effectRef idx="0">
+        <a:scrgbClr r="0" g="0" b="0"/>
+      </a:effectRef>
+      <a:fontRef idx="minor">
+        <a:schemeClr val="lt1"/>
+      </a:fontRef>
+    </dgm:style>
+  </dgm:styleLbl>
+  <dgm:styleLbl name="lnNode1">
+    <dgm:scene3d>
+      <a:camera prst="orthographicFront"/>
+      <a:lightRig rig="threePt" dir="t"/>
+    </dgm:scene3d>
+    <dgm:sp3d/>
+    <dgm:txPr/>
+    <dgm:style>
+      <a:lnRef idx="2">
+        <a:scrgbClr r="0" g="0" b="0"/>
+      </a:lnRef>
+      <a:fillRef idx="1">
+        <a:scrgbClr r="0" g="0" b="0"/>
+      </a:fillRef>
+      <a:effectRef idx="0">
+        <a:scrgbClr r="0" g="0" b="0"/>
+      </a:effectRef>
+      <a:fontRef idx="minor">
+        <a:schemeClr val="lt1"/>
+      </a:fontRef>
+    </dgm:style>
+  </dgm:styleLbl>
+  <dgm:styleLbl name="vennNode1">
+    <dgm:scene3d>
+      <a:camera prst="orthographicFront"/>
+      <a:lightRig rig="threePt" dir="t"/>
+    </dgm:scene3d>
+    <dgm:sp3d/>
+    <dgm:txPr/>
+    <dgm:style>
+      <a:lnRef idx="2">
+        <a:scrgbClr r="0" g="0" b="0"/>
+      </a:lnRef>
+      <a:fillRef idx="1">
+        <a:scrgbClr r="0" g="0" b="0"/>
+      </a:fillRef>
+      <a:effectRef idx="0">
+        <a:scrgbClr r="0" g="0" b="0"/>
+      </a:effectRef>
+      <a:fontRef idx="minor">
+        <a:schemeClr val="tx1"/>
+      </a:fontRef>
+    </dgm:style>
+  </dgm:styleLbl>
+  <dgm:styleLbl name="alignNode1">
+    <dgm:scene3d>
+      <a:camera prst="orthographicFront"/>
+      <a:lightRig rig="threePt" dir="t"/>
+    </dgm:scene3d>
+    <dgm:sp3d/>
+    <dgm:txPr/>
+    <dgm:style>
+      <a:lnRef idx="2">
+        <a:scrgbClr r="0" g="0" b="0"/>
+      </a:lnRef>
+      <a:fillRef idx="1">
+        <a:scrgbClr r="0" g="0" b="0"/>
+      </a:fillRef>
+      <a:effectRef idx="0">
+        <a:scrgbClr r="0" g="0" b="0"/>
+      </a:effectRef>
+      <a:fontRef idx="minor">
+        <a:schemeClr val="lt1"/>
+      </a:fontRef>
+    </dgm:style>
+  </dgm:styleLbl>
+  <dgm:styleLbl name="node1">
+    <dgm:scene3d>
+      <a:camera prst="orthographicFront"/>
+      <a:lightRig rig="threePt" dir="t"/>
+    </dgm:scene3d>
+    <dgm:sp3d/>
+    <dgm:txPr/>
+    <dgm:style>
+      <a:lnRef idx="2">
+        <a:scrgbClr r="0" g="0" b="0"/>
+      </a:lnRef>
+      <a:fillRef idx="1">
+        <a:scrgbClr r="0" g="0" b="0"/>
+      </a:fillRef>
+      <a:effectRef idx="0">
+        <a:scrgbClr r="0" g="0" b="0"/>
+      </a:effectRef>
+      <a:fontRef idx="minor">
+        <a:schemeClr val="lt1"/>
+      </a:fontRef>
+    </dgm:style>
+  </dgm:styleLbl>
+  <dgm:styleLbl name="node2">
+    <dgm:scene3d>
+      <a:camera prst="orthographicFront"/>
+      <a:lightRig rig="threePt" dir="t"/>
+    </dgm:scene3d>
+    <dgm:sp3d/>
+    <dgm:txPr/>
+    <dgm:style>
+      <a:lnRef idx="2">
+        <a:scrgbClr r="0" g="0" b="0"/>
+      </a:lnRef>
+      <a:fillRef idx="1">
+        <a:scrgbClr r="0" g="0" b="0"/>
+      </a:fillRef>
+      <a:effectRef idx="0">
+        <a:scrgbClr r="0" g="0" b="0"/>
+      </a:effectRef>
+      <a:fontRef idx="minor">
+        <a:schemeClr val="lt1"/>
+      </a:fontRef>
+    </dgm:style>
+  </dgm:styleLbl>
+  <dgm:styleLbl name="node3">
+    <dgm:scene3d>
+      <a:camera prst="orthographicFront"/>
+      <a:lightRig rig="threePt" dir="t"/>
+    </dgm:scene3d>
+    <dgm:sp3d/>
+    <dgm:txPr/>
+    <dgm:style>
+      <a:lnRef idx="2">
+        <a:scrgbClr r="0" g="0" b="0"/>
+      </a:lnRef>
+      <a:fillRef idx="1">
+        <a:scrgbClr r="0" g="0" b="0"/>
+      </a:fillRef>
+      <a:effectRef idx="0">
+        <a:scrgbClr r="0" g="0" b="0"/>
+      </a:effectRef>
+      <a:fontRef idx="minor">
+        <a:schemeClr val="lt1"/>
+      </a:fontRef>
+    </dgm:style>
+  </dgm:styleLbl>
+  <dgm:styleLbl name="node4">
+    <dgm:scene3d>
+      <a:camera prst="orthographicFront"/>
+      <a:lightRig rig="threePt" dir="t"/>
+    </dgm:scene3d>
+    <dgm:sp3d/>
+    <dgm:txPr/>
+    <dgm:style>
+      <a:lnRef idx="2">
+        <a:scrgbClr r="0" g="0" b="0"/>
+      </a:lnRef>
+      <a:fillRef idx="1">
+        <a:scrgbClr r="0" g="0" b="0"/>
+      </a:fillRef>
+      <a:effectRef idx="0">
+        <a:scrgbClr r="0" g="0" b="0"/>
+      </a:effectRef>
+      <a:fontRef idx="minor">
+        <a:schemeClr val="lt1"/>
+      </a:fontRef>
+    </dgm:style>
+  </dgm:styleLbl>
+  <dgm:styleLbl name="fgImgPlace1">
+    <dgm:scene3d>
+      <a:camera prst="orthographicFront"/>
+      <a:lightRig rig="threePt" dir="t"/>
+    </dgm:scene3d>
+    <dgm:sp3d/>
+    <dgm:txPr/>
+    <dgm:style>
+      <a:lnRef idx="2">
+        <a:scrgbClr r="0" g="0" b="0"/>
+      </a:lnRef>
+      <a:fillRef idx="1">
+        <a:scrgbClr r="0" g="0" b="0"/>
+      </a:fillRef>
+      <a:effectRef idx="0">
+        <a:scrgbClr r="0" g="0" b="0"/>
+      </a:effectRef>
+      <a:fontRef idx="minor"/>
+    </dgm:style>
+  </dgm:styleLbl>
+  <dgm:styleLbl name="alignImgPlace1">
+    <dgm:scene3d>
+      <a:camera prst="orthographicFront"/>
+      <a:lightRig rig="threePt" dir="t"/>
+    </dgm:scene3d>
+    <dgm:sp3d/>
+    <dgm:txPr/>
+    <dgm:style>
+      <a:lnRef idx="2">
+        <a:scrgbClr r="0" g="0" b="0"/>
+      </a:lnRef>
+      <a:fillRef idx="1">
+        <a:scrgbClr r="0" g="0" b="0"/>
+      </a:fillRef>
+      <a:effectRef idx="0">
+        <a:scrgbClr r="0" g="0" b="0"/>
+      </a:effectRef>
+      <a:fontRef idx="minor"/>
+    </dgm:style>
+  </dgm:styleLbl>
+  <dgm:styleLbl name="bgImgPlace1">
+    <dgm:scene3d>
+      <a:camera prst="orthographicFront"/>
+      <a:lightRig rig="threePt" dir="t"/>
+    </dgm:scene3d>
+    <dgm:sp3d/>
+    <dgm:txPr/>
+    <dgm:style>
+      <a:lnRef idx="2">
+        <a:scrgbClr r="0" g="0" b="0"/>
+      </a:lnRef>
+      <a:fillRef idx="1">
+        <a:scrgbClr r="0" g="0" b="0"/>
+      </a:fillRef>
+      <a:effectRef idx="0">
+        <a:scrgbClr r="0" g="0" b="0"/>
+      </a:effectRef>
+      <a:fontRef idx="minor"/>
+    </dgm:style>
+  </dgm:styleLbl>
+  <dgm:styleLbl name="sibTrans2D1">
+    <dgm:scene3d>
+      <a:camera prst="orthographicFront"/>
+      <a:lightRig rig="threePt" dir="t"/>
+    </dgm:scene3d>
+    <dgm:sp3d/>
+    <dgm:txPr/>
+    <dgm:style>
+      <a:lnRef idx="0">
+        <a:scrgbClr r="0" g="0" b="0"/>
+      </a:lnRef>
+      <a:fillRef idx="1">
+        <a:scrgbClr r="0" g="0" b="0"/>
+      </a:fillRef>
+      <a:effectRef idx="0">
+        <a:scrgbClr r="0" g="0" b="0"/>
+      </a:effectRef>
+      <a:fontRef idx="minor">
+        <a:schemeClr val="lt1"/>
+      </a:fontRef>
+    </dgm:style>
+  </dgm:styleLbl>
+  <dgm:styleLbl name="fgSibTrans2D1">
+    <dgm:scene3d>
+      <a:camera prst="orthographicFront"/>
+      <a:lightRig rig="threePt" dir="t"/>
+    </dgm:scene3d>
+    <dgm:sp3d/>
+    <dgm:txPr/>
+    <dgm:style>
+      <a:lnRef idx="0">
+        <a:scrgbClr r="0" g="0" b="0"/>
+      </a:lnRef>
+      <a:fillRef idx="1">
+        <a:scrgbClr r="0" g="0" b="0"/>
+      </a:fillRef>
+      <a:effectRef idx="0">
+        <a:scrgbClr r="0" g="0" b="0"/>
+      </a:effectRef>
+      <a:fontRef idx="minor">
+        <a:schemeClr val="lt1"/>
+      </a:fontRef>
+    </dgm:style>
+  </dgm:styleLbl>
+  <dgm:styleLbl name="bgSibTrans2D1">
+    <dgm:scene3d>
+      <a:camera prst="orthographicFront"/>
+      <a:lightRig rig="threePt" dir="t"/>
+    </dgm:scene3d>
+    <dgm:sp3d/>
+    <dgm:txPr/>
+    <dgm:style>
+      <a:lnRef idx="0">
+        <a:scrgbClr r="0" g="0" b="0"/>
+      </a:lnRef>
+      <a:fillRef idx="1">
+        <a:scrgbClr r="0" g="0" b="0"/>
+      </a:fillRef>
+      <a:effectRef idx="0">
+        <a:scrgbClr r="0" g="0" b="0"/>
+      </a:effectRef>
+      <a:fontRef idx="minor">
+        <a:schemeClr val="lt1"/>
+      </a:fontRef>
+    </dgm:style>
+  </dgm:styleLbl>
+  <dgm:styleLbl name="sibTrans1D1">
+    <dgm:scene3d>
+      <a:camera prst="orthographicFront"/>
+      <a:lightRig rig="threePt" dir="t"/>
+    </dgm:scene3d>
+    <dgm:sp3d/>
+    <dgm:txPr/>
+    <dgm:style>
+      <a:lnRef idx="1">
+        <a:scrgbClr r="0" g="0" b="0"/>
+      </a:lnRef>
+      <a:fillRef idx="0">
+        <a:scrgbClr r="0" g="0" b="0"/>
+      </a:fillRef>
+      <a:effectRef idx="0">
+        <a:scrgbClr r="0" g="0" b="0"/>
+      </a:effectRef>
+      <a:fontRef idx="minor"/>
+    </dgm:style>
+  </dgm:styleLbl>
+  <dgm:styleLbl name="callout">
+    <dgm:scene3d>
+      <a:camera prst="orthographicFront"/>
+      <a:lightRig rig="threePt" dir="t"/>
+    </dgm:scene3d>
+    <dgm:sp3d/>
+    <dgm:txPr/>
+    <dgm:style>
+      <a:lnRef idx="2">
+        <a:scrgbClr r="0" g="0" b="0"/>
+      </a:lnRef>
+      <a:fillRef idx="1">
+        <a:scrgbClr r="0" g="0" b="0"/>
+      </a:fillRef>
+      <a:effectRef idx="0">
+        <a:scrgbClr r="0" g="0" b="0"/>
+      </a:effectRef>
+      <a:fontRef idx="minor"/>
+    </dgm:style>
+  </dgm:styleLbl>
+  <dgm:styleLbl name="asst0">
+    <dgm:scene3d>
+      <a:camera prst="orthographicFront"/>
+      <a:lightRig rig="threePt" dir="t"/>
+    </dgm:scene3d>
+    <dgm:sp3d/>
+    <dgm:txPr/>
+    <dgm:style>
+      <a:lnRef idx="2">
+        <a:scrgbClr r="0" g="0" b="0"/>
+      </a:lnRef>
+      <a:fillRef idx="1">
+        <a:scrgbClr r="0" g="0" b="0"/>
+      </a:fillRef>
+      <a:effectRef idx="0">
+        <a:scrgbClr r="0" g="0" b="0"/>
+      </a:effectRef>
+      <a:fontRef idx="minor">
+        <a:schemeClr val="lt1"/>
+      </a:fontRef>
+    </dgm:style>
+  </dgm:styleLbl>
+  <dgm:styleLbl name="asst1">
+    <dgm:scene3d>
+      <a:camera prst="orthographicFront"/>
+      <a:lightRig rig="threePt" dir="t"/>
+    </dgm:scene3d>
+    <dgm:sp3d/>
+    <dgm:txPr/>
+    <dgm:style>
+      <a:lnRef idx="2">
+        <a:scrgbClr r="0" g="0" b="0"/>
+      </a:lnRef>
+      <a:fillRef idx="1">
+        <a:scrgbClr r="0" g="0" b="0"/>
+      </a:fillRef>
+      <a:effectRef idx="0">
+        <a:scrgbClr r="0" g="0" b="0"/>
+      </a:effectRef>
+      <a:fontRef idx="minor">
+        <a:schemeClr val="lt1"/>
+      </a:fontRef>
+    </dgm:style>
+  </dgm:styleLbl>
+  <dgm:styleLbl name="asst2">
+    <dgm:scene3d>
+      <a:camera prst="orthographicFront"/>
+      <a:lightRig rig="threePt" dir="t"/>
+    </dgm:scene3d>
+    <dgm:sp3d/>
+    <dgm:txPr/>
+    <dgm:style>
+      <a:lnRef idx="2">
+        <a:scrgbClr r="0" g="0" b="0"/>
+      </a:lnRef>
+      <a:fillRef idx="1">
+        <a:scrgbClr r="0" g="0" b="0"/>
+      </a:fillRef>
+      <a:effectRef idx="0">
+        <a:scrgbClr r="0" g="0" b="0"/>
+      </a:effectRef>
+      <a:fontRef idx="minor">
+        <a:schemeClr val="lt1"/>
+      </a:fontRef>
+    </dgm:style>
+  </dgm:styleLbl>
+  <dgm:styleLbl name="asst3">
+    <dgm:scene3d>
+      <a:camera prst="orthographicFront"/>
+      <a:lightRig rig="threePt" dir="t"/>
+    </dgm:scene3d>
+    <dgm:sp3d/>
+    <dgm:txPr/>
+    <dgm:style>
+      <a:lnRef idx="2">
+        <a:scrgbClr r="0" g="0" b="0"/>
+      </a:lnRef>
+      <a:fillRef idx="1">
+        <a:scrgbClr r="0" g="0" b="0"/>
+      </a:fillRef>
+      <a:effectRef idx="0">
+        <a:scrgbClr r="0" g="0" b="0"/>
+      </a:effectRef>
+      <a:fontRef idx="minor">
+        <a:schemeClr val="lt1"/>
+      </a:fontRef>
+    </dgm:style>
+  </dgm:styleLbl>
+  <dgm:styleLbl name="asst4">
+    <dgm:scene3d>
+      <a:camera prst="orthographicFront"/>
+      <a:lightRig rig="threePt" dir="t"/>
+    </dgm:scene3d>
+    <dgm:sp3d/>
+    <dgm:txPr/>
+    <dgm:style>
+      <a:lnRef idx="2">
+        <a:scrgbClr r="0" g="0" b="0"/>
+      </a:lnRef>
+      <a:fillRef idx="1">
+        <a:scrgbClr r="0" g="0" b="0"/>
+      </a:fillRef>
+      <a:effectRef idx="0">
+        <a:scrgbClr r="0" g="0" b="0"/>
+      </a:effectRef>
+      <a:fontRef idx="minor">
+        <a:schemeClr val="lt1"/>
+      </a:fontRef>
+    </dgm:style>
+  </dgm:styleLbl>
+  <dgm:styleLbl name="parChTrans2D1">
+    <dgm:scene3d>
+      <a:camera prst="orthographicFront"/>
+      <a:lightRig rig="threePt" dir="t"/>
+    </dgm:scene3d>
+    <dgm:sp3d/>
+    <dgm:txPr/>
+    <dgm:style>
+      <a:lnRef idx="2">
+        <a:scrgbClr r="0" g="0" b="0"/>
+      </a:lnRef>
+      <a:fillRef idx="1">
+        <a:scrgbClr r="0" g="0" b="0"/>
+      </a:fillRef>
+      <a:effectRef idx="0">
+        <a:scrgbClr r="0" g="0" b="0"/>
+      </a:effectRef>
+      <a:fontRef idx="minor">
+        <a:schemeClr val="lt1"/>
+      </a:fontRef>
+    </dgm:style>
+  </dgm:styleLbl>
+  <dgm:styleLbl name="parChTrans2D2">
+    <dgm:scene3d>
+      <a:camera prst="orthographicFront"/>
+      <a:lightRig rig="threePt" dir="t"/>
+    </dgm:scene3d>
+    <dgm:sp3d/>
+    <dgm:txPr/>
+    <dgm:style>
+      <a:lnRef idx="2">
+        <a:scrgbClr r="0" g="0" b="0"/>
+      </a:lnRef>
+      <a:fillRef idx="1">
+        <a:scrgbClr r="0" g="0" b="0"/>
+      </a:fillRef>
+      <a:effectRef idx="0">
+        <a:scrgbClr r="0" g="0" b="0"/>
+      </a:effectRef>
+      <a:fontRef idx="minor">
+        <a:schemeClr val="lt1"/>
+      </a:fontRef>
+    </dgm:style>
+  </dgm:styleLbl>
+  <dgm:styleLbl name="parChTrans2D3">
+    <dgm:scene3d>
+      <a:camera prst="orthographicFront"/>
+      <a:lightRig rig="threePt" dir="t"/>
+    </dgm:scene3d>
+    <dgm:sp3d/>
+    <dgm:txPr/>
+    <dgm:style>
+      <a:lnRef idx="2">
+        <a:scrgbClr r="0" g="0" b="0"/>
+      </a:lnRef>
+      <a:fillRef idx="1">
+        <a:scrgbClr r="0" g="0" b="0"/>
+      </a:fillRef>
+      <a:effectRef idx="0">
+        <a:scrgbClr r="0" g="0" b="0"/>
+      </a:effectRef>
+      <a:fontRef idx="minor">
+        <a:schemeClr val="lt1"/>
+      </a:fontRef>
+    </dgm:style>
+  </dgm:styleLbl>
+  <dgm:styleLbl name="parChTrans2D4">
+    <dgm:scene3d>
+      <a:camera prst="orthographicFront"/>
+      <a:lightRig rig="threePt" dir="t"/>
+    </dgm:scene3d>
+    <dgm:sp3d/>
+    <dgm:txPr/>
+    <dgm:style>
+      <a:lnRef idx="2">
+        <a:scrgbClr r="0" g="0" b="0"/>
+      </a:lnRef>
+      <a:fillRef idx="1">
+        <a:scrgbClr r="0" g="0" b="0"/>
+      </a:fillRef>
+      <a:effectRef idx="0">
+        <a:scrgbClr r="0" g="0" b="0"/>
+      </a:effectRef>
+      <a:fontRef idx="minor">
+        <a:schemeClr val="lt1"/>
+      </a:fontRef>
+    </dgm:style>
+  </dgm:styleLbl>
+  <dgm:styleLbl name="parChTrans1D1">
+    <dgm:scene3d>
+      <a:camera prst="orthographicFront"/>
+      <a:lightRig rig="threePt" dir="t"/>
+    </dgm:scene3d>
+    <dgm:sp3d/>
+    <dgm:txPr/>
+    <dgm:style>
+      <a:lnRef idx="2">
+        <a:scrgbClr r="0" g="0" b="0"/>
+      </a:lnRef>
+      <a:fillRef idx="0">
+        <a:scrgbClr r="0" g="0" b="0"/>
+      </a:fillRef>
+      <a:effectRef idx="0">
+        <a:scrgbClr r="0" g="0" b="0"/>
+      </a:effectRef>
+      <a:fontRef idx="minor"/>
+    </dgm:style>
+  </dgm:styleLbl>
+  <dgm:styleLbl name="parChTrans1D2">
+    <dgm:scene3d>
+      <a:camera prst="orthographicFront"/>
+      <a:lightRig rig="threePt" dir="t"/>
+    </dgm:scene3d>
+    <dgm:sp3d/>
+    <dgm:txPr/>
+    <dgm:style>
+      <a:lnRef idx="2">
+        <a:scrgbClr r="0" g="0" b="0"/>
+      </a:lnRef>
+      <a:fillRef idx="0">
+        <a:scrgbClr r="0" g="0" b="0"/>
+      </a:fillRef>
+      <a:effectRef idx="0">
+        <a:scrgbClr r="0" g="0" b="0"/>
+      </a:effectRef>
+      <a:fontRef idx="minor"/>
+    </dgm:style>
+  </dgm:styleLbl>
+  <dgm:styleLbl name="parChTrans1D3">
+    <dgm:scene3d>
+      <a:camera prst="orthographicFront"/>
+      <a:lightRig rig="threePt" dir="t"/>
+    </dgm:scene3d>
+    <dgm:sp3d/>
+    <dgm:txPr/>
+    <dgm:style>
+      <a:lnRef idx="2">
+        <a:scrgbClr r="0" g="0" b="0"/>
+      </a:lnRef>
+      <a:fillRef idx="0">
+        <a:scrgbClr r="0" g="0" b="0"/>
+      </a:fillRef>
+      <a:effectRef idx="0">
+        <a:scrgbClr r="0" g="0" b="0"/>
+      </a:effectRef>
+      <a:fontRef idx="minor"/>
+    </dgm:style>
+  </dgm:styleLbl>
+  <dgm:styleLbl name="parChTrans1D4">
+    <dgm:scene3d>
+      <a:camera prst="orthographicFront"/>
+      <a:lightRig rig="threePt" dir="t"/>
+    </dgm:scene3d>
+    <dgm:sp3d/>
+    <dgm:txPr/>
+    <dgm:style>
+      <a:lnRef idx="2">
+        <a:scrgbClr r="0" g="0" b="0"/>
+      </a:lnRef>
+      <a:fillRef idx="0">
+        <a:scrgbClr r="0" g="0" b="0"/>
+      </a:fillRef>
+      <a:effectRef idx="0">
+        <a:scrgbClr r="0" g="0" b="0"/>
+      </a:effectRef>
+      <a:fontRef idx="minor"/>
+    </dgm:style>
+  </dgm:styleLbl>
+  <dgm:styleLbl name="fgAcc1">
+    <dgm:scene3d>
+      <a:camera prst="orthographicFront"/>
+      <a:lightRig rig="threePt" dir="t"/>
+    </dgm:scene3d>
+    <dgm:sp3d/>
+    <dgm:txPr/>
+    <dgm:style>
+      <a:lnRef idx="2">
+        <a:scrgbClr r="0" g="0" b="0"/>
+      </a:lnRef>
+      <a:fillRef idx="1">
+        <a:scrgbClr r="0" g="0" b="0"/>
+      </a:fillRef>
+      <a:effectRef idx="0">
+        <a:scrgbClr r="0" g="0" b="0"/>
+      </a:effectRef>
+      <a:fontRef idx="minor"/>
+    </dgm:style>
+  </dgm:styleLbl>
+  <dgm:styleLbl name="conFgAcc1">
+    <dgm:scene3d>
+      <a:camera prst="orthographicFront"/>
+      <a:lightRig rig="threePt" dir="t"/>
+    </dgm:scene3d>
+    <dgm:sp3d/>
+    <dgm:txPr/>
+    <dgm:style>
+      <a:lnRef idx="2">
+        <a:scrgbClr r="0" g="0" b="0"/>
+      </a:lnRef>
+      <a:fillRef idx="1">
+        <a:scrgbClr r="0" g="0" b="0"/>
+      </a:fillRef>
+      <a:effectRef idx="0">
+        <a:scrgbClr r="0" g="0" b="0"/>
+      </a:effectRef>
+      <a:fontRef idx="minor"/>
+    </dgm:style>
+  </dgm:styleLbl>
+  <dgm:styleLbl name="alignAcc1">
+    <dgm:scene3d>
+      <a:camera prst="orthographicFront"/>
+      <a:lightRig rig="threePt" dir="t"/>
+    </dgm:scene3d>
+    <dgm:sp3d/>
+    <dgm:txPr/>
+    <dgm:style>
+      <a:lnRef idx="2">
+        <a:scrgbClr r="0" g="0" b="0"/>
+      </a:lnRef>
+      <a:fillRef idx="1">
+        <a:scrgbClr r="0" g="0" b="0"/>
+      </a:fillRef>
+      <a:effectRef idx="0">
+        <a:scrgbClr r="0" g="0" b="0"/>
+      </a:effectRef>
+      <a:fontRef idx="minor"/>
+    </dgm:style>
+  </dgm:styleLbl>
+  <dgm:styleLbl name="trAlignAcc1">
+    <dgm:scene3d>
+      <a:camera prst="orthographicFront"/>
+      <a:lightRig rig="threePt" dir="t"/>
+    </dgm:scene3d>
+    <dgm:sp3d/>
+    <dgm:txPr/>
+    <dgm:style>
+      <a:lnRef idx="1">
+        <a:scrgbClr r="0" g="0" b="0"/>
+      </a:lnRef>
+      <a:fillRef idx="1">
+        <a:scrgbClr r="0" g="0" b="0"/>
+      </a:fillRef>
+      <a:effectRef idx="0">
+        <a:scrgbClr r="0" g="0" b="0"/>
+      </a:effectRef>
+      <a:fontRef idx="minor"/>
+    </dgm:style>
+  </dgm:styleLbl>
+  <dgm:styleLbl name="bgAcc1">
+    <dgm:scene3d>
+      <a:camera prst="orthographicFront"/>
+      <a:lightRig rig="threePt" dir="t"/>
+    </dgm:scene3d>
+    <dgm:sp3d/>
+    <dgm:txPr/>
+    <dgm:style>
+      <a:lnRef idx="2">
+        <a:scrgbClr r="0" g="0" b="0"/>
+      </a:lnRef>
+      <a:fillRef idx="1">
+        <a:scrgbClr r="0" g="0" b="0"/>
+      </a:fillRef>
+      <a:effectRef idx="0">
+        <a:scrgbClr r="0" g="0" b="0"/>
+      </a:effectRef>
+      <a:fontRef idx="minor"/>
+    </dgm:style>
+  </dgm:styleLbl>
+  <dgm:styleLbl name="solidFgAcc1">
+    <dgm:scene3d>
+      <a:camera prst="orthographicFront"/>
+      <a:lightRig rig="threePt" dir="t"/>
+    </dgm:scene3d>
+    <dgm:sp3d/>
+    <dgm:txPr/>
+    <dgm:style>
+      <a:lnRef idx="2">
+        <a:scrgbClr r="0" g="0" b="0"/>
+      </a:lnRef>
+      <a:fillRef idx="1">
+        <a:scrgbClr r="0" g="0" b="0"/>
+      </a:fillRef>
+      <a:effectRef idx="0">
+        <a:scrgbClr r="0" g="0" b="0"/>
+      </a:effectRef>
+      <a:fontRef idx="minor"/>
+    </dgm:style>
+  </dgm:styleLbl>
+  <dgm:styleLbl name="solidAlignAcc1">
+    <dgm:scene3d>
+      <a:camera prst="orthographicFront"/>
+      <a:lightRig rig="threePt" dir="t"/>
+    </dgm:scene3d>
+    <dgm:sp3d/>
+    <dgm:txPr/>
+    <dgm:style>
+      <a:lnRef idx="2">
+        <a:scrgbClr r="0" g="0" b="0"/>
+      </a:lnRef>
+      <a:fillRef idx="1">
+        <a:scrgbClr r="0" g="0" b="0"/>
+      </a:fillRef>
+      <a:effectRef idx="0">
+        <a:scrgbClr r="0" g="0" b="0"/>
+      </a:effectRef>
+      <a:fontRef idx="minor"/>
+    </dgm:style>
+  </dgm:styleLbl>
+  <dgm:styleLbl name="solidBgAcc1">
+    <dgm:scene3d>
+      <a:camera prst="orthographicFront"/>
+      <a:lightRig rig="threePt" dir="t"/>
+    </dgm:scene3d>
+    <dgm:sp3d/>
+    <dgm:txPr/>
+    <dgm:style>
+      <a:lnRef idx="2">
+        <a:scrgbClr r="0" g="0" b="0"/>
+      </a:lnRef>
+      <a:fillRef idx="1">
+        <a:scrgbClr r="0" g="0" b="0"/>
+      </a:fillRef>
+      <a:effectRef idx="0">
+        <a:scrgbClr r="0" g="0" b="0"/>
+      </a:effectRef>
+      <a:fontRef idx="minor"/>
+    </dgm:style>
+  </dgm:styleLbl>
+  <dgm:styleLbl name="fgAccFollowNode1">
+    <dgm:scene3d>
+      <a:camera prst="orthographicFront"/>
+      <a:lightRig rig="threePt" dir="t"/>
+    </dgm:scene3d>
+    <dgm:sp3d/>
+    <dgm:txPr/>
+    <dgm:style>
+      <a:lnRef idx="2">
+        <a:scrgbClr r="0" g="0" b="0"/>
+      </a:lnRef>
+      <a:fillRef idx="1">
+        <a:scrgbClr r="0" g="0" b="0"/>
+      </a:fillRef>
+      <a:effectRef idx="0">
+        <a:scrgbClr r="0" g="0" b="0"/>
+      </a:effectRef>
+      <a:fontRef idx="minor"/>
+    </dgm:style>
+  </dgm:styleLbl>
+  <dgm:styleLbl name="alignAccFollowNode1">
+    <dgm:scene3d>
+      <a:camera prst="orthographicFront"/>
+      <a:lightRig rig="threePt" dir="t"/>
+    </dgm:scene3d>
+    <dgm:sp3d/>
+    <dgm:txPr/>
+    <dgm:style>
+      <a:lnRef idx="2">
+        <a:scrgbClr r="0" g="0" b="0"/>
+      </a:lnRef>
+      <a:fillRef idx="1">
+        <a:scrgbClr r="0" g="0" b="0"/>
+      </a:fillRef>
+      <a:effectRef idx="0">
+        <a:scrgbClr r="0" g="0" b="0"/>
+      </a:effectRef>
+      <a:fontRef idx="minor"/>
+    </dgm:style>
+  </dgm:styleLbl>
+  <dgm:styleLbl name="bgAccFollowNode1">
+    <dgm:scene3d>
+      <a:camera prst="orthographicFront"/>
+      <a:lightRig rig="threePt" dir="t"/>
+    </dgm:scene3d>
+    <dgm:sp3d/>
+    <dgm:txPr/>
+    <dgm:style>
+      <a:lnRef idx="2">
+        <a:scrgbClr r="0" g="0" b="0"/>
+      </a:lnRef>
+      <a:fillRef idx="1">
+        <a:scrgbClr r="0" g="0" b="0"/>
+      </a:fillRef>
+      <a:effectRef idx="0">
+        <a:scrgbClr r="0" g="0" b="0"/>
+      </a:effectRef>
+      <a:fontRef idx="minor"/>
+    </dgm:style>
+  </dgm:styleLbl>
+  <dgm:styleLbl name="fgAcc0">
+    <dgm:scene3d>
+      <a:camera prst="orthographicFront"/>
+      <a:lightRig rig="threePt" dir="t"/>
+    </dgm:scene3d>
+    <dgm:sp3d/>
+    <dgm:txPr/>
+    <dgm:style>
+      <a:lnRef idx="2">
+        <a:scrgbClr r="0" g="0" b="0"/>
+      </a:lnRef>
+      <a:fillRef idx="1">
+        <a:scrgbClr r="0" g="0" b="0"/>
+      </a:fillRef>
+      <a:effectRef idx="0">
+        <a:scrgbClr r="0" g="0" b="0"/>
+      </a:effectRef>
+      <a:fontRef idx="minor"/>
+    </dgm:style>
+  </dgm:styleLbl>
+  <dgm:styleLbl name="fgAcc2">
+    <dgm:scene3d>
+      <a:camera prst="orthographicFront"/>
+      <a:lightRig rig="threePt" dir="t"/>
+    </dgm:scene3d>
+    <dgm:sp3d/>
+    <dgm:txPr/>
+    <dgm:style>
+      <a:lnRef idx="2">
+        <a:scrgbClr r="0" g="0" b="0"/>
+      </a:lnRef>
+      <a:fillRef idx="1">
+        <a:scrgbClr r="0" g="0" b="0"/>
+      </a:fillRef>
+      <a:effectRef idx="0">
+        <a:scrgbClr r="0" g="0" b="0"/>
+      </a:effectRef>
+      <a:fontRef idx="minor"/>
+    </dgm:style>
+  </dgm:styleLbl>
+  <dgm:styleLbl name="fgAcc3">
+    <dgm:scene3d>
+      <a:camera prst="orthographicFront"/>
+      <a:lightRig rig="threePt" dir="t"/>
+    </dgm:scene3d>
+    <dgm:sp3d/>
+    <dgm:txPr/>
+    <dgm:style>
+      <a:lnRef idx="2">
+        <a:scrgbClr r="0" g="0" b="0"/>
+      </a:lnRef>
+      <a:fillRef idx="1">
+        <a:scrgbClr r="0" g="0" b="0"/>
+      </a:fillRef>
+      <a:effectRef idx="0">
+        <a:scrgbClr r="0" g="0" b="0"/>
+      </a:effectRef>
+      <a:fontRef idx="minor"/>
+    </dgm:style>
+  </dgm:styleLbl>
+  <dgm:styleLbl name="fgAcc4">
+    <dgm:scene3d>
+      <a:camera prst="orthographicFront"/>
+      <a:lightRig rig="threePt" dir="t"/>
+    </dgm:scene3d>
+    <dgm:sp3d/>
+    <dgm:txPr/>
+    <dgm:style>
+      <a:lnRef idx="2">
+        <a:scrgbClr r="0" g="0" b="0"/>
+      </a:lnRef>
+      <a:fillRef idx="1">
+        <a:scrgbClr r="0" g="0" b="0"/>
+      </a:fillRef>
+      <a:effectRef idx="0">
+        <a:scrgbClr r="0" g="0" b="0"/>
+      </a:effectRef>
+      <a:fontRef idx="minor"/>
+    </dgm:style>
+  </dgm:styleLbl>
+  <dgm:styleLbl name="bgShp">
+    <dgm:scene3d>
+      <a:camera prst="orthographicFront"/>
+      <a:lightRig rig="threePt" dir="t"/>
+    </dgm:scene3d>
+    <dgm:sp3d/>
+    <dgm:txPr/>
+    <dgm:style>
+      <a:lnRef idx="0">
+        <a:scrgbClr r="0" g="0" b="0"/>
+      </a:lnRef>
+      <a:fillRef idx="1">
+        <a:scrgbClr r="0" g="0" b="0"/>
+      </a:fillRef>
+      <a:effectRef idx="0">
+        <a:scrgbClr r="0" g="0" b="0"/>
+      </a:effectRef>
+      <a:fontRef idx="minor"/>
+    </dgm:style>
+  </dgm:styleLbl>
+  <dgm:styleLbl name="dkBgShp">
+    <dgm:scene3d>
+      <a:camera prst="orthographicFront"/>
+      <a:lightRig rig="threePt" dir="t"/>
+    </dgm:scene3d>
+    <dgm:sp3d/>
+    <dgm:txPr/>
+    <dgm:style>
+      <a:lnRef idx="0">
+        <a:scrgbClr r="0" g="0" b="0"/>
+      </a:lnRef>
+      <a:fillRef idx="1">
+        <a:scrgbClr r="0" g="0" b="0"/>
+      </a:fillRef>
+      <a:effectRef idx="0">
+        <a:scrgbClr r="0" g="0" b="0"/>
+      </a:effectRef>
+      <a:fontRef idx="minor"/>
+    </dgm:style>
+  </dgm:styleLbl>
+  <dgm:styleLbl name="trBgShp">
+    <dgm:scene3d>
+      <a:camera prst="orthographicFront"/>
+      <a:lightRig rig="threePt" dir="t"/>
+    </dgm:scene3d>
+    <dgm:sp3d/>
+    <dgm:txPr/>
+    <dgm:style>
+      <a:lnRef idx="0">
+        <a:scrgbClr r="0" g="0" b="0"/>
+      </a:lnRef>
+      <a:fillRef idx="1">
+        <a:scrgbClr r="0" g="0" b="0"/>
+      </a:fillRef>
+      <a:effectRef idx="0">
+        <a:scrgbClr r="0" g="0" b="0"/>
+      </a:effectRef>
+      <a:fontRef idx="minor"/>
+    </dgm:style>
+  </dgm:styleLbl>
+  <dgm:styleLbl name="fgShp">
+    <dgm:scene3d>
+      <a:camera prst="orthographicFront"/>
+      <a:lightRig rig="threePt" dir="t"/>
+    </dgm:scene3d>
+    <dgm:sp3d/>
+    <dgm:txPr/>
+    <dgm:style>
+      <a:lnRef idx="2">
+        <a:scrgbClr r="0" g="0" b="0"/>
+      </a:lnRef>
+      <a:fillRef idx="1">
+        <a:scrgbClr r="0" g="0" b="0"/>
+      </a:fillRef>
+      <a:effectRef idx="0">
+        <a:scrgbClr r="0" g="0" b="0"/>
+      </a:effectRef>
+      <a:fontRef idx="minor"/>
+    </dgm:style>
+  </dgm:styleLbl>
+  <dgm:styleLbl name="revTx">
+    <dgm:scene3d>
+      <a:camera prst="orthographicFront"/>
+      <a:lightRig rig="threePt" dir="t"/>
+    </dgm:scene3d>
+    <dgm:sp3d/>
+    <dgm:txPr/>
+    <dgm:style>
+      <a:lnRef idx="0">
+        <a:scrgbClr r="0" g="0" b="0"/>
+      </a:lnRef>
+      <a:fillRef idx="0">
+        <a:scrgbClr r="0" g="0" b="0"/>
+      </a:fillRef>
+      <a:effectRef idx="0">
+        <a:scrgbClr r="0" g="0" b="0"/>
+      </a:effectRef>
+      <a:fontRef idx="minor"/>
+    </dgm:style>
+  </dgm:styleLbl>
+</dgm:styleDef>
+</file>
+
+<file path=ppt/diagrams/quickStyle5.xml><?xml version="1.0" encoding="utf-8"?>
 <dgm:styleDef xmlns:dgm="http://schemas.openxmlformats.org/drawingml/2006/diagram" xmlns:a="http://schemas.openxmlformats.org/drawingml/2006/main" uniqueId="urn:microsoft.com/office/officeart/2005/8/quickstyle/simple4">
   <dgm:title val=""/>
   <dgm:desc val=""/>
@@ -17771,7 +21398,7 @@
 </dgm:styleDef>
 </file>
 
-<file path=ppt/diagrams/quickStyle5.xml><?xml version="1.0" encoding="utf-8"?>
+<file path=ppt/diagrams/quickStyle6.xml><?xml version="1.0" encoding="utf-8"?>
 <dgm:styleDef xmlns:dgm="http://schemas.openxmlformats.org/drawingml/2006/diagram" xmlns:a="http://schemas.openxmlformats.org/drawingml/2006/main" uniqueId="urn:microsoft.com/office/officeart/2005/8/quickstyle/simple1">
   <dgm:title val=""/>
   <dgm:desc val=""/>
@@ -18805,7 +22432,7 @@
 </dgm:styleDef>
 </file>
 
-<file path=ppt/diagrams/quickStyle6.xml><?xml version="1.0" encoding="utf-8"?>
+<file path=ppt/diagrams/quickStyle7.xml><?xml version="1.0" encoding="utf-8"?>
 <dgm:styleDef xmlns:dgm="http://schemas.openxmlformats.org/drawingml/2006/diagram" xmlns:a="http://schemas.openxmlformats.org/drawingml/2006/main" uniqueId="urn:microsoft.com/office/officeart/2005/8/quickstyle/simple1">
   <dgm:title val=""/>
   <dgm:desc val=""/>
@@ -19921,7 +23548,7 @@
           <a:p>
             <a:fld id="{FDDE532D-1B29-4C31-9CD8-E8AC3D41308E}" type="datetimeFigureOut">
               <a:rPr lang="es-MX" smtClean="0"/>
-              <a:t>21/05/2020</a:t>
+              <a:t>25/05/2020</a:t>
             </a:fld>
             <a:endParaRPr lang="es-MX"/>
           </a:p>
@@ -20336,7 +23963,7 @@
           <a:p>
             <a:fld id="{82EDB8D0-98ED-4B86-9D5F-E61ADC70144D}" type="datetimeFigureOut">
               <a:rPr lang="en-US" smtClean="0"/>
-              <a:t>5/21/2020</a:t>
+              <a:t>5/25/2020</a:t>
             </a:fld>
             <a:endParaRPr lang="en-US" dirty="0"/>
           </a:p>
@@ -20623,13 +24250,13 @@
   <p:clrMapOvr>
     <a:masterClrMapping/>
   </p:clrMapOvr>
-  <mc:AlternateContent xmlns:mc="http://schemas.openxmlformats.org/markup-compatibility/2006">
-    <mc:Choice xmlns:p14="http://schemas.microsoft.com/office/powerpoint/2010/main" Requires="p14">
+  <mc:AlternateContent xmlns:mc="http://schemas.openxmlformats.org/markup-compatibility/2006" xmlns:p14="http://schemas.microsoft.com/office/powerpoint/2010/main">
+    <mc:Choice Requires="p14">
       <p:transition spd="slow" p14:dur="1500">
         <p:fade/>
       </p:transition>
     </mc:Choice>
-    <mc:Fallback>
+    <mc:Fallback xmlns="">
       <p:transition spd="slow">
         <p:fade/>
       </p:transition>
@@ -20998,7 +24625,7 @@
             <a:fld id="{82EDB8D0-98ED-4B86-9D5F-E61ADC70144D}" type="datetimeFigureOut">
               <a:rPr lang="en-US" smtClean="0"/>
               <a:pPr/>
-              <a:t>5/21/2020</a:t>
+              <a:t>5/25/2020</a:t>
             </a:fld>
             <a:endParaRPr lang="en-US" dirty="0"/>
           </a:p>
@@ -21107,13 +24734,13 @@
   <p:clrMapOvr>
     <a:masterClrMapping/>
   </p:clrMapOvr>
-  <mc:AlternateContent xmlns:mc="http://schemas.openxmlformats.org/markup-compatibility/2006">
-    <mc:Choice xmlns:p14="http://schemas.microsoft.com/office/powerpoint/2010/main" Requires="p14">
+  <mc:AlternateContent xmlns:mc="http://schemas.openxmlformats.org/markup-compatibility/2006" xmlns:p14="http://schemas.microsoft.com/office/powerpoint/2010/main">
+    <mc:Choice Requires="p14">
       <p:transition spd="slow" p14:dur="1500">
         <p:fade/>
       </p:transition>
     </mc:Choice>
-    <mc:Fallback>
+    <mc:Fallback xmlns="">
       <p:transition spd="slow">
         <p:fade/>
       </p:transition>
@@ -21232,7 +24859,7 @@
             <a:fld id="{82EDB8D0-98ED-4B86-9D5F-E61ADC70144D}" type="datetimeFigureOut">
               <a:rPr lang="en-US" smtClean="0"/>
               <a:pPr/>
-              <a:t>5/21/2020</a:t>
+              <a:t>5/25/2020</a:t>
             </a:fld>
             <a:endParaRPr lang="en-US" dirty="0"/>
           </a:p>
@@ -21331,13 +24958,13 @@
   <p:clrMapOvr>
     <a:masterClrMapping/>
   </p:clrMapOvr>
-  <mc:AlternateContent xmlns:mc="http://schemas.openxmlformats.org/markup-compatibility/2006">
-    <mc:Choice xmlns:p14="http://schemas.microsoft.com/office/powerpoint/2010/main" Requires="p14">
+  <mc:AlternateContent xmlns:mc="http://schemas.openxmlformats.org/markup-compatibility/2006" xmlns:p14="http://schemas.microsoft.com/office/powerpoint/2010/main">
+    <mc:Choice Requires="p14">
       <p:transition spd="slow" p14:dur="1500">
         <p:fade/>
       </p:transition>
     </mc:Choice>
-    <mc:Fallback>
+    <mc:Fallback xmlns="">
       <p:transition spd="slow">
         <p:fade/>
       </p:transition>
@@ -21470,7 +25097,7 @@
             <a:fld id="{82EDB8D0-98ED-4B86-9D5F-E61ADC70144D}" type="datetimeFigureOut">
               <a:rPr lang="en-US" smtClean="0"/>
               <a:pPr/>
-              <a:t>5/21/2020</a:t>
+              <a:t>5/25/2020</a:t>
             </a:fld>
             <a:endParaRPr lang="en-US" dirty="0"/>
           </a:p>
@@ -21569,13 +25196,13 @@
   <p:clrMapOvr>
     <a:masterClrMapping/>
   </p:clrMapOvr>
-  <mc:AlternateContent xmlns:mc="http://schemas.openxmlformats.org/markup-compatibility/2006">
-    <mc:Choice xmlns:p14="http://schemas.microsoft.com/office/powerpoint/2010/main" Requires="p14">
+  <mc:AlternateContent xmlns:mc="http://schemas.openxmlformats.org/markup-compatibility/2006" xmlns:p14="http://schemas.microsoft.com/office/powerpoint/2010/main">
+    <mc:Choice Requires="p14">
       <p:transition spd="slow" p14:dur="1500">
         <p:fade/>
       </p:transition>
     </mc:Choice>
-    <mc:Fallback>
+    <mc:Fallback xmlns="">
       <p:transition spd="slow">
         <p:fade/>
       </p:transition>
@@ -21724,7 +25351,7 @@
             <a:fld id="{82EDB8D0-98ED-4B86-9D5F-E61ADC70144D}" type="datetimeFigureOut">
               <a:rPr lang="en-US" smtClean="0"/>
               <a:pPr/>
-              <a:t>5/21/2020</a:t>
+              <a:t>5/25/2020</a:t>
             </a:fld>
             <a:endParaRPr lang="en-US" dirty="0"/>
           </a:p>
@@ -21833,13 +25460,13 @@
   <p:clrMapOvr>
     <a:masterClrMapping/>
   </p:clrMapOvr>
-  <mc:AlternateContent xmlns:mc="http://schemas.openxmlformats.org/markup-compatibility/2006">
-    <mc:Choice xmlns:p14="http://schemas.microsoft.com/office/powerpoint/2010/main" Requires="p14">
+  <mc:AlternateContent xmlns:mc="http://schemas.openxmlformats.org/markup-compatibility/2006" xmlns:p14="http://schemas.microsoft.com/office/powerpoint/2010/main">
+    <mc:Choice Requires="p14">
       <p:transition spd="slow" p14:dur="1500">
         <p:fade/>
       </p:transition>
     </mc:Choice>
-    <mc:Fallback>
+    <mc:Fallback xmlns="">
       <p:transition spd="slow">
         <p:fade/>
       </p:transition>
@@ -21962,7 +25589,7 @@
             <a:fld id="{82EDB8D0-98ED-4B86-9D5F-E61ADC70144D}" type="datetimeFigureOut">
               <a:rPr lang="en-US" smtClean="0"/>
               <a:pPr/>
-              <a:t>5/21/2020</a:t>
+              <a:t>5/25/2020</a:t>
             </a:fld>
             <a:endParaRPr lang="en-US" dirty="0"/>
           </a:p>
@@ -22065,13 +25692,13 @@
   <p:clrMapOvr>
     <a:masterClrMapping/>
   </p:clrMapOvr>
-  <mc:AlternateContent xmlns:mc="http://schemas.openxmlformats.org/markup-compatibility/2006">
-    <mc:Choice xmlns:p14="http://schemas.microsoft.com/office/powerpoint/2010/main" Requires="p14">
+  <mc:AlternateContent xmlns:mc="http://schemas.openxmlformats.org/markup-compatibility/2006" xmlns:p14="http://schemas.microsoft.com/office/powerpoint/2010/main">
+    <mc:Choice Requires="p14">
       <p:transition spd="slow" p14:dur="1500">
         <p:fade/>
       </p:transition>
     </mc:Choice>
-    <mc:Fallback>
+    <mc:Fallback xmlns="">
       <p:transition spd="slow">
         <p:fade/>
       </p:transition>
@@ -22268,7 +25895,7 @@
             <a:fld id="{82EDB8D0-98ED-4B86-9D5F-E61ADC70144D}" type="datetimeFigureOut">
               <a:rPr lang="en-US" smtClean="0"/>
               <a:pPr/>
-              <a:t>5/21/2020</a:t>
+              <a:t>5/25/2020</a:t>
             </a:fld>
             <a:endParaRPr lang="en-US" dirty="0"/>
           </a:p>
@@ -22367,13 +25994,13 @@
   <p:clrMapOvr>
     <a:masterClrMapping/>
   </p:clrMapOvr>
-  <mc:AlternateContent xmlns:mc="http://schemas.openxmlformats.org/markup-compatibility/2006">
-    <mc:Choice xmlns:p14="http://schemas.microsoft.com/office/powerpoint/2010/main" Requires="p14">
+  <mc:AlternateContent xmlns:mc="http://schemas.openxmlformats.org/markup-compatibility/2006" xmlns:p14="http://schemas.microsoft.com/office/powerpoint/2010/main">
+    <mc:Choice Requires="p14">
       <p:transition spd="slow" p14:dur="1500">
         <p:fade/>
       </p:transition>
     </mc:Choice>
-    <mc:Fallback>
+    <mc:Fallback xmlns="">
       <p:transition spd="slow">
         <p:fade/>
       </p:transition>
@@ -22559,7 +26186,7 @@
             <a:fld id="{82EDB8D0-98ED-4B86-9D5F-E61ADC70144D}" type="datetimeFigureOut">
               <a:rPr lang="en-US" smtClean="0"/>
               <a:pPr/>
-              <a:t>5/21/2020</a:t>
+              <a:t>5/25/2020</a:t>
             </a:fld>
             <a:endParaRPr lang="en-US" dirty="0"/>
           </a:p>
@@ -22658,13 +26285,13 @@
   <p:clrMapOvr>
     <a:masterClrMapping/>
   </p:clrMapOvr>
-  <mc:AlternateContent xmlns:mc="http://schemas.openxmlformats.org/markup-compatibility/2006">
-    <mc:Choice xmlns:p14="http://schemas.microsoft.com/office/powerpoint/2010/main" Requires="p14">
+  <mc:AlternateContent xmlns:mc="http://schemas.openxmlformats.org/markup-compatibility/2006" xmlns:p14="http://schemas.microsoft.com/office/powerpoint/2010/main">
+    <mc:Choice Requires="p14">
       <p:transition spd="slow" p14:dur="1500">
         <p:fade/>
       </p:transition>
     </mc:Choice>
-    <mc:Fallback>
+    <mc:Fallback xmlns="">
       <p:transition spd="slow">
         <p:fade/>
       </p:transition>
@@ -23003,7 +26630,7 @@
             <a:fld id="{82EDB8D0-98ED-4B86-9D5F-E61ADC70144D}" type="datetimeFigureOut">
               <a:rPr lang="en-US" smtClean="0"/>
               <a:pPr/>
-              <a:t>5/21/2020</a:t>
+              <a:t>5/25/2020</a:t>
             </a:fld>
             <a:endParaRPr lang="en-US" dirty="0"/>
           </a:p>
@@ -23102,13 +26729,13 @@
   <p:clrMapOvr>
     <a:masterClrMapping/>
   </p:clrMapOvr>
-  <mc:AlternateContent xmlns:mc="http://schemas.openxmlformats.org/markup-compatibility/2006">
-    <mc:Choice xmlns:p14="http://schemas.microsoft.com/office/powerpoint/2010/main" Requires="p14">
+  <mc:AlternateContent xmlns:mc="http://schemas.openxmlformats.org/markup-compatibility/2006" xmlns:p14="http://schemas.microsoft.com/office/powerpoint/2010/main">
+    <mc:Choice Requires="p14">
       <p:transition spd="slow" p14:dur="1500">
         <p:fade/>
       </p:transition>
     </mc:Choice>
-    <mc:Fallback>
+    <mc:Fallback xmlns="">
       <p:transition spd="slow">
         <p:fade/>
       </p:transition>
@@ -23180,7 +26807,7 @@
             <a:fld id="{82EDB8D0-98ED-4B86-9D5F-E61ADC70144D}" type="datetimeFigureOut">
               <a:rPr lang="en-US" smtClean="0"/>
               <a:pPr/>
-              <a:t>5/21/2020</a:t>
+              <a:t>5/25/2020</a:t>
             </a:fld>
             <a:endParaRPr lang="en-US" dirty="0"/>
           </a:p>
@@ -23279,13 +26906,13 @@
   <p:clrMapOvr>
     <a:masterClrMapping/>
   </p:clrMapOvr>
-  <mc:AlternateContent xmlns:mc="http://schemas.openxmlformats.org/markup-compatibility/2006">
-    <mc:Choice xmlns:p14="http://schemas.microsoft.com/office/powerpoint/2010/main" Requires="p14">
+  <mc:AlternateContent xmlns:mc="http://schemas.openxmlformats.org/markup-compatibility/2006" xmlns:p14="http://schemas.microsoft.com/office/powerpoint/2010/main">
+    <mc:Choice Requires="p14">
       <p:transition spd="slow" p14:dur="1500">
         <p:fade/>
       </p:transition>
     </mc:Choice>
-    <mc:Fallback>
+    <mc:Fallback xmlns="">
       <p:transition spd="slow">
         <p:fade/>
       </p:transition>
@@ -23329,7 +26956,7 @@
             <a:fld id="{82EDB8D0-98ED-4B86-9D5F-E61ADC70144D}" type="datetimeFigureOut">
               <a:rPr lang="en-US" smtClean="0"/>
               <a:pPr/>
-              <a:t>5/21/2020</a:t>
+              <a:t>5/25/2020</a:t>
             </a:fld>
             <a:endParaRPr lang="en-US" dirty="0"/>
           </a:p>
@@ -23388,13 +27015,13 @@
   <p:clrMapOvr>
     <a:masterClrMapping/>
   </p:clrMapOvr>
-  <mc:AlternateContent xmlns:mc="http://schemas.openxmlformats.org/markup-compatibility/2006">
-    <mc:Choice xmlns:p14="http://schemas.microsoft.com/office/powerpoint/2010/main" Requires="p14">
+  <mc:AlternateContent xmlns:mc="http://schemas.openxmlformats.org/markup-compatibility/2006" xmlns:p14="http://schemas.microsoft.com/office/powerpoint/2010/main">
+    <mc:Choice Requires="p14">
       <p:transition spd="slow" p14:dur="1500">
         <p:fade/>
       </p:transition>
     </mc:Choice>
-    <mc:Fallback>
+    <mc:Fallback xmlns="">
       <p:transition spd="slow">
         <p:fade/>
       </p:transition>
@@ -23594,7 +27221,7 @@
             <a:fld id="{82EDB8D0-98ED-4B86-9D5F-E61ADC70144D}" type="datetimeFigureOut">
               <a:rPr lang="en-US" smtClean="0"/>
               <a:pPr/>
-              <a:t>5/21/2020</a:t>
+              <a:t>5/25/2020</a:t>
             </a:fld>
             <a:endParaRPr lang="en-US" dirty="0"/>
           </a:p>
@@ -23693,13 +27320,13 @@
   <p:clrMapOvr>
     <a:masterClrMapping/>
   </p:clrMapOvr>
-  <mc:AlternateContent xmlns:mc="http://schemas.openxmlformats.org/markup-compatibility/2006">
-    <mc:Choice xmlns:p14="http://schemas.microsoft.com/office/powerpoint/2010/main" Requires="p14">
+  <mc:AlternateContent xmlns:mc="http://schemas.openxmlformats.org/markup-compatibility/2006" xmlns:p14="http://schemas.microsoft.com/office/powerpoint/2010/main">
+    <mc:Choice Requires="p14">
       <p:transition spd="slow" p14:dur="1500">
         <p:fade/>
       </p:transition>
     </mc:Choice>
-    <mc:Fallback>
+    <mc:Fallback xmlns="">
       <p:transition spd="slow">
         <p:fade/>
       </p:transition>
@@ -23883,7 +27510,7 @@
             <a:fld id="{82EDB8D0-98ED-4B86-9D5F-E61ADC70144D}" type="datetimeFigureOut">
               <a:rPr lang="en-US" smtClean="0"/>
               <a:pPr/>
-              <a:t>5/21/2020</a:t>
+              <a:t>5/25/2020</a:t>
             </a:fld>
             <a:endParaRPr lang="en-US" dirty="0"/>
           </a:p>
@@ -23993,13 +27620,13 @@
   <p:sldLayoutIdLst>
     <p:sldLayoutId id="2147484145" r:id="rId1"/>
   </p:sldLayoutIdLst>
-  <mc:AlternateContent xmlns:mc="http://schemas.openxmlformats.org/markup-compatibility/2006">
-    <mc:Choice xmlns:p14="http://schemas.microsoft.com/office/powerpoint/2010/main" Requires="p14">
+  <mc:AlternateContent xmlns:mc="http://schemas.openxmlformats.org/markup-compatibility/2006" xmlns:p14="http://schemas.microsoft.com/office/powerpoint/2010/main">
+    <mc:Choice Requires="p14">
       <p:transition spd="slow" p14:dur="1500">
         <p:fade/>
       </p:transition>
     </mc:Choice>
-    <mc:Fallback>
+    <mc:Fallback xmlns="">
       <p:transition spd="slow">
         <p:fade/>
       </p:transition>
@@ -24560,7 +28187,7 @@
             <a:fld id="{82EDB8D0-98ED-4B86-9D5F-E61ADC70144D}" type="datetimeFigureOut">
               <a:rPr lang="en-US" smtClean="0"/>
               <a:pPr/>
-              <a:t>5/21/2020</a:t>
+              <a:t>5/25/2020</a:t>
             </a:fld>
             <a:endParaRPr lang="en-US" dirty="0"/>
           </a:p>
@@ -24664,13 +28291,13 @@
     <p:sldLayoutId id="2147484789" r:id="rId10"/>
     <p:sldLayoutId id="2147484790" r:id="rId11"/>
   </p:sldLayoutIdLst>
-  <mc:AlternateContent xmlns:mc="http://schemas.openxmlformats.org/markup-compatibility/2006">
-    <mc:Choice xmlns:p14="http://schemas.microsoft.com/office/powerpoint/2010/main" Requires="p14">
+  <mc:AlternateContent xmlns:mc="http://schemas.openxmlformats.org/markup-compatibility/2006" xmlns:p14="http://schemas.microsoft.com/office/powerpoint/2010/main">
+    <mc:Choice Requires="p14">
       <p:transition spd="slow" p14:dur="1500">
         <p:fade/>
       </p:transition>
     </mc:Choice>
-    <mc:Fallback>
+    <mc:Fallback xmlns="">
       <p:transition spd="slow">
         <p:fade/>
       </p:transition>
@@ -25791,13 +29418,13 @@
   <p:clrMapOvr>
     <a:masterClrMapping/>
   </p:clrMapOvr>
-  <mc:AlternateContent xmlns:mc="http://schemas.openxmlformats.org/markup-compatibility/2006">
-    <mc:Choice xmlns:p14="http://schemas.microsoft.com/office/powerpoint/2010/main" Requires="p14">
+  <mc:AlternateContent xmlns:mc="http://schemas.openxmlformats.org/markup-compatibility/2006" xmlns:p14="http://schemas.microsoft.com/office/powerpoint/2010/main">
+    <mc:Choice Requires="p14">
       <p:transition spd="slow" p14:dur="1500">
         <p:fade/>
       </p:transition>
     </mc:Choice>
-    <mc:Fallback>
+    <mc:Fallback xmlns="">
       <p:transition spd="slow">
         <p:fade/>
       </p:transition>
@@ -25807,6 +29434,170 @@
 </file>
 
 <file path=ppt/slides/slide10.xml><?xml version="1.0" encoding="utf-8"?>
+<p:sld xmlns:a="http://schemas.openxmlformats.org/drawingml/2006/main" xmlns:r="http://schemas.openxmlformats.org/officeDocument/2006/relationships" xmlns:p="http://schemas.openxmlformats.org/presentationml/2006/main">
+  <p:cSld>
+    <p:bg>
+      <p:bgPr>
+        <a:gradFill rotWithShape="1">
+          <a:gsLst>
+            <a:gs pos="0">
+              <a:schemeClr val="bg1">
+                <a:tint val="94000"/>
+                <a:satMod val="80000"/>
+                <a:lumMod val="106000"/>
+              </a:schemeClr>
+            </a:gs>
+            <a:gs pos="100000">
+              <a:schemeClr val="bg1">
+                <a:shade val="80000"/>
+                <a:lumMod val="108000"/>
+              </a:schemeClr>
+            </a:gs>
+          </a:gsLst>
+          <a:path path="circle">
+            <a:fillToRect l="43000" r="43000" b="100000"/>
+          </a:path>
+        </a:gradFill>
+        <a:effectLst/>
+      </p:bgPr>
+    </p:bg>
+    <p:spTree>
+      <p:nvGrpSpPr>
+        <p:cNvPr id="1" name=""/>
+        <p:cNvGrpSpPr/>
+        <p:nvPr/>
+      </p:nvGrpSpPr>
+      <p:grpSpPr>
+        <a:xfrm>
+          <a:off x="0" y="0"/>
+          <a:ext cx="0" cy="0"/>
+          <a:chOff x="0" y="0"/>
+          <a:chExt cx="0" cy="0"/>
+        </a:xfrm>
+      </p:grpSpPr>
+      <p:sp>
+        <p:nvSpPr>
+          <p:cNvPr id="2" name="Título 1">
+            <a:extLst>
+              <a:ext uri="{FF2B5EF4-FFF2-40B4-BE49-F238E27FC236}">
+                <a16:creationId xmlns:a16="http://schemas.microsoft.com/office/drawing/2014/main" id="{63952E16-A666-4451-B8C8-0F0D0B6A87FD}"/>
+              </a:ext>
+            </a:extLst>
+          </p:cNvPr>
+          <p:cNvSpPr>
+            <a:spLocks noGrp="1"/>
+          </p:cNvSpPr>
+          <p:nvPr>
+            <p:ph type="title"/>
+          </p:nvPr>
+        </p:nvSpPr>
+        <p:spPr>
+          <a:xfrm>
+            <a:off x="1130268" y="1247541"/>
+            <a:ext cx="9603275" cy="1049235"/>
+          </a:xfrm>
+        </p:spPr>
+        <p:txBody>
+          <a:bodyPr anchor="ctr">
+            <a:normAutofit fontScale="90000"/>
+          </a:bodyPr>
+          <a:lstStyle/>
+          <a:p>
+            <a:pPr algn="ctr"/>
+            <a:r>
+              <a:rPr lang="es-MX" sz="5300" b="1" dirty="0">
+                <a:solidFill>
+                  <a:schemeClr val="accent1"/>
+                </a:solidFill>
+              </a:rPr>
+              <a:t>DATOS</a:t>
+            </a:r>
+            <a:br>
+              <a:rPr lang="es-MX" sz="6000" b="1" dirty="0">
+                <a:solidFill>
+                  <a:schemeClr val="accent1"/>
+                </a:solidFill>
+              </a:rPr>
+            </a:br>
+            <a:r>
+              <a:rPr lang="es-MX" sz="3100" b="1" dirty="0">
+                <a:solidFill>
+                  <a:schemeClr val="accent1">
+                    <a:lumMod val="60000"/>
+                    <a:lumOff val="40000"/>
+                  </a:schemeClr>
+                </a:solidFill>
+              </a:rPr>
+              <a:t>DEL CLIENTE/PROVEEDOR</a:t>
+            </a:r>
+            <a:endParaRPr lang="es-MX" sz="6000" b="1" dirty="0">
+              <a:solidFill>
+                <a:schemeClr val="accent1">
+                  <a:lumMod val="60000"/>
+                  <a:lumOff val="40000"/>
+                </a:schemeClr>
+              </a:solidFill>
+            </a:endParaRPr>
+          </a:p>
+        </p:txBody>
+      </p:sp>
+      <p:graphicFrame>
+        <p:nvGraphicFramePr>
+          <p:cNvPr id="5" name="Marcador de contenido 2">
+            <a:extLst>
+              <a:ext uri="{FF2B5EF4-FFF2-40B4-BE49-F238E27FC236}">
+                <a16:creationId xmlns:a16="http://schemas.microsoft.com/office/drawing/2014/main" id="{614804DF-BAFE-4CAE-9E69-1D440F7B6EB0}"/>
+              </a:ext>
+            </a:extLst>
+          </p:cNvPr>
+          <p:cNvGraphicFramePr>
+            <a:graphicFrameLocks noGrp="1"/>
+          </p:cNvGraphicFramePr>
+          <p:nvPr>
+            <p:ph idx="1"/>
+            <p:extLst>
+              <p:ext uri="{D42A27DB-BD31-4B8C-83A1-F6EECF244321}">
+                <p14:modId xmlns:p14="http://schemas.microsoft.com/office/powerpoint/2010/main" val="259471305"/>
+              </p:ext>
+            </p:extLst>
+          </p:nvPr>
+        </p:nvGraphicFramePr>
+        <p:xfrm>
+          <a:off x="458122" y="2844421"/>
+          <a:ext cx="10947565" cy="2854814"/>
+        </p:xfrm>
+        <a:graphic>
+          <a:graphicData uri="http://schemas.openxmlformats.org/drawingml/2006/diagram">
+            <dgm:relIds xmlns:dgm="http://schemas.openxmlformats.org/drawingml/2006/diagram" xmlns:r="http://schemas.openxmlformats.org/officeDocument/2006/relationships" r:dm="rId2" r:lo="rId3" r:qs="rId4" r:cs="rId5"/>
+          </a:graphicData>
+        </a:graphic>
+      </p:graphicFrame>
+    </p:spTree>
+    <p:extLst>
+      <p:ext uri="{BB962C8B-B14F-4D97-AF65-F5344CB8AC3E}">
+        <p14:creationId xmlns:p14="http://schemas.microsoft.com/office/powerpoint/2010/main" val="3861630853"/>
+      </p:ext>
+    </p:extLst>
+  </p:cSld>
+  <p:clrMapOvr>
+    <a:masterClrMapping/>
+  </p:clrMapOvr>
+  <mc:AlternateContent xmlns:mc="http://schemas.openxmlformats.org/markup-compatibility/2006" xmlns:p14="http://schemas.microsoft.com/office/powerpoint/2010/main">
+    <mc:Choice Requires="p14">
+      <p:transition spd="slow" p14:dur="1500">
+        <p:fade/>
+      </p:transition>
+    </mc:Choice>
+    <mc:Fallback xmlns="">
+      <p:transition spd="slow">
+        <p:fade/>
+      </p:transition>
+    </mc:Fallback>
+  </mc:AlternateContent>
+</p:sld>
+</file>
+
+<file path=ppt/slides/slide11.xml><?xml version="1.0" encoding="utf-8"?>
 <p:sld xmlns:a="http://schemas.openxmlformats.org/drawingml/2006/main" xmlns:r="http://schemas.openxmlformats.org/officeDocument/2006/relationships" xmlns:p="http://schemas.openxmlformats.org/presentationml/2006/main">
   <p:cSld>
     <p:bg>
@@ -26114,13 +29905,13 @@
   <p:clrMapOvr>
     <a:masterClrMapping/>
   </p:clrMapOvr>
-  <mc:AlternateContent xmlns:mc="http://schemas.openxmlformats.org/markup-compatibility/2006">
-    <mc:Choice xmlns:p14="http://schemas.microsoft.com/office/powerpoint/2010/main" Requires="p14">
+  <mc:AlternateContent xmlns:mc="http://schemas.openxmlformats.org/markup-compatibility/2006" xmlns:p14="http://schemas.microsoft.com/office/powerpoint/2010/main">
+    <mc:Choice Requires="p14">
       <p:transition spd="slow" p14:dur="1500">
         <p:fade/>
       </p:transition>
     </mc:Choice>
-    <mc:Fallback>
+    <mc:Fallback xmlns="">
       <p:transition spd="slow">
         <p:fade/>
       </p:transition>
@@ -26129,7 +29920,7 @@
 </p:sld>
 </file>
 
-<file path=ppt/slides/slide11.xml><?xml version="1.0" encoding="utf-8"?>
+<file path=ppt/slides/slide12.xml><?xml version="1.0" encoding="utf-8"?>
 <p:sld xmlns:a="http://schemas.openxmlformats.org/drawingml/2006/main" xmlns:r="http://schemas.openxmlformats.org/officeDocument/2006/relationships" xmlns:p="http://schemas.openxmlformats.org/presentationml/2006/main">
   <p:cSld>
     <p:bg>
@@ -26288,13 +30079,13 @@
   <p:clrMapOvr>
     <a:masterClrMapping/>
   </p:clrMapOvr>
-  <mc:AlternateContent xmlns:mc="http://schemas.openxmlformats.org/markup-compatibility/2006">
-    <mc:Choice xmlns:p14="http://schemas.microsoft.com/office/powerpoint/2010/main" Requires="p14">
+  <mc:AlternateContent xmlns:mc="http://schemas.openxmlformats.org/markup-compatibility/2006" xmlns:p14="http://schemas.microsoft.com/office/powerpoint/2010/main">
+    <mc:Choice Requires="p14">
       <p:transition spd="slow" p14:dur="1500">
         <p:fade/>
       </p:transition>
     </mc:Choice>
-    <mc:Fallback>
+    <mc:Fallback xmlns="">
       <p:transition spd="slow">
         <p:fade/>
       </p:transition>
@@ -26303,7 +30094,7 @@
 </p:sld>
 </file>
 
-<file path=ppt/slides/slide12.xml><?xml version="1.0" encoding="utf-8"?>
+<file path=ppt/slides/slide13.xml><?xml version="1.0" encoding="utf-8"?>
 <p:sld xmlns:a="http://schemas.openxmlformats.org/drawingml/2006/main" xmlns:r="http://schemas.openxmlformats.org/officeDocument/2006/relationships" xmlns:p="http://schemas.openxmlformats.org/presentationml/2006/main">
   <p:cSld>
     <p:bg>
@@ -26613,13 +30404,13 @@
   <p:clrMapOvr>
     <a:masterClrMapping/>
   </p:clrMapOvr>
-  <mc:AlternateContent xmlns:mc="http://schemas.openxmlformats.org/markup-compatibility/2006">
-    <mc:Choice xmlns:p14="http://schemas.microsoft.com/office/powerpoint/2010/main" Requires="p14">
+  <mc:AlternateContent xmlns:mc="http://schemas.openxmlformats.org/markup-compatibility/2006" xmlns:p14="http://schemas.microsoft.com/office/powerpoint/2010/main">
+    <mc:Choice Requires="p14">
       <p:transition spd="slow" p14:dur="1500">
         <p:fade/>
       </p:transition>
     </mc:Choice>
-    <mc:Fallback>
+    <mc:Fallback xmlns="">
       <p:transition spd="slow">
         <p:fade/>
       </p:transition>
@@ -26628,7 +30419,7 @@
 </p:sld>
 </file>
 
-<file path=ppt/slides/slide13.xml><?xml version="1.0" encoding="utf-8"?>
+<file path=ppt/slides/slide14.xml><?xml version="1.0" encoding="utf-8"?>
 <p:sld xmlns:a="http://schemas.openxmlformats.org/drawingml/2006/main" xmlns:r="http://schemas.openxmlformats.org/officeDocument/2006/relationships" xmlns:p="http://schemas.openxmlformats.org/presentationml/2006/main">
   <p:cSld>
     <p:bg>
@@ -26917,13 +30708,13 @@
   <p:clrMapOvr>
     <a:masterClrMapping/>
   </p:clrMapOvr>
-  <mc:AlternateContent xmlns:mc="http://schemas.openxmlformats.org/markup-compatibility/2006">
-    <mc:Choice xmlns:p14="http://schemas.microsoft.com/office/powerpoint/2010/main" Requires="p14">
+  <mc:AlternateContent xmlns:mc="http://schemas.openxmlformats.org/markup-compatibility/2006" xmlns:p14="http://schemas.microsoft.com/office/powerpoint/2010/main">
+    <mc:Choice Requires="p14">
       <p:transition spd="slow" p14:dur="1500">
         <p:fade/>
       </p:transition>
     </mc:Choice>
-    <mc:Fallback>
+    <mc:Fallback xmlns="">
       <p:transition spd="slow">
         <p:fade/>
       </p:transition>
@@ -26932,7 +30723,7 @@
 </p:sld>
 </file>
 
-<file path=ppt/slides/slide14.xml><?xml version="1.0" encoding="utf-8"?>
+<file path=ppt/slides/slide15.xml><?xml version="1.0" encoding="utf-8"?>
 <p:sld xmlns:a="http://schemas.openxmlformats.org/drawingml/2006/main" xmlns:r="http://schemas.openxmlformats.org/officeDocument/2006/relationships" xmlns:p="http://schemas.openxmlformats.org/presentationml/2006/main">
   <p:cSld>
     <p:bg>
@@ -27331,13 +31122,13 @@
   <p:clrMapOvr>
     <a:masterClrMapping/>
   </p:clrMapOvr>
-  <mc:AlternateContent xmlns:mc="http://schemas.openxmlformats.org/markup-compatibility/2006">
-    <mc:Choice xmlns:p14="http://schemas.microsoft.com/office/powerpoint/2010/main" Requires="p14">
+  <mc:AlternateContent xmlns:mc="http://schemas.openxmlformats.org/markup-compatibility/2006" xmlns:p14="http://schemas.microsoft.com/office/powerpoint/2010/main">
+    <mc:Choice Requires="p14">
       <p:transition spd="slow" p14:dur="1500">
         <p:fade/>
       </p:transition>
     </mc:Choice>
-    <mc:Fallback>
+    <mc:Fallback xmlns="">
       <p:transition spd="slow">
         <p:fade/>
       </p:transition>
@@ -27346,7 +31137,7 @@
 </p:sld>
 </file>
 
-<file path=ppt/slides/slide15.xml><?xml version="1.0" encoding="utf-8"?>
+<file path=ppt/slides/slide16.xml><?xml version="1.0" encoding="utf-8"?>
 <p:sld xmlns:a="http://schemas.openxmlformats.org/drawingml/2006/main" xmlns:r="http://schemas.openxmlformats.org/officeDocument/2006/relationships" xmlns:p="http://schemas.openxmlformats.org/presentationml/2006/main">
   <p:cSld>
     <p:bg>
@@ -28457,13 +32248,13 @@
   <p:clrMapOvr>
     <a:masterClrMapping/>
   </p:clrMapOvr>
-  <mc:AlternateContent xmlns:mc="http://schemas.openxmlformats.org/markup-compatibility/2006">
-    <mc:Choice xmlns:p14="http://schemas.microsoft.com/office/powerpoint/2010/main" Requires="p14">
+  <mc:AlternateContent xmlns:mc="http://schemas.openxmlformats.org/markup-compatibility/2006" xmlns:p14="http://schemas.microsoft.com/office/powerpoint/2010/main">
+    <mc:Choice Requires="p14">
       <p:transition spd="slow" p14:dur="1500">
         <p:fade/>
       </p:transition>
     </mc:Choice>
-    <mc:Fallback>
+    <mc:Fallback xmlns="">
       <p:transition spd="slow">
         <p:fade/>
       </p:transition>
@@ -28761,13 +32552,13 @@
   <p:clrMapOvr>
     <a:masterClrMapping/>
   </p:clrMapOvr>
-  <mc:AlternateContent xmlns:mc="http://schemas.openxmlformats.org/markup-compatibility/2006">
-    <mc:Choice xmlns:p14="http://schemas.microsoft.com/office/powerpoint/2010/main" Requires="p14">
+  <mc:AlternateContent xmlns:mc="http://schemas.openxmlformats.org/markup-compatibility/2006" xmlns:p14="http://schemas.microsoft.com/office/powerpoint/2010/main">
+    <mc:Choice Requires="p14">
       <p:transition spd="slow" p14:dur="1500">
         <p:fade/>
       </p:transition>
     </mc:Choice>
-    <mc:Fallback>
+    <mc:Fallback xmlns="">
       <p:transition spd="slow">
         <p:fade/>
       </p:transition>
@@ -28899,13 +32690,13 @@
   <p:clrMapOvr>
     <a:masterClrMapping/>
   </p:clrMapOvr>
-  <mc:AlternateContent xmlns:mc="http://schemas.openxmlformats.org/markup-compatibility/2006">
-    <mc:Choice xmlns:p14="http://schemas.microsoft.com/office/powerpoint/2010/main" Requires="p14">
+  <mc:AlternateContent xmlns:mc="http://schemas.openxmlformats.org/markup-compatibility/2006" xmlns:p14="http://schemas.microsoft.com/office/powerpoint/2010/main">
+    <mc:Choice Requires="p14">
       <p:transition spd="slow" p14:dur="1500">
         <p:fade/>
       </p:transition>
     </mc:Choice>
-    <mc:Fallback>
+    <mc:Fallback xmlns="">
       <p:transition spd="slow">
         <p:fade/>
       </p:transition>
@@ -29668,13 +33459,13 @@
   <p:clrMapOvr>
     <a:overrideClrMapping bg1="dk1" tx1="lt1" bg2="dk2" tx2="lt2" accent1="accent1" accent2="accent2" accent3="accent3" accent4="accent4" accent5="accent5" accent6="accent6" hlink="hlink" folHlink="folHlink"/>
   </p:clrMapOvr>
-  <mc:AlternateContent xmlns:mc="http://schemas.openxmlformats.org/markup-compatibility/2006">
-    <mc:Choice xmlns:p14="http://schemas.microsoft.com/office/powerpoint/2010/main" Requires="p14">
+  <mc:AlternateContent xmlns:mc="http://schemas.openxmlformats.org/markup-compatibility/2006" xmlns:p14="http://schemas.microsoft.com/office/powerpoint/2010/main">
+    <mc:Choice Requires="p14">
       <p:transition spd="slow" p14:dur="1500">
         <p:fade/>
       </p:transition>
     </mc:Choice>
-    <mc:Fallback>
+    <mc:Fallback xmlns="">
       <p:transition spd="slow">
         <p:fade/>
       </p:transition>
@@ -30082,13 +33873,13 @@
   <p:clrMapOvr>
     <a:masterClrMapping/>
   </p:clrMapOvr>
-  <mc:AlternateContent xmlns:mc="http://schemas.openxmlformats.org/markup-compatibility/2006">
-    <mc:Choice xmlns:p14="http://schemas.microsoft.com/office/powerpoint/2010/main" Requires="p14">
+  <mc:AlternateContent xmlns:mc="http://schemas.openxmlformats.org/markup-compatibility/2006" xmlns:p14="http://schemas.microsoft.com/office/powerpoint/2010/main">
+    <mc:Choice Requires="p14">
       <p:transition spd="slow" p14:dur="1500">
         <p:fade/>
       </p:transition>
     </mc:Choice>
-    <mc:Fallback>
+    <mc:Fallback xmlns="">
       <p:transition spd="slow">
         <p:fade/>
       </p:transition>
@@ -30372,13 +34163,13 @@
   <p:clrMapOvr>
     <a:masterClrMapping/>
   </p:clrMapOvr>
-  <mc:AlternateContent xmlns:mc="http://schemas.openxmlformats.org/markup-compatibility/2006">
-    <mc:Choice xmlns:p14="http://schemas.microsoft.com/office/powerpoint/2010/main" Requires="p14">
+  <mc:AlternateContent xmlns:mc="http://schemas.openxmlformats.org/markup-compatibility/2006" xmlns:p14="http://schemas.microsoft.com/office/powerpoint/2010/main">
+    <mc:Choice Requires="p14">
       <p:transition spd="slow" p14:dur="1500">
         <p:fade/>
       </p:transition>
     </mc:Choice>
-    <mc:Fallback>
+    <mc:Fallback xmlns="">
       <p:transition spd="slow">
         <p:fade/>
       </p:transition>
@@ -30853,13 +34644,13 @@
   <p:clrMapOvr>
     <a:masterClrMapping/>
   </p:clrMapOvr>
-  <mc:AlternateContent xmlns:mc="http://schemas.openxmlformats.org/markup-compatibility/2006">
-    <mc:Choice xmlns:p14="http://schemas.microsoft.com/office/powerpoint/2010/main" Requires="p14">
+  <mc:AlternateContent xmlns:mc="http://schemas.openxmlformats.org/markup-compatibility/2006" xmlns:p14="http://schemas.microsoft.com/office/powerpoint/2010/main">
+    <mc:Choice Requires="p14">
       <p:transition spd="slow" p14:dur="1500">
         <p:fade/>
       </p:transition>
     </mc:Choice>
-    <mc:Fallback>
+    <mc:Fallback xmlns="">
       <p:transition spd="slow">
         <p:fade/>
       </p:transition>
@@ -31126,13 +34917,13 @@
   <p:clrMapOvr>
     <a:overrideClrMapping bg1="dk1" tx1="lt1" bg2="dk2" tx2="lt2" accent1="accent1" accent2="accent2" accent3="accent3" accent4="accent4" accent5="accent5" accent6="accent6" hlink="hlink" folHlink="folHlink"/>
   </p:clrMapOvr>
-  <mc:AlternateContent xmlns:mc="http://schemas.openxmlformats.org/markup-compatibility/2006">
-    <mc:Choice xmlns:p14="http://schemas.microsoft.com/office/powerpoint/2010/main" Requires="p14">
+  <mc:AlternateContent xmlns:mc="http://schemas.openxmlformats.org/markup-compatibility/2006" xmlns:p14="http://schemas.microsoft.com/office/powerpoint/2010/main">
+    <mc:Choice Requires="p14">
       <p:transition spd="slow" p14:dur="1500">
         <p:fade/>
       </p:transition>
     </mc:Choice>
-    <mc:Fallback>
+    <mc:Fallback xmlns="">
       <p:transition spd="slow">
         <p:fade/>
       </p:transition>
@@ -31421,7 +35212,7 @@
             <p:ph idx="1"/>
             <p:extLst>
               <p:ext uri="{D42A27DB-BD31-4B8C-83A1-F6EECF244321}">
-                <p14:modId xmlns:p14="http://schemas.microsoft.com/office/powerpoint/2010/main" val="2081246131"/>
+                <p14:modId xmlns:p14="http://schemas.microsoft.com/office/powerpoint/2010/main" val="2612536653"/>
               </p:ext>
             </p:extLst>
           </p:nvPr>
@@ -31446,13 +35237,13 @@
   <p:clrMapOvr>
     <a:masterClrMapping/>
   </p:clrMapOvr>
-  <mc:AlternateContent xmlns:mc="http://schemas.openxmlformats.org/markup-compatibility/2006">
-    <mc:Choice xmlns:p14="http://schemas.microsoft.com/office/powerpoint/2010/main" Requires="p14">
+  <mc:AlternateContent xmlns:mc="http://schemas.openxmlformats.org/markup-compatibility/2006" xmlns:p14="http://schemas.microsoft.com/office/powerpoint/2010/main">
+    <mc:Choice Requires="p14">
       <p:transition spd="slow" p14:dur="1500">
         <p:fade/>
       </p:transition>
     </mc:Choice>
-    <mc:Fallback>
+    <mc:Fallback xmlns="">
       <p:transition spd="slow">
         <p:fade/>
       </p:transition>

--- a/Proyecto Completo (EDAI)/Suministro Médico.pptx
+++ b/Proyecto Completo (EDAI)/Suministro Médico.pptx
@@ -6,25 +6,26 @@
     <p:sldMasterId id="2147484779" r:id="rId2"/>
   </p:sldMasterIdLst>
   <p:notesMasterIdLst>
-    <p:notesMasterId r:id="rId19"/>
+    <p:notesMasterId r:id="rId20"/>
   </p:notesMasterIdLst>
   <p:sldIdLst>
     <p:sldId id="258" r:id="rId3"/>
-    <p:sldId id="265" r:id="rId4"/>
-    <p:sldId id="274" r:id="rId5"/>
-    <p:sldId id="259" r:id="rId6"/>
-    <p:sldId id="261" r:id="rId7"/>
-    <p:sldId id="260" r:id="rId8"/>
-    <p:sldId id="266" r:id="rId9"/>
-    <p:sldId id="267" r:id="rId10"/>
-    <p:sldId id="268" r:id="rId11"/>
-    <p:sldId id="275" r:id="rId12"/>
-    <p:sldId id="270" r:id="rId13"/>
-    <p:sldId id="271" r:id="rId14"/>
-    <p:sldId id="269" r:id="rId15"/>
-    <p:sldId id="262" r:id="rId16"/>
-    <p:sldId id="263" r:id="rId17"/>
-    <p:sldId id="273" r:id="rId18"/>
+    <p:sldId id="276" r:id="rId4"/>
+    <p:sldId id="265" r:id="rId5"/>
+    <p:sldId id="274" r:id="rId6"/>
+    <p:sldId id="259" r:id="rId7"/>
+    <p:sldId id="261" r:id="rId8"/>
+    <p:sldId id="260" r:id="rId9"/>
+    <p:sldId id="266" r:id="rId10"/>
+    <p:sldId id="267" r:id="rId11"/>
+    <p:sldId id="268" r:id="rId12"/>
+    <p:sldId id="275" r:id="rId13"/>
+    <p:sldId id="270" r:id="rId14"/>
+    <p:sldId id="271" r:id="rId15"/>
+    <p:sldId id="269" r:id="rId16"/>
+    <p:sldId id="262" r:id="rId17"/>
+    <p:sldId id="263" r:id="rId18"/>
+    <p:sldId id="273" r:id="rId19"/>
   </p:sldIdLst>
   <p:sldSz cx="12192000" cy="6858000"/>
   <p:notesSz cx="6858000" cy="9144000"/>
@@ -8816,7 +8817,7 @@
         <a:p>
           <a:r>
             <a:rPr lang="es-419" sz="2200" dirty="0"/>
-            <a:t>Permite una contabilidad más práctica en el negocio, al permitir la visualización un registro (cifras) de ganancias y pérdidas, pero también activos y pasivos a lo largo del tiempo, el cual queda almacenado. </a:t>
+            <a:t>Permite una contabilidad más práctica en el negocio, al permitir la visualización un registro de ganancias y pérdidas, pero también activos y pasivos a lo largo del tiempo, el cual queda almacenado. </a:t>
           </a:r>
           <a:endParaRPr lang="en-US" sz="2200" dirty="0"/>
         </a:p>
@@ -12980,7 +12981,7 @@
           </a:pPr>
           <a:r>
             <a:rPr lang="es-419" sz="2200" kern="1200" dirty="0"/>
-            <a:t>Permite una contabilidad más práctica en el negocio, al permitir la visualización un registro (cifras) de ganancias y pérdidas, pero también activos y pasivos a lo largo del tiempo, el cual queda almacenado. </a:t>
+            <a:t>Permite una contabilidad más práctica en el negocio, al permitir la visualización un registro de ganancias y pérdidas, pero también activos y pasivos a lo largo del tiempo, el cual queda almacenado. </a:t>
           </a:r>
           <a:endParaRPr lang="en-US" sz="2200" kern="1200" dirty="0"/>
         </a:p>
@@ -29475,6 +29476,326 @@
           <a:chExt cx="0" cy="0"/>
         </a:xfrm>
       </p:grpSpPr>
+      <p:sp useBgFill="1">
+        <p:nvSpPr>
+          <p:cNvPr id="36" name="Rectangle 17">
+            <a:extLst>
+              <a:ext uri="{FF2B5EF4-FFF2-40B4-BE49-F238E27FC236}">
+                <a16:creationId xmlns:a16="http://schemas.microsoft.com/office/drawing/2014/main" id="{EF2B985F-E839-44D5-9DD8-BC9DEE343862}"/>
+              </a:ext>
+              <a:ext uri="{C183D7F6-B498-43B3-948B-1728B52AA6E4}">
+                <adec:decorative xmlns:adec="http://schemas.microsoft.com/office/drawing/2017/decorative" val="1"/>
+              </a:ext>
+            </a:extLst>
+          </p:cNvPr>
+          <p:cNvSpPr>
+            <a:spLocks noGrp="1" noRot="1" noChangeAspect="1" noMove="1" noResize="1" noEditPoints="1" noAdjustHandles="1" noChangeArrowheads="1" noChangeShapeType="1" noTextEdit="1"/>
+          </p:cNvSpPr>
+          <p:nvPr>
+            <p:extLst>
+              <p:ext uri="{386F3935-93C4-4BCD-93E2-E3B085C9AB24}">
+                <p16:designElem xmlns:p16="http://schemas.microsoft.com/office/powerpoint/2015/main" val="1"/>
+              </p:ext>
+            </p:extLst>
+          </p:nvPr>
+        </p:nvSpPr>
+        <p:spPr>
+          <a:xfrm>
+            <a:off x="2" y="0"/>
+            <a:ext cx="12191695" cy="6858000"/>
+          </a:xfrm>
+          <a:prstGeom prst="rect">
+            <a:avLst/>
+          </a:prstGeom>
+          <a:ln>
+            <a:noFill/>
+          </a:ln>
+        </p:spPr>
+        <p:style>
+          <a:lnRef idx="2">
+            <a:schemeClr val="accent1">
+              <a:shade val="50000"/>
+            </a:schemeClr>
+          </a:lnRef>
+          <a:fillRef idx="1">
+            <a:schemeClr val="accent1"/>
+          </a:fillRef>
+          <a:effectRef idx="0">
+            <a:schemeClr val="accent1"/>
+          </a:effectRef>
+          <a:fontRef idx="minor">
+            <a:schemeClr val="lt1"/>
+          </a:fontRef>
+        </p:style>
+        <p:txBody>
+          <a:bodyPr rtlCol="0" anchor="ctr"/>
+          <a:lstStyle/>
+          <a:p>
+            <a:pPr algn="ctr"/>
+            <a:endParaRPr lang="en-US"/>
+          </a:p>
+        </p:txBody>
+      </p:sp>
+      <p:sp>
+        <p:nvSpPr>
+          <p:cNvPr id="12" name="Título 11">
+            <a:extLst>
+              <a:ext uri="{FF2B5EF4-FFF2-40B4-BE49-F238E27FC236}">
+                <a16:creationId xmlns:a16="http://schemas.microsoft.com/office/drawing/2014/main" id="{4C668C8D-BC66-4F6D-8DD6-D416FE09823D}"/>
+              </a:ext>
+            </a:extLst>
+          </p:cNvPr>
+          <p:cNvSpPr>
+            <a:spLocks noGrp="1"/>
+          </p:cNvSpPr>
+          <p:nvPr>
+            <p:ph type="title"/>
+          </p:nvPr>
+        </p:nvSpPr>
+        <p:spPr>
+          <a:xfrm>
+            <a:off x="1130270" y="953324"/>
+            <a:ext cx="9603275" cy="1049235"/>
+          </a:xfrm>
+        </p:spPr>
+        <p:txBody>
+          <a:bodyPr>
+            <a:normAutofit/>
+          </a:bodyPr>
+          <a:lstStyle/>
+          <a:p>
+            <a:pPr algn="ctr"/>
+            <a:r>
+              <a:rPr lang="es-MX" sz="5400" b="1" dirty="0">
+                <a:solidFill>
+                  <a:schemeClr val="accent1"/>
+                </a:solidFill>
+              </a:rPr>
+              <a:t>COMPRA Y VENTA</a:t>
+            </a:r>
+          </a:p>
+        </p:txBody>
+      </p:sp>
+      <p:cxnSp>
+        <p:nvCxnSpPr>
+          <p:cNvPr id="37" name="Straight Connector 19">
+            <a:extLst>
+              <a:ext uri="{FF2B5EF4-FFF2-40B4-BE49-F238E27FC236}">
+                <a16:creationId xmlns:a16="http://schemas.microsoft.com/office/drawing/2014/main" id="{52D73AC3-7DF7-43FB-9D67-3CE387E94067}"/>
+              </a:ext>
+              <a:ext uri="{C183D7F6-B498-43B3-948B-1728B52AA6E4}">
+                <adec:decorative xmlns:adec="http://schemas.microsoft.com/office/drawing/2017/decorative" val="1"/>
+              </a:ext>
+            </a:extLst>
+          </p:cNvPr>
+          <p:cNvCxnSpPr>
+            <a:cxnSpLocks noGrp="1" noRot="1" noChangeAspect="1" noMove="1" noResize="1" noEditPoints="1" noAdjustHandles="1" noChangeArrowheads="1" noChangeShapeType="1"/>
+          </p:cNvCxnSpPr>
+          <p:nvPr>
+            <p:extLst>
+              <p:ext uri="{386F3935-93C4-4BCD-93E2-E3B085C9AB24}">
+                <p16:designElem xmlns:p16="http://schemas.microsoft.com/office/powerpoint/2015/main" val="1"/>
+              </p:ext>
+            </p:extLst>
+          </p:nvPr>
+        </p:nvCxnSpPr>
+        <p:spPr>
+          <a:xfrm>
+            <a:off x="1130874" y="1996645"/>
+            <a:ext cx="9603274" cy="0"/>
+          </a:xfrm>
+          <a:prstGeom prst="line">
+            <a:avLst/>
+          </a:prstGeom>
+          <a:ln w="31750"/>
+        </p:spPr>
+        <p:style>
+          <a:lnRef idx="3">
+            <a:schemeClr val="accent1"/>
+          </a:lnRef>
+          <a:fillRef idx="0">
+            <a:schemeClr val="accent1"/>
+          </a:fillRef>
+          <a:effectRef idx="2">
+            <a:schemeClr val="accent1"/>
+          </a:effectRef>
+          <a:fontRef idx="minor">
+            <a:schemeClr val="tx1"/>
+          </a:fontRef>
+        </p:style>
+      </p:cxnSp>
+      <p:sp>
+        <p:nvSpPr>
+          <p:cNvPr id="38" name="Rectangle 21">
+            <a:extLst>
+              <a:ext uri="{FF2B5EF4-FFF2-40B4-BE49-F238E27FC236}">
+                <a16:creationId xmlns:a16="http://schemas.microsoft.com/office/drawing/2014/main" id="{B965CCFE-3123-4C5E-BA80-B081F41E6662}"/>
+              </a:ext>
+              <a:ext uri="{C183D7F6-B498-43B3-948B-1728B52AA6E4}">
+                <adec:decorative xmlns:adec="http://schemas.microsoft.com/office/drawing/2017/decorative" val="1"/>
+              </a:ext>
+            </a:extLst>
+          </p:cNvPr>
+          <p:cNvSpPr>
+            <a:spLocks noGrp="1" noRot="1" noChangeAspect="1" noMove="1" noResize="1" noEditPoints="1" noAdjustHandles="1" noChangeArrowheads="1" noChangeShapeType="1" noTextEdit="1"/>
+          </p:cNvSpPr>
+          <p:nvPr>
+            <p:extLst>
+              <p:ext uri="{386F3935-93C4-4BCD-93E2-E3B085C9AB24}">
+                <p16:designElem xmlns:p16="http://schemas.microsoft.com/office/powerpoint/2015/main" val="1"/>
+              </p:ext>
+            </p:extLst>
+          </p:nvPr>
+        </p:nvSpPr>
+        <p:spPr>
+          <a:xfrm>
+            <a:off x="0" y="2019476"/>
+            <a:ext cx="12192000" cy="4838524"/>
+          </a:xfrm>
+          <a:prstGeom prst="rect">
+            <a:avLst/>
+          </a:prstGeom>
+          <a:gradFill flip="none" rotWithShape="1">
+            <a:gsLst>
+              <a:gs pos="0">
+                <a:schemeClr val="bg2">
+                  <a:alpha val="0"/>
+                </a:schemeClr>
+              </a:gs>
+              <a:gs pos="100000">
+                <a:schemeClr val="bg2"/>
+              </a:gs>
+            </a:gsLst>
+            <a:lin ang="5400000" scaled="0"/>
+            <a:tileRect/>
+          </a:gradFill>
+          <a:ln>
+            <a:noFill/>
+          </a:ln>
+        </p:spPr>
+        <p:style>
+          <a:lnRef idx="2">
+            <a:schemeClr val="accent1">
+              <a:shade val="50000"/>
+            </a:schemeClr>
+          </a:lnRef>
+          <a:fillRef idx="1">
+            <a:schemeClr val="accent1"/>
+          </a:fillRef>
+          <a:effectRef idx="0">
+            <a:schemeClr val="accent1"/>
+          </a:effectRef>
+          <a:fontRef idx="minor">
+            <a:schemeClr val="lt1"/>
+          </a:fontRef>
+        </p:style>
+        <p:txBody>
+          <a:bodyPr rtlCol="0" anchor="ctr"/>
+          <a:lstStyle/>
+          <a:p>
+            <a:pPr lvl="0" algn="ctr"/>
+            <a:endParaRPr lang="en-US"/>
+          </a:p>
+        </p:txBody>
+      </p:sp>
+      <p:graphicFrame>
+        <p:nvGraphicFramePr>
+          <p:cNvPr id="39" name="Marcador de contenido 8">
+            <a:extLst>
+              <a:ext uri="{FF2B5EF4-FFF2-40B4-BE49-F238E27FC236}">
+                <a16:creationId xmlns:a16="http://schemas.microsoft.com/office/drawing/2014/main" id="{848D1249-5876-42FF-8E33-1883A0441394}"/>
+              </a:ext>
+            </a:extLst>
+          </p:cNvPr>
+          <p:cNvGraphicFramePr>
+            <a:graphicFrameLocks noGrp="1"/>
+          </p:cNvGraphicFramePr>
+          <p:nvPr>
+            <p:ph idx="1"/>
+            <p:extLst>
+              <p:ext uri="{D42A27DB-BD31-4B8C-83A1-F6EECF244321}">
+                <p14:modId xmlns:p14="http://schemas.microsoft.com/office/powerpoint/2010/main" val="2612536653"/>
+              </p:ext>
+            </p:extLst>
+          </p:nvPr>
+        </p:nvGraphicFramePr>
+        <p:xfrm>
+          <a:off x="1130270" y="2502076"/>
+          <a:ext cx="9604375" cy="3695540"/>
+        </p:xfrm>
+        <a:graphic>
+          <a:graphicData uri="http://schemas.openxmlformats.org/drawingml/2006/diagram">
+            <dgm:relIds xmlns:dgm="http://schemas.openxmlformats.org/drawingml/2006/diagram" xmlns:r="http://schemas.openxmlformats.org/officeDocument/2006/relationships" r:dm="rId2" r:lo="rId3" r:qs="rId4" r:cs="rId5"/>
+          </a:graphicData>
+        </a:graphic>
+      </p:graphicFrame>
+    </p:spTree>
+    <p:extLst>
+      <p:ext uri="{BB962C8B-B14F-4D97-AF65-F5344CB8AC3E}">
+        <p14:creationId xmlns:p14="http://schemas.microsoft.com/office/powerpoint/2010/main" val="3424004563"/>
+      </p:ext>
+    </p:extLst>
+  </p:cSld>
+  <p:clrMapOvr>
+    <a:masterClrMapping/>
+  </p:clrMapOvr>
+  <mc:AlternateContent xmlns:mc="http://schemas.openxmlformats.org/markup-compatibility/2006" xmlns:p14="http://schemas.microsoft.com/office/powerpoint/2010/main">
+    <mc:Choice Requires="p14">
+      <p:transition spd="slow" p14:dur="1500">
+        <p:fade/>
+      </p:transition>
+    </mc:Choice>
+    <mc:Fallback xmlns="">
+      <p:transition spd="slow">
+        <p:fade/>
+      </p:transition>
+    </mc:Fallback>
+  </mc:AlternateContent>
+</p:sld>
+</file>
+
+<file path=ppt/slides/slide11.xml><?xml version="1.0" encoding="utf-8"?>
+<p:sld xmlns:a="http://schemas.openxmlformats.org/drawingml/2006/main" xmlns:r="http://schemas.openxmlformats.org/officeDocument/2006/relationships" xmlns:p="http://schemas.openxmlformats.org/presentationml/2006/main">
+  <p:cSld>
+    <p:bg>
+      <p:bgPr>
+        <a:gradFill rotWithShape="1">
+          <a:gsLst>
+            <a:gs pos="0">
+              <a:schemeClr val="bg1">
+                <a:tint val="94000"/>
+                <a:satMod val="80000"/>
+                <a:lumMod val="106000"/>
+              </a:schemeClr>
+            </a:gs>
+            <a:gs pos="100000">
+              <a:schemeClr val="bg1">
+                <a:shade val="80000"/>
+                <a:lumMod val="108000"/>
+              </a:schemeClr>
+            </a:gs>
+          </a:gsLst>
+          <a:path path="circle">
+            <a:fillToRect l="43000" r="43000" b="100000"/>
+          </a:path>
+        </a:gradFill>
+        <a:effectLst/>
+      </p:bgPr>
+    </p:bg>
+    <p:spTree>
+      <p:nvGrpSpPr>
+        <p:cNvPr id="1" name=""/>
+        <p:cNvGrpSpPr/>
+        <p:nvPr/>
+      </p:nvGrpSpPr>
+      <p:grpSpPr>
+        <a:xfrm>
+          <a:off x="0" y="0"/>
+          <a:ext cx="0" cy="0"/>
+          <a:chOff x="0" y="0"/>
+          <a:chExt cx="0" cy="0"/>
+        </a:xfrm>
+      </p:grpSpPr>
       <p:sp>
         <p:nvSpPr>
           <p:cNvPr id="2" name="Título 1">
@@ -29597,7 +29918,7 @@
 </p:sld>
 </file>
 
-<file path=ppt/slides/slide11.xml><?xml version="1.0" encoding="utf-8"?>
+<file path=ppt/slides/slide12.xml><?xml version="1.0" encoding="utf-8"?>
 <p:sld xmlns:a="http://schemas.openxmlformats.org/drawingml/2006/main" xmlns:r="http://schemas.openxmlformats.org/officeDocument/2006/relationships" xmlns:p="http://schemas.openxmlformats.org/presentationml/2006/main">
   <p:cSld>
     <p:bg>
@@ -29920,7 +30241,7 @@
 </p:sld>
 </file>
 
-<file path=ppt/slides/slide12.xml><?xml version="1.0" encoding="utf-8"?>
+<file path=ppt/slides/slide13.xml><?xml version="1.0" encoding="utf-8"?>
 <p:sld xmlns:a="http://schemas.openxmlformats.org/drawingml/2006/main" xmlns:r="http://schemas.openxmlformats.org/officeDocument/2006/relationships" xmlns:p="http://schemas.openxmlformats.org/presentationml/2006/main">
   <p:cSld>
     <p:bg>
@@ -30094,7 +30415,7 @@
 </p:sld>
 </file>
 
-<file path=ppt/slides/slide13.xml><?xml version="1.0" encoding="utf-8"?>
+<file path=ppt/slides/slide14.xml><?xml version="1.0" encoding="utf-8"?>
 <p:sld xmlns:a="http://schemas.openxmlformats.org/drawingml/2006/main" xmlns:r="http://schemas.openxmlformats.org/officeDocument/2006/relationships" xmlns:p="http://schemas.openxmlformats.org/presentationml/2006/main">
   <p:cSld>
     <p:bg>
@@ -30419,7 +30740,7 @@
 </p:sld>
 </file>
 
-<file path=ppt/slides/slide14.xml><?xml version="1.0" encoding="utf-8"?>
+<file path=ppt/slides/slide15.xml><?xml version="1.0" encoding="utf-8"?>
 <p:sld xmlns:a="http://schemas.openxmlformats.org/drawingml/2006/main" xmlns:r="http://schemas.openxmlformats.org/officeDocument/2006/relationships" xmlns:p="http://schemas.openxmlformats.org/presentationml/2006/main">
   <p:cSld>
     <p:bg>
@@ -30723,7 +31044,7 @@
 </p:sld>
 </file>
 
-<file path=ppt/slides/slide15.xml><?xml version="1.0" encoding="utf-8"?>
+<file path=ppt/slides/slide16.xml><?xml version="1.0" encoding="utf-8"?>
 <p:sld xmlns:a="http://schemas.openxmlformats.org/drawingml/2006/main" xmlns:r="http://schemas.openxmlformats.org/officeDocument/2006/relationships" xmlns:p="http://schemas.openxmlformats.org/presentationml/2006/main">
   <p:cSld>
     <p:bg>
@@ -31097,7 +31418,7 @@
             <p:ph idx="1"/>
             <p:extLst>
               <p:ext uri="{D42A27DB-BD31-4B8C-83A1-F6EECF244321}">
-                <p14:modId xmlns:p14="http://schemas.microsoft.com/office/powerpoint/2010/main" val="575748250"/>
+                <p14:modId xmlns:p14="http://schemas.microsoft.com/office/powerpoint/2010/main" val="3592172906"/>
               </p:ext>
             </p:extLst>
           </p:nvPr>
@@ -31137,7 +31458,7 @@
 </p:sld>
 </file>
 
-<file path=ppt/slides/slide16.xml><?xml version="1.0" encoding="utf-8"?>
+<file path=ppt/slides/slide17.xml><?xml version="1.0" encoding="utf-8"?>
 <p:sld xmlns:a="http://schemas.openxmlformats.org/drawingml/2006/main" xmlns:r="http://schemas.openxmlformats.org/officeDocument/2006/relationships" xmlns:p="http://schemas.openxmlformats.org/presentationml/2006/main">
   <p:cSld>
     <p:bg>
@@ -32042,18 +32363,13 @@
           <a:p>
             <a:pPr algn="l"/>
             <a:r>
-              <a:rPr lang="es-MX">
+              <a:rPr lang="es-MX" dirty="0">
                 <a:solidFill>
                   <a:srgbClr val="FFFFFF"/>
                 </a:solidFill>
               </a:rPr>
               <a:t>ESPERO SEA DE SU AGRADO</a:t>
             </a:r>
-            <a:endParaRPr lang="es-MX" dirty="0">
-              <a:solidFill>
-                <a:srgbClr val="FFFFFF"/>
-              </a:solidFill>
-            </a:endParaRPr>
           </a:p>
         </p:txBody>
       </p:sp>
@@ -32264,6 +32580,1534 @@
 </file>
 
 <file path=ppt/slides/slide2.xml><?xml version="1.0" encoding="utf-8"?>
+<p:sld xmlns:a="http://schemas.openxmlformats.org/drawingml/2006/main" xmlns:r="http://schemas.openxmlformats.org/officeDocument/2006/relationships" xmlns:p="http://schemas.openxmlformats.org/presentationml/2006/main">
+  <p:cSld>
+    <p:bg>
+      <p:bgPr>
+        <a:solidFill>
+          <a:schemeClr val="bg1"/>
+        </a:solidFill>
+        <a:effectLst/>
+      </p:bgPr>
+    </p:bg>
+    <p:spTree>
+      <p:nvGrpSpPr>
+        <p:cNvPr id="1" name=""/>
+        <p:cNvGrpSpPr/>
+        <p:nvPr/>
+      </p:nvGrpSpPr>
+      <p:grpSpPr>
+        <a:xfrm>
+          <a:off x="0" y="0"/>
+          <a:ext cx="0" cy="0"/>
+          <a:chOff x="0" y="0"/>
+          <a:chExt cx="0" cy="0"/>
+        </a:xfrm>
+      </p:grpSpPr>
+      <p:sp useBgFill="1">
+        <p:nvSpPr>
+          <p:cNvPr id="43" name="Rectangle 35">
+            <a:extLst>
+              <a:ext uri="{FF2B5EF4-FFF2-40B4-BE49-F238E27FC236}">
+                <a16:creationId xmlns:a16="http://schemas.microsoft.com/office/drawing/2014/main" id="{2B577FF9-3543-4875-815D-3D87BD8A2002}"/>
+              </a:ext>
+              <a:ext uri="{C183D7F6-B498-43B3-948B-1728B52AA6E4}">
+                <adec:decorative xmlns:adec="http://schemas.microsoft.com/office/drawing/2017/decorative" val="1"/>
+              </a:ext>
+            </a:extLst>
+          </p:cNvPr>
+          <p:cNvSpPr>
+            <a:spLocks noGrp="1" noRot="1" noChangeAspect="1" noMove="1" noResize="1" noEditPoints="1" noAdjustHandles="1" noChangeArrowheads="1" noChangeShapeType="1" noTextEdit="1"/>
+          </p:cNvSpPr>
+          <p:nvPr>
+            <p:extLst>
+              <p:ext uri="{386F3935-93C4-4BCD-93E2-E3B085C9AB24}">
+                <p16:designElem xmlns:p16="http://schemas.microsoft.com/office/powerpoint/2015/main" val="1"/>
+              </p:ext>
+            </p:extLst>
+          </p:nvPr>
+        </p:nvSpPr>
+        <p:spPr bwMode="white">
+          <a:xfrm>
+            <a:off x="0" y="0"/>
+            <a:ext cx="12192000" cy="6858000"/>
+          </a:xfrm>
+          <a:prstGeom prst="rect">
+            <a:avLst/>
+          </a:prstGeom>
+          <a:ln>
+            <a:noFill/>
+          </a:ln>
+        </p:spPr>
+        <p:style>
+          <a:lnRef idx="2">
+            <a:schemeClr val="accent1">
+              <a:shade val="50000"/>
+            </a:schemeClr>
+          </a:lnRef>
+          <a:fillRef idx="1">
+            <a:schemeClr val="accent1"/>
+          </a:fillRef>
+          <a:effectRef idx="0">
+            <a:schemeClr val="accent1"/>
+          </a:effectRef>
+          <a:fontRef idx="minor">
+            <a:schemeClr val="lt1"/>
+          </a:fontRef>
+        </p:style>
+        <p:txBody>
+          <a:bodyPr rtlCol="0" anchor="ctr"/>
+          <a:lstStyle>
+            <a:defPPr>
+              <a:defRPr lang="en-US"/>
+            </a:defPPr>
+            <a:lvl1pPr marL="0" algn="l" defTabSz="914400" rtl="0" eaLnBrk="1" latinLnBrk="0" hangingPunct="1">
+              <a:defRPr sz="1800" kern="1200">
+                <a:solidFill>
+                  <a:schemeClr val="lt1"/>
+                </a:solidFill>
+                <a:latin typeface="+mn-lt"/>
+                <a:ea typeface="+mn-ea"/>
+                <a:cs typeface="+mn-cs"/>
+              </a:defRPr>
+            </a:lvl1pPr>
+            <a:lvl2pPr marL="457200" algn="l" defTabSz="914400" rtl="0" eaLnBrk="1" latinLnBrk="0" hangingPunct="1">
+              <a:defRPr sz="1800" kern="1200">
+                <a:solidFill>
+                  <a:schemeClr val="lt1"/>
+                </a:solidFill>
+                <a:latin typeface="+mn-lt"/>
+                <a:ea typeface="+mn-ea"/>
+                <a:cs typeface="+mn-cs"/>
+              </a:defRPr>
+            </a:lvl2pPr>
+            <a:lvl3pPr marL="914400" algn="l" defTabSz="914400" rtl="0" eaLnBrk="1" latinLnBrk="0" hangingPunct="1">
+              <a:defRPr sz="1800" kern="1200">
+                <a:solidFill>
+                  <a:schemeClr val="lt1"/>
+                </a:solidFill>
+                <a:latin typeface="+mn-lt"/>
+                <a:ea typeface="+mn-ea"/>
+                <a:cs typeface="+mn-cs"/>
+              </a:defRPr>
+            </a:lvl3pPr>
+            <a:lvl4pPr marL="1371600" algn="l" defTabSz="914400" rtl="0" eaLnBrk="1" latinLnBrk="0" hangingPunct="1">
+              <a:defRPr sz="1800" kern="1200">
+                <a:solidFill>
+                  <a:schemeClr val="lt1"/>
+                </a:solidFill>
+                <a:latin typeface="+mn-lt"/>
+                <a:ea typeface="+mn-ea"/>
+                <a:cs typeface="+mn-cs"/>
+              </a:defRPr>
+            </a:lvl4pPr>
+            <a:lvl5pPr marL="1828800" algn="l" defTabSz="914400" rtl="0" eaLnBrk="1" latinLnBrk="0" hangingPunct="1">
+              <a:defRPr sz="1800" kern="1200">
+                <a:solidFill>
+                  <a:schemeClr val="lt1"/>
+                </a:solidFill>
+                <a:latin typeface="+mn-lt"/>
+                <a:ea typeface="+mn-ea"/>
+                <a:cs typeface="+mn-cs"/>
+              </a:defRPr>
+            </a:lvl5pPr>
+            <a:lvl6pPr marL="2286000" algn="l" defTabSz="914400" rtl="0" eaLnBrk="1" latinLnBrk="0" hangingPunct="1">
+              <a:defRPr sz="1800" kern="1200">
+                <a:solidFill>
+                  <a:schemeClr val="lt1"/>
+                </a:solidFill>
+                <a:latin typeface="+mn-lt"/>
+                <a:ea typeface="+mn-ea"/>
+                <a:cs typeface="+mn-cs"/>
+              </a:defRPr>
+            </a:lvl6pPr>
+            <a:lvl7pPr marL="2743200" algn="l" defTabSz="914400" rtl="0" eaLnBrk="1" latinLnBrk="0" hangingPunct="1">
+              <a:defRPr sz="1800" kern="1200">
+                <a:solidFill>
+                  <a:schemeClr val="lt1"/>
+                </a:solidFill>
+                <a:latin typeface="+mn-lt"/>
+                <a:ea typeface="+mn-ea"/>
+                <a:cs typeface="+mn-cs"/>
+              </a:defRPr>
+            </a:lvl7pPr>
+            <a:lvl8pPr marL="3200400" algn="l" defTabSz="914400" rtl="0" eaLnBrk="1" latinLnBrk="0" hangingPunct="1">
+              <a:defRPr sz="1800" kern="1200">
+                <a:solidFill>
+                  <a:schemeClr val="lt1"/>
+                </a:solidFill>
+                <a:latin typeface="+mn-lt"/>
+                <a:ea typeface="+mn-ea"/>
+                <a:cs typeface="+mn-cs"/>
+              </a:defRPr>
+            </a:lvl8pPr>
+            <a:lvl9pPr marL="3657600" algn="l" defTabSz="914400" rtl="0" eaLnBrk="1" latinLnBrk="0" hangingPunct="1">
+              <a:defRPr sz="1800" kern="1200">
+                <a:solidFill>
+                  <a:schemeClr val="lt1"/>
+                </a:solidFill>
+                <a:latin typeface="+mn-lt"/>
+                <a:ea typeface="+mn-ea"/>
+                <a:cs typeface="+mn-cs"/>
+              </a:defRPr>
+            </a:lvl9pPr>
+          </a:lstStyle>
+          <a:p>
+            <a:pPr marL="0" marR="0" lvl="0" indent="0" algn="ctr" defTabSz="914400" rtl="0" eaLnBrk="1" fontAlgn="auto" latinLnBrk="0" hangingPunct="1">
+              <a:lnSpc>
+                <a:spcPct val="100000"/>
+              </a:lnSpc>
+              <a:spcBef>
+                <a:spcPts val="0"/>
+              </a:spcBef>
+              <a:spcAft>
+                <a:spcPts val="0"/>
+              </a:spcAft>
+              <a:buClrTx/>
+              <a:buSzTx/>
+              <a:buFontTx/>
+              <a:buNone/>
+              <a:tabLst/>
+              <a:defRPr/>
+            </a:pPr>
+            <a:endParaRPr kumimoji="0" lang="en-US" sz="1800" b="0" i="0" u="none" strike="noStrike" kern="1200" cap="none" spc="0" normalizeH="0" baseline="0" noProof="0">
+              <a:ln>
+                <a:noFill/>
+              </a:ln>
+              <a:solidFill>
+                <a:prstClr val="white"/>
+              </a:solidFill>
+              <a:effectLst/>
+              <a:uLnTx/>
+              <a:uFillTx/>
+              <a:latin typeface="Calibri" panose="020F0502020204030204"/>
+              <a:ea typeface="+mn-ea"/>
+              <a:cs typeface="+mn-cs"/>
+            </a:endParaRPr>
+          </a:p>
+        </p:txBody>
+      </p:sp>
+      <p:sp>
+        <p:nvSpPr>
+          <p:cNvPr id="2" name="Título 1">
+            <a:extLst>
+              <a:ext uri="{FF2B5EF4-FFF2-40B4-BE49-F238E27FC236}">
+                <a16:creationId xmlns:a16="http://schemas.microsoft.com/office/drawing/2014/main" id="{F86AA29B-F7CA-4EB7-9D27-044E5B1F8114}"/>
+              </a:ext>
+            </a:extLst>
+          </p:cNvPr>
+          <p:cNvSpPr>
+            <a:spLocks noGrp="1"/>
+          </p:cNvSpPr>
+          <p:nvPr>
+            <p:ph type="ctrTitle"/>
+          </p:nvPr>
+        </p:nvSpPr>
+        <p:spPr>
+          <a:xfrm>
+            <a:off x="963627" y="4950332"/>
+            <a:ext cx="5221185" cy="772357"/>
+          </a:xfrm>
+        </p:spPr>
+        <p:txBody>
+          <a:bodyPr anchor="b">
+            <a:normAutofit/>
+          </a:bodyPr>
+          <a:lstStyle/>
+          <a:p>
+            <a:r>
+              <a:rPr lang="es-MX" sz="2800" b="1" dirty="0">
+                <a:solidFill>
+                  <a:schemeClr val="accent6"/>
+                </a:solidFill>
+              </a:rPr>
+              <a:t>BUSCAMOS INNOVAR</a:t>
+            </a:r>
+          </a:p>
+        </p:txBody>
+      </p:sp>
+      <p:sp>
+        <p:nvSpPr>
+          <p:cNvPr id="6" name="Subtítulo 5">
+            <a:extLst>
+              <a:ext uri="{FF2B5EF4-FFF2-40B4-BE49-F238E27FC236}">
+                <a16:creationId xmlns:a16="http://schemas.microsoft.com/office/drawing/2014/main" id="{F6303111-96CE-4DE4-B820-124464C4127F}"/>
+              </a:ext>
+            </a:extLst>
+          </p:cNvPr>
+          <p:cNvSpPr>
+            <a:spLocks noGrp="1"/>
+          </p:cNvSpPr>
+          <p:nvPr>
+            <p:ph type="subTitle" idx="1"/>
+          </p:nvPr>
+        </p:nvSpPr>
+        <p:spPr>
+          <a:xfrm>
+            <a:off x="963627" y="1484827"/>
+            <a:ext cx="5221185" cy="3276131"/>
+          </a:xfrm>
+        </p:spPr>
+        <p:txBody>
+          <a:bodyPr anchor="t">
+            <a:normAutofit/>
+          </a:bodyPr>
+          <a:lstStyle/>
+          <a:p>
+            <a:r>
+              <a:rPr lang="es-MX" sz="5400" b="1" dirty="0">
+                <a:solidFill>
+                  <a:schemeClr val="accent1"/>
+                </a:solidFill>
+              </a:rPr>
+              <a:t>Maneja tu negocio de manera digital y segura</a:t>
+            </a:r>
+          </a:p>
+        </p:txBody>
+      </p:sp>
+      <p:sp>
+        <p:nvSpPr>
+          <p:cNvPr id="45" name="Freeform: Shape 37">
+            <a:extLst>
+              <a:ext uri="{FF2B5EF4-FFF2-40B4-BE49-F238E27FC236}">
+                <a16:creationId xmlns:a16="http://schemas.microsoft.com/office/drawing/2014/main" id="{F5569EEC-E12F-4856-B407-02B2813A4AA5}"/>
+              </a:ext>
+              <a:ext uri="{C183D7F6-B498-43B3-948B-1728B52AA6E4}">
+                <adec:decorative xmlns:adec="http://schemas.microsoft.com/office/drawing/2017/decorative" val="1"/>
+              </a:ext>
+            </a:extLst>
+          </p:cNvPr>
+          <p:cNvSpPr>
+            <a:spLocks noGrp="1" noRot="1" noChangeAspect="1" noMove="1" noResize="1" noEditPoints="1" noAdjustHandles="1" noChangeArrowheads="1" noChangeShapeType="1" noTextEdit="1"/>
+          </p:cNvSpPr>
+          <p:nvPr>
+            <p:extLst>
+              <p:ext uri="{386F3935-93C4-4BCD-93E2-E3B085C9AB24}">
+                <p16:designElem xmlns:p16="http://schemas.microsoft.com/office/powerpoint/2015/main" val="1"/>
+              </p:ext>
+            </p:extLst>
+          </p:nvPr>
+        </p:nvSpPr>
+        <p:spPr>
+          <a:xfrm>
+            <a:off x="6604059" y="0"/>
+            <a:ext cx="1737401" cy="959536"/>
+          </a:xfrm>
+          <a:custGeom>
+            <a:avLst/>
+            <a:gdLst>
+              <a:gd name="connsiteX0" fmla="*/ 0 w 1737401"/>
+              <a:gd name="connsiteY0" fmla="*/ 0 h 959536"/>
+              <a:gd name="connsiteX1" fmla="*/ 123825 w 1737401"/>
+              <a:gd name="connsiteY1" fmla="*/ 0 h 959536"/>
+              <a:gd name="connsiteX2" fmla="*/ 123825 w 1737401"/>
+              <a:gd name="connsiteY2" fmla="*/ 790277 h 959536"/>
+              <a:gd name="connsiteX3" fmla="*/ 1490095 w 1737401"/>
+              <a:gd name="connsiteY3" fmla="*/ 0 h 959536"/>
+              <a:gd name="connsiteX4" fmla="*/ 1737401 w 1737401"/>
+              <a:gd name="connsiteY4" fmla="*/ 0 h 959536"/>
+              <a:gd name="connsiteX5" fmla="*/ 92869 w 1737401"/>
+              <a:gd name="connsiteY5" fmla="*/ 951249 h 959536"/>
+              <a:gd name="connsiteX6" fmla="*/ 61913 w 1737401"/>
+              <a:gd name="connsiteY6" fmla="*/ 959536 h 959536"/>
+              <a:gd name="connsiteX7" fmla="*/ 0 w 1737401"/>
+              <a:gd name="connsiteY7" fmla="*/ 897624 h 959536"/>
+            </a:gdLst>
+            <a:ahLst/>
+            <a:cxnLst>
+              <a:cxn ang="0">
+                <a:pos x="connsiteX0" y="connsiteY0"/>
+              </a:cxn>
+              <a:cxn ang="0">
+                <a:pos x="connsiteX1" y="connsiteY1"/>
+              </a:cxn>
+              <a:cxn ang="0">
+                <a:pos x="connsiteX2" y="connsiteY2"/>
+              </a:cxn>
+              <a:cxn ang="0">
+                <a:pos x="connsiteX3" y="connsiteY3"/>
+              </a:cxn>
+              <a:cxn ang="0">
+                <a:pos x="connsiteX4" y="connsiteY4"/>
+              </a:cxn>
+              <a:cxn ang="0">
+                <a:pos x="connsiteX5" y="connsiteY5"/>
+              </a:cxn>
+              <a:cxn ang="0">
+                <a:pos x="connsiteX6" y="connsiteY6"/>
+              </a:cxn>
+              <a:cxn ang="0">
+                <a:pos x="connsiteX7" y="connsiteY7"/>
+              </a:cxn>
+            </a:cxnLst>
+            <a:rect l="l" t="t" r="r" b="b"/>
+            <a:pathLst>
+              <a:path w="1737401" h="959536">
+                <a:moveTo>
+                  <a:pt x="0" y="0"/>
+                </a:moveTo>
+                <a:lnTo>
+                  <a:pt x="123825" y="0"/>
+                </a:lnTo>
+                <a:lnTo>
+                  <a:pt x="123825" y="790277"/>
+                </a:lnTo>
+                <a:lnTo>
+                  <a:pt x="1490095" y="0"/>
+                </a:lnTo>
+                <a:lnTo>
+                  <a:pt x="1737401" y="0"/>
+                </a:lnTo>
+                <a:lnTo>
+                  <a:pt x="92869" y="951249"/>
+                </a:lnTo>
+                <a:cubicBezTo>
+                  <a:pt x="83458" y="956688"/>
+                  <a:pt x="72780" y="959546"/>
+                  <a:pt x="61913" y="959536"/>
+                </a:cubicBezTo>
+                <a:cubicBezTo>
+                  <a:pt x="27719" y="959536"/>
+                  <a:pt x="0" y="931818"/>
+                  <a:pt x="0" y="897624"/>
+                </a:cubicBezTo>
+                <a:close/>
+              </a:path>
+            </a:pathLst>
+          </a:custGeom>
+          <a:solidFill>
+            <a:schemeClr val="accent6"/>
+          </a:solidFill>
+          <a:ln w="9525" cap="flat">
+            <a:noFill/>
+            <a:prstDash val="solid"/>
+            <a:miter/>
+          </a:ln>
+        </p:spPr>
+        <p:txBody>
+          <a:bodyPr rtlCol="0" anchor="ctr"/>
+          <a:lstStyle/>
+          <a:p>
+            <a:pPr marL="0" marR="0" lvl="0" indent="0" algn="l" defTabSz="914400" rtl="0" eaLnBrk="1" fontAlgn="auto" latinLnBrk="0" hangingPunct="1">
+              <a:lnSpc>
+                <a:spcPct val="100000"/>
+              </a:lnSpc>
+              <a:spcBef>
+                <a:spcPts val="0"/>
+              </a:spcBef>
+              <a:spcAft>
+                <a:spcPts val="0"/>
+              </a:spcAft>
+              <a:buClrTx/>
+              <a:buSzTx/>
+              <a:buFontTx/>
+              <a:buNone/>
+              <a:tabLst/>
+              <a:defRPr/>
+            </a:pPr>
+            <a:endParaRPr kumimoji="0" lang="en-US" sz="1800" b="0" i="0" u="none" strike="noStrike" kern="1200" cap="none" spc="0" normalizeH="0" baseline="0" noProof="0">
+              <a:ln>
+                <a:noFill/>
+              </a:ln>
+              <a:solidFill>
+                <a:prstClr val="black"/>
+              </a:solidFill>
+              <a:effectLst/>
+              <a:uLnTx/>
+              <a:uFillTx/>
+              <a:latin typeface="Calibri" panose="020F0502020204030204"/>
+              <a:ea typeface="+mn-ea"/>
+              <a:cs typeface="+mn-cs"/>
+            </a:endParaRPr>
+          </a:p>
+        </p:txBody>
+      </p:sp>
+      <p:sp>
+        <p:nvSpPr>
+          <p:cNvPr id="47" name="Freeform: Shape 39">
+            <a:extLst>
+              <a:ext uri="{FF2B5EF4-FFF2-40B4-BE49-F238E27FC236}">
+                <a16:creationId xmlns:a16="http://schemas.microsoft.com/office/drawing/2014/main" id="{CF860788-3A6A-45A3-B3F1-06F159665603}"/>
+              </a:ext>
+              <a:ext uri="{C183D7F6-B498-43B3-948B-1728B52AA6E4}">
+                <adec:decorative xmlns:adec="http://schemas.microsoft.com/office/drawing/2017/decorative" val="1"/>
+              </a:ext>
+            </a:extLst>
+          </p:cNvPr>
+          <p:cNvSpPr>
+            <a:spLocks noGrp="1" noRot="1" noChangeAspect="1" noMove="1" noResize="1" noEditPoints="1" noAdjustHandles="1" noChangeArrowheads="1" noChangeShapeType="1" noTextEdit="1"/>
+          </p:cNvSpPr>
+          <p:nvPr>
+            <p:extLst>
+              <p:ext uri="{386F3935-93C4-4BCD-93E2-E3B085C9AB24}">
+                <p16:designElem xmlns:p16="http://schemas.microsoft.com/office/powerpoint/2015/main" val="1"/>
+              </p:ext>
+            </p:extLst>
+          </p:nvPr>
+        </p:nvSpPr>
+        <p:spPr>
+          <a:xfrm>
+            <a:off x="10567336" y="1"/>
+            <a:ext cx="1155142" cy="591009"/>
+          </a:xfrm>
+          <a:custGeom>
+            <a:avLst/>
+            <a:gdLst>
+              <a:gd name="connsiteX0" fmla="*/ 1355 w 1155142"/>
+              <a:gd name="connsiteY0" fmla="*/ 0 h 591009"/>
+              <a:gd name="connsiteX1" fmla="*/ 1153787 w 1155142"/>
+              <a:gd name="connsiteY1" fmla="*/ 0 h 591009"/>
+              <a:gd name="connsiteX2" fmla="*/ 1155142 w 1155142"/>
+              <a:gd name="connsiteY2" fmla="*/ 13438 h 591009"/>
+              <a:gd name="connsiteX3" fmla="*/ 577571 w 1155142"/>
+              <a:gd name="connsiteY3" fmla="*/ 591009 h 591009"/>
+              <a:gd name="connsiteX4" fmla="*/ 0 w 1155142"/>
+              <a:gd name="connsiteY4" fmla="*/ 13438 h 591009"/>
+            </a:gdLst>
+            <a:ahLst/>
+            <a:cxnLst>
+              <a:cxn ang="0">
+                <a:pos x="connsiteX0" y="connsiteY0"/>
+              </a:cxn>
+              <a:cxn ang="0">
+                <a:pos x="connsiteX1" y="connsiteY1"/>
+              </a:cxn>
+              <a:cxn ang="0">
+                <a:pos x="connsiteX2" y="connsiteY2"/>
+              </a:cxn>
+              <a:cxn ang="0">
+                <a:pos x="connsiteX3" y="connsiteY3"/>
+              </a:cxn>
+              <a:cxn ang="0">
+                <a:pos x="connsiteX4" y="connsiteY4"/>
+              </a:cxn>
+            </a:cxnLst>
+            <a:rect l="l" t="t" r="r" b="b"/>
+            <a:pathLst>
+              <a:path w="1155142" h="591009">
+                <a:moveTo>
+                  <a:pt x="1355" y="0"/>
+                </a:moveTo>
+                <a:lnTo>
+                  <a:pt x="1153787" y="0"/>
+                </a:lnTo>
+                <a:lnTo>
+                  <a:pt x="1155142" y="13438"/>
+                </a:lnTo>
+                <a:cubicBezTo>
+                  <a:pt x="1155142" y="332422"/>
+                  <a:pt x="896555" y="591009"/>
+                  <a:pt x="577571" y="591009"/>
+                </a:cubicBezTo>
+                <a:cubicBezTo>
+                  <a:pt x="258587" y="591009"/>
+                  <a:pt x="0" y="332422"/>
+                  <a:pt x="0" y="13438"/>
+                </a:cubicBezTo>
+                <a:close/>
+              </a:path>
+            </a:pathLst>
+          </a:custGeom>
+          <a:solidFill>
+            <a:schemeClr val="accent5"/>
+          </a:solidFill>
+          <a:ln>
+            <a:noFill/>
+          </a:ln>
+        </p:spPr>
+        <p:style>
+          <a:lnRef idx="2">
+            <a:schemeClr val="accent1">
+              <a:shade val="50000"/>
+            </a:schemeClr>
+          </a:lnRef>
+          <a:fillRef idx="1">
+            <a:schemeClr val="accent1"/>
+          </a:fillRef>
+          <a:effectRef idx="0">
+            <a:schemeClr val="accent1"/>
+          </a:effectRef>
+          <a:fontRef idx="minor">
+            <a:schemeClr val="lt1"/>
+          </a:fontRef>
+        </p:style>
+        <p:txBody>
+          <a:bodyPr wrap="square" rtlCol="0" anchor="ctr">
+            <a:noAutofit/>
+          </a:bodyPr>
+          <a:lstStyle/>
+          <a:p>
+            <a:pPr marL="0" marR="0" lvl="0" indent="0" algn="ctr" defTabSz="914400" rtl="0" eaLnBrk="1" fontAlgn="auto" latinLnBrk="0" hangingPunct="1">
+              <a:lnSpc>
+                <a:spcPct val="100000"/>
+              </a:lnSpc>
+              <a:spcBef>
+                <a:spcPts val="0"/>
+              </a:spcBef>
+              <a:spcAft>
+                <a:spcPts val="0"/>
+              </a:spcAft>
+              <a:buClrTx/>
+              <a:buSzTx/>
+              <a:buFontTx/>
+              <a:buNone/>
+              <a:tabLst/>
+              <a:defRPr/>
+            </a:pPr>
+            <a:endParaRPr kumimoji="0" lang="en-US" sz="1800" b="0" i="0" u="none" strike="noStrike" kern="1200" cap="none" spc="0" normalizeH="0" baseline="0" noProof="0">
+              <a:ln>
+                <a:noFill/>
+              </a:ln>
+              <a:solidFill>
+                <a:prstClr val="white"/>
+              </a:solidFill>
+              <a:effectLst/>
+              <a:uLnTx/>
+              <a:uFillTx/>
+              <a:latin typeface="Calibri" panose="020F0502020204030204"/>
+              <a:ea typeface="+mn-ea"/>
+              <a:cs typeface="+mn-cs"/>
+            </a:endParaRPr>
+          </a:p>
+        </p:txBody>
+      </p:sp>
+      <p:pic>
+        <p:nvPicPr>
+          <p:cNvPr id="10" name="Graphic 9">
+            <a:extLst>
+              <a:ext uri="{FF2B5EF4-FFF2-40B4-BE49-F238E27FC236}">
+                <a16:creationId xmlns:a16="http://schemas.microsoft.com/office/drawing/2014/main" id="{B8D7082B-BF10-44F3-BE23-8F5C61C167CC}"/>
+              </a:ext>
+            </a:extLst>
+          </p:cNvPr>
+          <p:cNvPicPr>
+            <a:picLocks noChangeAspect="1"/>
+          </p:cNvPicPr>
+          <p:nvPr/>
+        </p:nvPicPr>
+        <p:blipFill>
+          <a:blip r:embed="rId2">
+            <a:extLst>
+              <a:ext uri="{28A0092B-C50C-407E-A947-70E740481C1C}">
+                <a14:useLocalDpi xmlns:a14="http://schemas.microsoft.com/office/drawing/2010/main" val="0"/>
+              </a:ext>
+              <a:ext uri="{96DAC541-7B7A-43D3-8B79-37D633B846F1}">
+                <asvg:svgBlip xmlns:asvg="http://schemas.microsoft.com/office/drawing/2016/SVG/main" r:embed="rId3"/>
+              </a:ext>
+            </a:extLst>
+          </a:blip>
+          <a:stretch>
+            <a:fillRect/>
+          </a:stretch>
+        </p:blipFill>
+        <p:spPr>
+          <a:xfrm>
+            <a:off x="7093046" y="1209578"/>
+            <a:ext cx="4055897" cy="4055897"/>
+          </a:xfrm>
+          <a:custGeom>
+            <a:avLst/>
+            <a:gdLst/>
+            <a:ahLst/>
+            <a:cxnLst/>
+            <a:rect l="l" t="t" r="r" b="b"/>
+            <a:pathLst>
+              <a:path w="4579832" h="5347063">
+                <a:moveTo>
+                  <a:pt x="106985" y="0"/>
+                </a:moveTo>
+                <a:lnTo>
+                  <a:pt x="4472847" y="0"/>
+                </a:lnTo>
+                <a:cubicBezTo>
+                  <a:pt x="4531933" y="0"/>
+                  <a:pt x="4579832" y="47899"/>
+                  <a:pt x="4579832" y="106985"/>
+                </a:cubicBezTo>
+                <a:lnTo>
+                  <a:pt x="4579832" y="5240078"/>
+                </a:lnTo>
+                <a:cubicBezTo>
+                  <a:pt x="4579832" y="5299164"/>
+                  <a:pt x="4531933" y="5347063"/>
+                  <a:pt x="4472847" y="5347063"/>
+                </a:cubicBezTo>
+                <a:lnTo>
+                  <a:pt x="106985" y="5347063"/>
+                </a:lnTo>
+                <a:cubicBezTo>
+                  <a:pt x="47899" y="5347063"/>
+                  <a:pt x="0" y="5299164"/>
+                  <a:pt x="0" y="5240078"/>
+                </a:cubicBezTo>
+                <a:lnTo>
+                  <a:pt x="0" y="106985"/>
+                </a:lnTo>
+                <a:cubicBezTo>
+                  <a:pt x="0" y="47899"/>
+                  <a:pt x="47899" y="0"/>
+                  <a:pt x="106985" y="0"/>
+                </a:cubicBezTo>
+                <a:close/>
+              </a:path>
+            </a:pathLst>
+          </a:custGeom>
+        </p:spPr>
+      </p:pic>
+      <p:sp>
+        <p:nvSpPr>
+          <p:cNvPr id="42" name="Freeform: Shape 41">
+            <a:extLst>
+              <a:ext uri="{FF2B5EF4-FFF2-40B4-BE49-F238E27FC236}">
+                <a16:creationId xmlns:a16="http://schemas.microsoft.com/office/drawing/2014/main" id="{DF1E3393-B852-4883-B778-ED3525112942}"/>
+              </a:ext>
+              <a:ext uri="{C183D7F6-B498-43B3-948B-1728B52AA6E4}">
+                <adec:decorative xmlns:adec="http://schemas.microsoft.com/office/drawing/2017/decorative" val="1"/>
+              </a:ext>
+            </a:extLst>
+          </p:cNvPr>
+          <p:cNvSpPr>
+            <a:spLocks noGrp="1" noRot="1" noChangeAspect="1" noMove="1" noResize="1" noEditPoints="1" noAdjustHandles="1" noChangeArrowheads="1" noChangeShapeType="1" noTextEdit="1"/>
+          </p:cNvSpPr>
+          <p:nvPr>
+            <p:extLst>
+              <p:ext uri="{386F3935-93C4-4BCD-93E2-E3B085C9AB24}">
+                <p16:designElem xmlns:p16="http://schemas.microsoft.com/office/powerpoint/2015/main" val="1"/>
+              </p:ext>
+            </p:extLst>
+          </p:nvPr>
+        </p:nvSpPr>
+        <p:spPr>
+          <a:xfrm>
+            <a:off x="12032259" y="2916245"/>
+            <a:ext cx="159741" cy="552996"/>
+          </a:xfrm>
+          <a:custGeom>
+            <a:avLst/>
+            <a:gdLst>
+              <a:gd name="connsiteX0" fmla="*/ 159741 w 159741"/>
+              <a:gd name="connsiteY0" fmla="*/ 0 h 552996"/>
+              <a:gd name="connsiteX1" fmla="*/ 159741 w 159741"/>
+              <a:gd name="connsiteY1" fmla="*/ 552996 h 552996"/>
+              <a:gd name="connsiteX2" fmla="*/ 141849 w 159741"/>
+              <a:gd name="connsiteY2" fmla="*/ 543285 h 552996"/>
+              <a:gd name="connsiteX3" fmla="*/ 0 w 159741"/>
+              <a:gd name="connsiteY3" fmla="*/ 276498 h 552996"/>
+              <a:gd name="connsiteX4" fmla="*/ 141849 w 159741"/>
+              <a:gd name="connsiteY4" fmla="*/ 9711 h 552996"/>
+            </a:gdLst>
+            <a:ahLst/>
+            <a:cxnLst>
+              <a:cxn ang="0">
+                <a:pos x="connsiteX0" y="connsiteY0"/>
+              </a:cxn>
+              <a:cxn ang="0">
+                <a:pos x="connsiteX1" y="connsiteY1"/>
+              </a:cxn>
+              <a:cxn ang="0">
+                <a:pos x="connsiteX2" y="connsiteY2"/>
+              </a:cxn>
+              <a:cxn ang="0">
+                <a:pos x="connsiteX3" y="connsiteY3"/>
+              </a:cxn>
+              <a:cxn ang="0">
+                <a:pos x="connsiteX4" y="connsiteY4"/>
+              </a:cxn>
+            </a:cxnLst>
+            <a:rect l="l" t="t" r="r" b="b"/>
+            <a:pathLst>
+              <a:path w="159741" h="552996">
+                <a:moveTo>
+                  <a:pt x="159741" y="0"/>
+                </a:moveTo>
+                <a:lnTo>
+                  <a:pt x="159741" y="552996"/>
+                </a:lnTo>
+                <a:lnTo>
+                  <a:pt x="141849" y="543285"/>
+                </a:lnTo>
+                <a:cubicBezTo>
+                  <a:pt x="56268" y="485467"/>
+                  <a:pt x="0" y="387554"/>
+                  <a:pt x="0" y="276498"/>
+                </a:cubicBezTo>
+                <a:cubicBezTo>
+                  <a:pt x="0" y="165443"/>
+                  <a:pt x="56268" y="67529"/>
+                  <a:pt x="141849" y="9711"/>
+                </a:cubicBezTo>
+                <a:close/>
+              </a:path>
+            </a:pathLst>
+          </a:custGeom>
+          <a:solidFill>
+            <a:schemeClr val="accent2"/>
+          </a:solidFill>
+          <a:ln w="127000">
+            <a:noFill/>
+          </a:ln>
+        </p:spPr>
+        <p:style>
+          <a:lnRef idx="2">
+            <a:schemeClr val="accent1">
+              <a:shade val="50000"/>
+            </a:schemeClr>
+          </a:lnRef>
+          <a:fillRef idx="1">
+            <a:schemeClr val="accent1"/>
+          </a:fillRef>
+          <a:effectRef idx="0">
+            <a:schemeClr val="accent1"/>
+          </a:effectRef>
+          <a:fontRef idx="minor">
+            <a:schemeClr val="lt1"/>
+          </a:fontRef>
+        </p:style>
+        <p:txBody>
+          <a:bodyPr wrap="square" rtlCol="0" anchor="ctr">
+            <a:noAutofit/>
+          </a:bodyPr>
+          <a:lstStyle/>
+          <a:p>
+            <a:pPr marL="0" marR="0" lvl="0" indent="0" algn="ctr" defTabSz="914400" rtl="0" eaLnBrk="1" fontAlgn="auto" latinLnBrk="0" hangingPunct="1">
+              <a:lnSpc>
+                <a:spcPct val="100000"/>
+              </a:lnSpc>
+              <a:spcBef>
+                <a:spcPts val="0"/>
+              </a:spcBef>
+              <a:spcAft>
+                <a:spcPts val="0"/>
+              </a:spcAft>
+              <a:buClrTx/>
+              <a:buSzTx/>
+              <a:buFontTx/>
+              <a:buNone/>
+              <a:tabLst/>
+              <a:defRPr/>
+            </a:pPr>
+            <a:endParaRPr kumimoji="0" lang="en-US" sz="1800" b="0" i="0" u="none" strike="noStrike" kern="1200" cap="none" spc="0" normalizeH="0" baseline="0" noProof="0">
+              <a:ln>
+                <a:noFill/>
+              </a:ln>
+              <a:solidFill>
+                <a:prstClr val="white"/>
+              </a:solidFill>
+              <a:effectLst/>
+              <a:uLnTx/>
+              <a:uFillTx/>
+              <a:latin typeface="Calibri" panose="020F0502020204030204"/>
+              <a:ea typeface="+mn-ea"/>
+              <a:cs typeface="+mn-cs"/>
+            </a:endParaRPr>
+          </a:p>
+        </p:txBody>
+      </p:sp>
+      <p:sp>
+        <p:nvSpPr>
+          <p:cNvPr id="44" name="Freeform: Shape 43">
+            <a:extLst>
+              <a:ext uri="{FF2B5EF4-FFF2-40B4-BE49-F238E27FC236}">
+                <a16:creationId xmlns:a16="http://schemas.microsoft.com/office/drawing/2014/main" id="{39853D09-4205-4CC7-83EB-288E886AC9E4}"/>
+              </a:ext>
+              <a:ext uri="{C183D7F6-B498-43B3-948B-1728B52AA6E4}">
+                <adec:decorative xmlns:adec="http://schemas.microsoft.com/office/drawing/2017/decorative" val="1"/>
+              </a:ext>
+            </a:extLst>
+          </p:cNvPr>
+          <p:cNvSpPr>
+            <a:spLocks noGrp="1" noRot="1" noChangeAspect="1" noMove="1" noResize="1" noEditPoints="1" noAdjustHandles="1" noChangeArrowheads="1" noChangeShapeType="1" noTextEdit="1"/>
+          </p:cNvSpPr>
+          <p:nvPr>
+            <p:extLst>
+              <p:ext uri="{386F3935-93C4-4BCD-93E2-E3B085C9AB24}">
+                <p16:designElem xmlns:p16="http://schemas.microsoft.com/office/powerpoint/2015/main" val="1"/>
+              </p:ext>
+            </p:extLst>
+          </p:nvPr>
+        </p:nvSpPr>
+        <p:spPr>
+          <a:xfrm>
+            <a:off x="7148440" y="5717906"/>
+            <a:ext cx="1771609" cy="1140095"/>
+          </a:xfrm>
+          <a:custGeom>
+            <a:avLst/>
+            <a:gdLst>
+              <a:gd name="connsiteX0" fmla="*/ 1561721 w 1771609"/>
+              <a:gd name="connsiteY0" fmla="*/ 763041 h 1140095"/>
+              <a:gd name="connsiteX1" fmla="*/ 1623024 w 1771609"/>
+              <a:gd name="connsiteY1" fmla="*/ 792810 h 1140095"/>
+              <a:gd name="connsiteX2" fmla="*/ 1711735 w 1771609"/>
+              <a:gd name="connsiteY2" fmla="*/ 970132 h 1140095"/>
+              <a:gd name="connsiteX3" fmla="*/ 1771609 w 1771609"/>
+              <a:gd name="connsiteY3" fmla="*/ 1140095 h 1140095"/>
+              <a:gd name="connsiteX4" fmla="*/ 1637225 w 1771609"/>
+              <a:gd name="connsiteY4" fmla="*/ 1140095 h 1140095"/>
+              <a:gd name="connsiteX5" fmla="*/ 1594820 w 1771609"/>
+              <a:gd name="connsiteY5" fmla="*/ 1019711 h 1140095"/>
+              <a:gd name="connsiteX6" fmla="*/ 1513200 w 1771609"/>
+              <a:gd name="connsiteY6" fmla="*/ 856627 h 1140095"/>
+              <a:gd name="connsiteX7" fmla="*/ 1538499 w 1771609"/>
+              <a:gd name="connsiteY7" fmla="*/ 770415 h 1140095"/>
+              <a:gd name="connsiteX8" fmla="*/ 1561721 w 1771609"/>
+              <a:gd name="connsiteY8" fmla="*/ 763041 h 1140095"/>
+              <a:gd name="connsiteX9" fmla="*/ 933455 w 1771609"/>
+              <a:gd name="connsiteY9" fmla="*/ 161309 h 1140095"/>
+              <a:gd name="connsiteX10" fmla="*/ 957797 w 1771609"/>
+              <a:gd name="connsiteY10" fmla="*/ 167970 h 1140095"/>
+              <a:gd name="connsiteX11" fmla="*/ 1286982 w 1771609"/>
+              <a:gd name="connsiteY11" fmla="*/ 387616 h 1140095"/>
+              <a:gd name="connsiteX12" fmla="*/ 1293725 w 1771609"/>
+              <a:gd name="connsiteY12" fmla="*/ 477075 h 1140095"/>
+              <a:gd name="connsiteX13" fmla="*/ 1245453 w 1771609"/>
+              <a:gd name="connsiteY13" fmla="*/ 499154 h 1140095"/>
+              <a:gd name="connsiteX14" fmla="*/ 1245167 w 1771609"/>
+              <a:gd name="connsiteY14" fmla="*/ 499154 h 1140095"/>
+              <a:gd name="connsiteX15" fmla="*/ 1203638 w 1771609"/>
+              <a:gd name="connsiteY15" fmla="*/ 484104 h 1140095"/>
+              <a:gd name="connsiteX16" fmla="*/ 900647 w 1771609"/>
+              <a:gd name="connsiteY16" fmla="*/ 281508 h 1140095"/>
+              <a:gd name="connsiteX17" fmla="*/ 872454 w 1771609"/>
+              <a:gd name="connsiteY17" fmla="*/ 196164 h 1140095"/>
+              <a:gd name="connsiteX18" fmla="*/ 933455 w 1771609"/>
+              <a:gd name="connsiteY18" fmla="*/ 161309 h 1140095"/>
+              <a:gd name="connsiteX19" fmla="*/ 256260 w 1771609"/>
+              <a:gd name="connsiteY19" fmla="*/ 29 h 1140095"/>
+              <a:gd name="connsiteX20" fmla="*/ 454020 w 1771609"/>
+              <a:gd name="connsiteY20" fmla="*/ 13474 h 1140095"/>
+              <a:gd name="connsiteX21" fmla="*/ 509236 w 1771609"/>
+              <a:gd name="connsiteY21" fmla="*/ 84182 h 1140095"/>
+              <a:gd name="connsiteX22" fmla="*/ 445829 w 1771609"/>
+              <a:gd name="connsiteY22" fmla="*/ 139871 h 1140095"/>
+              <a:gd name="connsiteX23" fmla="*/ 437447 w 1771609"/>
+              <a:gd name="connsiteY23" fmla="*/ 139395 h 1140095"/>
+              <a:gd name="connsiteX24" fmla="*/ 73211 w 1771609"/>
+              <a:gd name="connsiteY24" fmla="*/ 137204 h 1140095"/>
+              <a:gd name="connsiteX25" fmla="*/ 749 w 1771609"/>
+              <a:gd name="connsiteY25" fmla="*/ 84082 h 1140095"/>
+              <a:gd name="connsiteX26" fmla="*/ 53871 w 1771609"/>
+              <a:gd name="connsiteY26" fmla="*/ 11621 h 1140095"/>
+              <a:gd name="connsiteX27" fmla="*/ 58352 w 1771609"/>
+              <a:gd name="connsiteY27" fmla="*/ 11093 h 1140095"/>
+              <a:gd name="connsiteX28" fmla="*/ 256260 w 1771609"/>
+              <a:gd name="connsiteY28" fmla="*/ 29 h 1140095"/>
+            </a:gdLst>
+            <a:ahLst/>
+            <a:cxnLst>
+              <a:cxn ang="0">
+                <a:pos x="connsiteX0" y="connsiteY0"/>
+              </a:cxn>
+              <a:cxn ang="0">
+                <a:pos x="connsiteX1" y="connsiteY1"/>
+              </a:cxn>
+              <a:cxn ang="0">
+                <a:pos x="connsiteX2" y="connsiteY2"/>
+              </a:cxn>
+              <a:cxn ang="0">
+                <a:pos x="connsiteX3" y="connsiteY3"/>
+              </a:cxn>
+              <a:cxn ang="0">
+                <a:pos x="connsiteX4" y="connsiteY4"/>
+              </a:cxn>
+              <a:cxn ang="0">
+                <a:pos x="connsiteX5" y="connsiteY5"/>
+              </a:cxn>
+              <a:cxn ang="0">
+                <a:pos x="connsiteX6" y="connsiteY6"/>
+              </a:cxn>
+              <a:cxn ang="0">
+                <a:pos x="connsiteX7" y="connsiteY7"/>
+              </a:cxn>
+              <a:cxn ang="0">
+                <a:pos x="connsiteX8" y="connsiteY8"/>
+              </a:cxn>
+              <a:cxn ang="0">
+                <a:pos x="connsiteX9" y="connsiteY9"/>
+              </a:cxn>
+              <a:cxn ang="0">
+                <a:pos x="connsiteX10" y="connsiteY10"/>
+              </a:cxn>
+              <a:cxn ang="0">
+                <a:pos x="connsiteX11" y="connsiteY11"/>
+              </a:cxn>
+              <a:cxn ang="0">
+                <a:pos x="connsiteX12" y="connsiteY12"/>
+              </a:cxn>
+              <a:cxn ang="0">
+                <a:pos x="connsiteX13" y="connsiteY13"/>
+              </a:cxn>
+              <a:cxn ang="0">
+                <a:pos x="connsiteX14" y="connsiteY14"/>
+              </a:cxn>
+              <a:cxn ang="0">
+                <a:pos x="connsiteX15" y="connsiteY15"/>
+              </a:cxn>
+              <a:cxn ang="0">
+                <a:pos x="connsiteX16" y="connsiteY16"/>
+              </a:cxn>
+              <a:cxn ang="0">
+                <a:pos x="connsiteX17" y="connsiteY17"/>
+              </a:cxn>
+              <a:cxn ang="0">
+                <a:pos x="connsiteX18" y="connsiteY18"/>
+              </a:cxn>
+              <a:cxn ang="0">
+                <a:pos x="connsiteX19" y="connsiteY19"/>
+              </a:cxn>
+              <a:cxn ang="0">
+                <a:pos x="connsiteX20" y="connsiteY20"/>
+              </a:cxn>
+              <a:cxn ang="0">
+                <a:pos x="connsiteX21" y="connsiteY21"/>
+              </a:cxn>
+              <a:cxn ang="0">
+                <a:pos x="connsiteX22" y="connsiteY22"/>
+              </a:cxn>
+              <a:cxn ang="0">
+                <a:pos x="connsiteX23" y="connsiteY23"/>
+              </a:cxn>
+              <a:cxn ang="0">
+                <a:pos x="connsiteX24" y="connsiteY24"/>
+              </a:cxn>
+              <a:cxn ang="0">
+                <a:pos x="connsiteX25" y="connsiteY25"/>
+              </a:cxn>
+              <a:cxn ang="0">
+                <a:pos x="connsiteX26" y="connsiteY26"/>
+              </a:cxn>
+              <a:cxn ang="0">
+                <a:pos x="connsiteX27" y="connsiteY27"/>
+              </a:cxn>
+              <a:cxn ang="0">
+                <a:pos x="connsiteX28" y="connsiteY28"/>
+              </a:cxn>
+            </a:cxnLst>
+            <a:rect l="l" t="t" r="r" b="b"/>
+            <a:pathLst>
+              <a:path w="1771609" h="1140095">
+                <a:moveTo>
+                  <a:pt x="1561721" y="763041"/>
+                </a:moveTo>
+                <a:cubicBezTo>
+                  <a:pt x="1585506" y="760324"/>
+                  <a:pt x="1609722" y="771249"/>
+                  <a:pt x="1623024" y="792810"/>
+                </a:cubicBezTo>
+                <a:cubicBezTo>
+                  <a:pt x="1656300" y="850065"/>
+                  <a:pt x="1685920" y="909291"/>
+                  <a:pt x="1711735" y="970132"/>
+                </a:cubicBezTo>
+                <a:lnTo>
+                  <a:pt x="1771609" y="1140095"/>
+                </a:lnTo>
+                <a:lnTo>
+                  <a:pt x="1637225" y="1140095"/>
+                </a:lnTo>
+                <a:lnTo>
+                  <a:pt x="1594820" y="1019711"/>
+                </a:lnTo>
+                <a:cubicBezTo>
+                  <a:pt x="1571072" y="963753"/>
+                  <a:pt x="1543818" y="909282"/>
+                  <a:pt x="1513200" y="856627"/>
+                </a:cubicBezTo>
+                <a:cubicBezTo>
+                  <a:pt x="1496379" y="825834"/>
+                  <a:pt x="1507704" y="787236"/>
+                  <a:pt x="1538499" y="770415"/>
+                </a:cubicBezTo>
+                <a:cubicBezTo>
+                  <a:pt x="1545912" y="766367"/>
+                  <a:pt x="1553792" y="763946"/>
+                  <a:pt x="1561721" y="763041"/>
+                </a:cubicBezTo>
+                <a:close/>
+                <a:moveTo>
+                  <a:pt x="933455" y="161309"/>
+                </a:moveTo>
+                <a:cubicBezTo>
+                  <a:pt x="941693" y="161855"/>
+                  <a:pt x="949959" y="164025"/>
+                  <a:pt x="957797" y="167970"/>
+                </a:cubicBezTo>
+                <a:cubicBezTo>
+                  <a:pt x="1076184" y="227289"/>
+                  <a:pt x="1186759" y="301068"/>
+                  <a:pt x="1286982" y="387616"/>
+                </a:cubicBezTo>
+                <a:cubicBezTo>
+                  <a:pt x="1313547" y="410457"/>
+                  <a:pt x="1316566" y="450510"/>
+                  <a:pt x="1293725" y="477075"/>
+                </a:cubicBezTo>
+                <a:cubicBezTo>
+                  <a:pt x="1281638" y="491137"/>
+                  <a:pt x="1263998" y="499204"/>
+                  <a:pt x="1245453" y="499154"/>
+                </a:cubicBezTo>
+                <a:lnTo>
+                  <a:pt x="1245167" y="499154"/>
+                </a:lnTo>
+                <a:cubicBezTo>
+                  <a:pt x="1229965" y="499301"/>
+                  <a:pt x="1215220" y="493956"/>
+                  <a:pt x="1203638" y="484104"/>
+                </a:cubicBezTo>
+                <a:cubicBezTo>
+                  <a:pt x="1111407" y="404300"/>
+                  <a:pt x="1009633" y="336248"/>
+                  <a:pt x="900647" y="281508"/>
+                </a:cubicBezTo>
+                <a:cubicBezTo>
+                  <a:pt x="869295" y="265726"/>
+                  <a:pt x="856672" y="227516"/>
+                  <a:pt x="872454" y="196164"/>
+                </a:cubicBezTo>
+                <a:cubicBezTo>
+                  <a:pt x="884290" y="172650"/>
+                  <a:pt x="908742" y="159670"/>
+                  <a:pt x="933455" y="161309"/>
+                </a:cubicBezTo>
+                <a:close/>
+                <a:moveTo>
+                  <a:pt x="256260" y="29"/>
+                </a:moveTo>
+                <a:cubicBezTo>
+                  <a:pt x="322331" y="427"/>
+                  <a:pt x="388378" y="4909"/>
+                  <a:pt x="454020" y="13474"/>
+                </a:cubicBezTo>
+                <a:cubicBezTo>
+                  <a:pt x="488793" y="17752"/>
+                  <a:pt x="513514" y="49409"/>
+                  <a:pt x="509236" y="84182"/>
+                </a:cubicBezTo>
+                <a:cubicBezTo>
+                  <a:pt x="505303" y="116151"/>
+                  <a:pt x="478038" y="140098"/>
+                  <a:pt x="445829" y="139871"/>
+                </a:cubicBezTo>
+                <a:cubicBezTo>
+                  <a:pt x="443027" y="139899"/>
+                  <a:pt x="440227" y="139740"/>
+                  <a:pt x="437447" y="139395"/>
+                </a:cubicBezTo>
+                <a:cubicBezTo>
+                  <a:pt x="316592" y="123615"/>
+                  <a:pt x="194247" y="122878"/>
+                  <a:pt x="73211" y="137204"/>
+                </a:cubicBezTo>
+                <a:cubicBezTo>
+                  <a:pt x="38532" y="142545"/>
+                  <a:pt x="6090" y="118762"/>
+                  <a:pt x="749" y="84082"/>
+                </a:cubicBezTo>
+                <a:cubicBezTo>
+                  <a:pt x="-4591" y="49403"/>
+                  <a:pt x="19192" y="16961"/>
+                  <a:pt x="53871" y="11621"/>
+                </a:cubicBezTo>
+                <a:cubicBezTo>
+                  <a:pt x="55358" y="11392"/>
+                  <a:pt x="56852" y="11216"/>
+                  <a:pt x="58352" y="11093"/>
+                </a:cubicBezTo>
+                <a:cubicBezTo>
+                  <a:pt x="124093" y="3319"/>
+                  <a:pt x="190189" y="-369"/>
+                  <a:pt x="256260" y="29"/>
+                </a:cubicBezTo>
+                <a:close/>
+              </a:path>
+            </a:pathLst>
+          </a:custGeom>
+          <a:solidFill>
+            <a:schemeClr val="accent4"/>
+          </a:solidFill>
+          <a:ln w="9525" cap="flat">
+            <a:noFill/>
+            <a:prstDash val="solid"/>
+            <a:miter/>
+          </a:ln>
+        </p:spPr>
+        <p:txBody>
+          <a:bodyPr rtlCol="0" anchor="ctr"/>
+          <a:lstStyle/>
+          <a:p>
+            <a:pPr marL="0" marR="0" lvl="0" indent="0" algn="l" defTabSz="914400" rtl="0" eaLnBrk="1" fontAlgn="auto" latinLnBrk="0" hangingPunct="1">
+              <a:lnSpc>
+                <a:spcPct val="100000"/>
+              </a:lnSpc>
+              <a:spcBef>
+                <a:spcPts val="0"/>
+              </a:spcBef>
+              <a:spcAft>
+                <a:spcPts val="0"/>
+              </a:spcAft>
+              <a:buClrTx/>
+              <a:buSzTx/>
+              <a:buFontTx/>
+              <a:buNone/>
+              <a:tabLst/>
+              <a:defRPr/>
+            </a:pPr>
+            <a:endParaRPr kumimoji="0" lang="en-US" sz="1800" b="0" i="0" u="none" strike="noStrike" kern="1200" cap="none" spc="0" normalizeH="0" baseline="0" noProof="0">
+              <a:ln>
+                <a:noFill/>
+              </a:ln>
+              <a:solidFill>
+                <a:prstClr val="black"/>
+              </a:solidFill>
+              <a:effectLst/>
+              <a:uLnTx/>
+              <a:uFillTx/>
+              <a:latin typeface="Calibri" panose="020F0502020204030204"/>
+              <a:ea typeface="+mn-ea"/>
+              <a:cs typeface="+mn-cs"/>
+            </a:endParaRPr>
+          </a:p>
+        </p:txBody>
+      </p:sp>
+      <p:sp>
+        <p:nvSpPr>
+          <p:cNvPr id="46" name="Freeform: Shape 45">
+            <a:extLst>
+              <a:ext uri="{FF2B5EF4-FFF2-40B4-BE49-F238E27FC236}">
+                <a16:creationId xmlns:a16="http://schemas.microsoft.com/office/drawing/2014/main" id="{0D040B79-3E73-4A31-840D-D6B9C9FDFC46}"/>
+              </a:ext>
+              <a:ext uri="{C183D7F6-B498-43B3-948B-1728B52AA6E4}">
+                <adec:decorative xmlns:adec="http://schemas.microsoft.com/office/drawing/2017/decorative" val="1"/>
+              </a:ext>
+            </a:extLst>
+          </p:cNvPr>
+          <p:cNvSpPr>
+            <a:spLocks noGrp="1" noRot="1" noChangeAspect="1" noMove="1" noResize="1" noEditPoints="1" noAdjustHandles="1" noChangeArrowheads="1" noChangeShapeType="1" noTextEdit="1"/>
+          </p:cNvSpPr>
+          <p:nvPr>
+            <p:extLst>
+              <p:ext uri="{386F3935-93C4-4BCD-93E2-E3B085C9AB24}">
+                <p16:designElem xmlns:p16="http://schemas.microsoft.com/office/powerpoint/2015/main" val="1"/>
+              </p:ext>
+            </p:extLst>
+          </p:nvPr>
+        </p:nvSpPr>
+        <p:spPr>
+          <a:xfrm>
+            <a:off x="6647511" y="6258756"/>
+            <a:ext cx="1565940" cy="599245"/>
+          </a:xfrm>
+          <a:custGeom>
+            <a:avLst/>
+            <a:gdLst>
+              <a:gd name="connsiteX0" fmla="*/ 782970 w 1565940"/>
+              <a:gd name="connsiteY0" fmla="*/ 0 h 599245"/>
+              <a:gd name="connsiteX1" fmla="*/ 1528042 w 1565940"/>
+              <a:gd name="connsiteY1" fmla="*/ 480469 h 599245"/>
+              <a:gd name="connsiteX2" fmla="*/ 1565940 w 1565940"/>
+              <a:gd name="connsiteY2" fmla="*/ 599245 h 599245"/>
+              <a:gd name="connsiteX3" fmla="*/ 0 w 1565940"/>
+              <a:gd name="connsiteY3" fmla="*/ 599245 h 599245"/>
+              <a:gd name="connsiteX4" fmla="*/ 37898 w 1565940"/>
+              <a:gd name="connsiteY4" fmla="*/ 480469 h 599245"/>
+              <a:gd name="connsiteX5" fmla="*/ 782970 w 1565940"/>
+              <a:gd name="connsiteY5" fmla="*/ 0 h 599245"/>
+            </a:gdLst>
+            <a:ahLst/>
+            <a:cxnLst>
+              <a:cxn ang="0">
+                <a:pos x="connsiteX0" y="connsiteY0"/>
+              </a:cxn>
+              <a:cxn ang="0">
+                <a:pos x="connsiteX1" y="connsiteY1"/>
+              </a:cxn>
+              <a:cxn ang="0">
+                <a:pos x="connsiteX2" y="connsiteY2"/>
+              </a:cxn>
+              <a:cxn ang="0">
+                <a:pos x="connsiteX3" y="connsiteY3"/>
+              </a:cxn>
+              <a:cxn ang="0">
+                <a:pos x="connsiteX4" y="connsiteY4"/>
+              </a:cxn>
+              <a:cxn ang="0">
+                <a:pos x="connsiteX5" y="connsiteY5"/>
+              </a:cxn>
+            </a:cxnLst>
+            <a:rect l="l" t="t" r="r" b="b"/>
+            <a:pathLst>
+              <a:path w="1565940" h="599245">
+                <a:moveTo>
+                  <a:pt x="782970" y="0"/>
+                </a:moveTo>
+                <a:cubicBezTo>
+                  <a:pt x="1117910" y="0"/>
+                  <a:pt x="1405287" y="198118"/>
+                  <a:pt x="1528042" y="480469"/>
+                </a:cubicBezTo>
+                <a:lnTo>
+                  <a:pt x="1565940" y="599245"/>
+                </a:lnTo>
+                <a:lnTo>
+                  <a:pt x="0" y="599245"/>
+                </a:lnTo>
+                <a:lnTo>
+                  <a:pt x="37898" y="480469"/>
+                </a:lnTo>
+                <a:cubicBezTo>
+                  <a:pt x="160653" y="198118"/>
+                  <a:pt x="448030" y="0"/>
+                  <a:pt x="782970" y="0"/>
+                </a:cubicBezTo>
+                <a:close/>
+              </a:path>
+            </a:pathLst>
+          </a:custGeom>
+          <a:solidFill>
+            <a:schemeClr val="accent2"/>
+          </a:solidFill>
+          <a:ln>
+            <a:noFill/>
+          </a:ln>
+        </p:spPr>
+        <p:style>
+          <a:lnRef idx="2">
+            <a:schemeClr val="accent1">
+              <a:shade val="50000"/>
+            </a:schemeClr>
+          </a:lnRef>
+          <a:fillRef idx="1">
+            <a:schemeClr val="accent1"/>
+          </a:fillRef>
+          <a:effectRef idx="0">
+            <a:schemeClr val="accent1"/>
+          </a:effectRef>
+          <a:fontRef idx="minor">
+            <a:schemeClr val="lt1"/>
+          </a:fontRef>
+        </p:style>
+        <p:txBody>
+          <a:bodyPr wrap="square" rtlCol="0" anchor="ctr">
+            <a:noAutofit/>
+          </a:bodyPr>
+          <a:lstStyle/>
+          <a:p>
+            <a:pPr marL="0" marR="0" lvl="0" indent="0" algn="ctr" defTabSz="914400" rtl="0" eaLnBrk="1" fontAlgn="auto" latinLnBrk="0" hangingPunct="1">
+              <a:lnSpc>
+                <a:spcPct val="100000"/>
+              </a:lnSpc>
+              <a:spcBef>
+                <a:spcPts val="0"/>
+              </a:spcBef>
+              <a:spcAft>
+                <a:spcPts val="0"/>
+              </a:spcAft>
+              <a:buClrTx/>
+              <a:buSzTx/>
+              <a:buFontTx/>
+              <a:buNone/>
+              <a:tabLst/>
+              <a:defRPr/>
+            </a:pPr>
+            <a:endParaRPr kumimoji="0" lang="en-US" sz="1800" b="0" i="0" u="none" strike="noStrike" kern="1200" cap="none" spc="0" normalizeH="0" baseline="0" noProof="0" dirty="0">
+              <a:ln>
+                <a:noFill/>
+              </a:ln>
+              <a:solidFill>
+                <a:prstClr val="white"/>
+              </a:solidFill>
+              <a:effectLst/>
+              <a:uLnTx/>
+              <a:uFillTx/>
+              <a:latin typeface="Calibri" panose="020F0502020204030204"/>
+              <a:ea typeface="+mn-ea"/>
+              <a:cs typeface="+mn-cs"/>
+            </a:endParaRPr>
+          </a:p>
+        </p:txBody>
+      </p:sp>
+      <p:sp>
+        <p:nvSpPr>
+          <p:cNvPr id="48" name="Freeform: Shape 47">
+            <a:extLst>
+              <a:ext uri="{FF2B5EF4-FFF2-40B4-BE49-F238E27FC236}">
+                <a16:creationId xmlns:a16="http://schemas.microsoft.com/office/drawing/2014/main" id="{156C6AE5-3F8B-42AC-9EA4-1B686A11E93F}"/>
+              </a:ext>
+              <a:ext uri="{C183D7F6-B498-43B3-948B-1728B52AA6E4}">
+                <adec:decorative xmlns:adec="http://schemas.microsoft.com/office/drawing/2017/decorative" val="1"/>
+              </a:ext>
+            </a:extLst>
+          </p:cNvPr>
+          <p:cNvSpPr>
+            <a:spLocks noGrp="1" noRot="1" noChangeAspect="1" noMove="1" noResize="1" noEditPoints="1" noAdjustHandles="1" noChangeArrowheads="1" noChangeShapeType="1" noTextEdit="1"/>
+          </p:cNvSpPr>
+          <p:nvPr>
+            <p:extLst>
+              <p:ext uri="{386F3935-93C4-4BCD-93E2-E3B085C9AB24}">
+                <p16:designElem xmlns:p16="http://schemas.microsoft.com/office/powerpoint/2015/main" val="1"/>
+              </p:ext>
+            </p:extLst>
+          </p:nvPr>
+        </p:nvSpPr>
+        <p:spPr>
+          <a:xfrm>
+            <a:off x="10643820" y="5835650"/>
+            <a:ext cx="1548180" cy="1022351"/>
+          </a:xfrm>
+          <a:custGeom>
+            <a:avLst/>
+            <a:gdLst>
+              <a:gd name="connsiteX0" fmla="*/ 61913 w 1548180"/>
+              <a:gd name="connsiteY0" fmla="*/ 0 h 1022351"/>
+              <a:gd name="connsiteX1" fmla="*/ 1548180 w 1548180"/>
+              <a:gd name="connsiteY1" fmla="*/ 0 h 1022351"/>
+              <a:gd name="connsiteX2" fmla="*/ 1548180 w 1548180"/>
+              <a:gd name="connsiteY2" fmla="*/ 123825 h 1022351"/>
+              <a:gd name="connsiteX3" fmla="*/ 123825 w 1548180"/>
+              <a:gd name="connsiteY3" fmla="*/ 123825 h 1022351"/>
+              <a:gd name="connsiteX4" fmla="*/ 123825 w 1548180"/>
+              <a:gd name="connsiteY4" fmla="*/ 1022351 h 1022351"/>
+              <a:gd name="connsiteX5" fmla="*/ 0 w 1548180"/>
+              <a:gd name="connsiteY5" fmla="*/ 1022351 h 1022351"/>
+              <a:gd name="connsiteX6" fmla="*/ 0 w 1548180"/>
+              <a:gd name="connsiteY6" fmla="*/ 61913 h 1022351"/>
+              <a:gd name="connsiteX7" fmla="*/ 61913 w 1548180"/>
+              <a:gd name="connsiteY7" fmla="*/ 0 h 1022351"/>
+            </a:gdLst>
+            <a:ahLst/>
+            <a:cxnLst>
+              <a:cxn ang="0">
+                <a:pos x="connsiteX0" y="connsiteY0"/>
+              </a:cxn>
+              <a:cxn ang="0">
+                <a:pos x="connsiteX1" y="connsiteY1"/>
+              </a:cxn>
+              <a:cxn ang="0">
+                <a:pos x="connsiteX2" y="connsiteY2"/>
+              </a:cxn>
+              <a:cxn ang="0">
+                <a:pos x="connsiteX3" y="connsiteY3"/>
+              </a:cxn>
+              <a:cxn ang="0">
+                <a:pos x="connsiteX4" y="connsiteY4"/>
+              </a:cxn>
+              <a:cxn ang="0">
+                <a:pos x="connsiteX5" y="connsiteY5"/>
+              </a:cxn>
+              <a:cxn ang="0">
+                <a:pos x="connsiteX6" y="connsiteY6"/>
+              </a:cxn>
+              <a:cxn ang="0">
+                <a:pos x="connsiteX7" y="connsiteY7"/>
+              </a:cxn>
+            </a:cxnLst>
+            <a:rect l="l" t="t" r="r" b="b"/>
+            <a:pathLst>
+              <a:path w="1548180" h="1022351">
+                <a:moveTo>
+                  <a:pt x="61913" y="0"/>
+                </a:moveTo>
+                <a:lnTo>
+                  <a:pt x="1548180" y="0"/>
+                </a:lnTo>
+                <a:lnTo>
+                  <a:pt x="1548180" y="123825"/>
+                </a:lnTo>
+                <a:lnTo>
+                  <a:pt x="123825" y="123825"/>
+                </a:lnTo>
+                <a:lnTo>
+                  <a:pt x="123825" y="1022351"/>
+                </a:lnTo>
+                <a:lnTo>
+                  <a:pt x="0" y="1022351"/>
+                </a:lnTo>
+                <a:lnTo>
+                  <a:pt x="0" y="61913"/>
+                </a:lnTo>
+                <a:cubicBezTo>
+                  <a:pt x="0" y="27719"/>
+                  <a:pt x="27719" y="0"/>
+                  <a:pt x="61913" y="0"/>
+                </a:cubicBezTo>
+                <a:close/>
+              </a:path>
+            </a:pathLst>
+          </a:custGeom>
+          <a:solidFill>
+            <a:schemeClr val="accent6"/>
+          </a:solidFill>
+          <a:ln w="9525" cap="flat">
+            <a:noFill/>
+            <a:prstDash val="solid"/>
+            <a:miter/>
+          </a:ln>
+        </p:spPr>
+        <p:txBody>
+          <a:bodyPr rtlCol="0" anchor="ctr"/>
+          <a:lstStyle/>
+          <a:p>
+            <a:pPr marL="0" marR="0" lvl="0" indent="0" algn="l" defTabSz="914400" rtl="0" eaLnBrk="1" fontAlgn="auto" latinLnBrk="0" hangingPunct="1">
+              <a:lnSpc>
+                <a:spcPct val="100000"/>
+              </a:lnSpc>
+              <a:spcBef>
+                <a:spcPts val="0"/>
+              </a:spcBef>
+              <a:spcAft>
+                <a:spcPts val="0"/>
+              </a:spcAft>
+              <a:buClrTx/>
+              <a:buSzTx/>
+              <a:buFontTx/>
+              <a:buNone/>
+              <a:tabLst/>
+              <a:defRPr/>
+            </a:pPr>
+            <a:endParaRPr kumimoji="0" lang="en-US" sz="1800" b="0" i="0" u="none" strike="noStrike" kern="1200" cap="none" spc="0" normalizeH="0" baseline="0" noProof="0">
+              <a:ln>
+                <a:noFill/>
+              </a:ln>
+              <a:solidFill>
+                <a:prstClr val="black"/>
+              </a:solidFill>
+              <a:effectLst/>
+              <a:uLnTx/>
+              <a:uFillTx/>
+              <a:latin typeface="Calibri" panose="020F0502020204030204"/>
+              <a:ea typeface="+mn-ea"/>
+              <a:cs typeface="+mn-cs"/>
+            </a:endParaRPr>
+          </a:p>
+        </p:txBody>
+      </p:sp>
+    </p:spTree>
+    <p:extLst>
+      <p:ext uri="{BB962C8B-B14F-4D97-AF65-F5344CB8AC3E}">
+        <p14:creationId xmlns:p14="http://schemas.microsoft.com/office/powerpoint/2010/main" val="2077912320"/>
+      </p:ext>
+    </p:extLst>
+  </p:cSld>
+  <p:clrMapOvr>
+    <a:masterClrMapping/>
+  </p:clrMapOvr>
+  <mc:AlternateContent xmlns:mc="http://schemas.openxmlformats.org/markup-compatibility/2006" xmlns:p14="http://schemas.microsoft.com/office/powerpoint/2010/main">
+    <mc:Choice Requires="p14">
+      <p:transition spd="slow" p14:dur="1500">
+        <p:fade/>
+      </p:transition>
+    </mc:Choice>
+    <mc:Fallback xmlns="">
+      <p:transition spd="slow">
+        <p:fade/>
+      </p:transition>
+    </mc:Fallback>
+  </mc:AlternateContent>
+</p:sld>
+</file>
+
+<file path=ppt/slides/slide3.xml><?xml version="1.0" encoding="utf-8"?>
 <p:sld xmlns:a="http://schemas.openxmlformats.org/drawingml/2006/main" xmlns:r="http://schemas.openxmlformats.org/officeDocument/2006/relationships" xmlns:p="http://schemas.openxmlformats.org/presentationml/2006/main">
   <p:cSld>
     <p:bg>
@@ -32567,7 +34411,7 @@
 </p:sld>
 </file>
 
-<file path=ppt/slides/slide3.xml><?xml version="1.0" encoding="utf-8"?>
+<file path=ppt/slides/slide4.xml><?xml version="1.0" encoding="utf-8"?>
 <p:sld xmlns:a="http://schemas.openxmlformats.org/drawingml/2006/main" xmlns:r="http://schemas.openxmlformats.org/officeDocument/2006/relationships" xmlns:p="http://schemas.openxmlformats.org/presentationml/2006/main">
   <p:cSld>
     <p:bg>
@@ -32705,7 +34549,7 @@
 </p:sld>
 </file>
 
-<file path=ppt/slides/slide4.xml><?xml version="1.0" encoding="utf-8"?>
+<file path=ppt/slides/slide5.xml><?xml version="1.0" encoding="utf-8"?>
 <p:sld xmlns:a="http://schemas.openxmlformats.org/drawingml/2006/main" xmlns:r="http://schemas.openxmlformats.org/officeDocument/2006/relationships" xmlns:p="http://schemas.openxmlformats.org/presentationml/2006/main">
   <p:cSld>
     <p:bg>
@@ -33474,7 +35318,7 @@
 </p:sld>
 </file>
 
-<file path=ppt/slides/slide5.xml><?xml version="1.0" encoding="utf-8"?>
+<file path=ppt/slides/slide6.xml><?xml version="1.0" encoding="utf-8"?>
 <p:sld xmlns:a="http://schemas.openxmlformats.org/drawingml/2006/main" xmlns:r="http://schemas.openxmlformats.org/officeDocument/2006/relationships" xmlns:p="http://schemas.openxmlformats.org/presentationml/2006/main">
   <p:cSld>
     <p:bg>
@@ -33888,7 +35732,7 @@
 </p:sld>
 </file>
 
-<file path=ppt/slides/slide6.xml><?xml version="1.0" encoding="utf-8"?>
+<file path=ppt/slides/slide7.xml><?xml version="1.0" encoding="utf-8"?>
 <p:sld xmlns:a="http://schemas.openxmlformats.org/drawingml/2006/main" xmlns:r="http://schemas.openxmlformats.org/officeDocument/2006/relationships" xmlns:p="http://schemas.openxmlformats.org/presentationml/2006/main">
   <p:cSld>
     <p:bg>
@@ -34178,7 +36022,7 @@
 </p:sld>
 </file>
 
-<file path=ppt/slides/slide7.xml><?xml version="1.0" encoding="utf-8"?>
+<file path=ppt/slides/slide8.xml><?xml version="1.0" encoding="utf-8"?>
 <p:sld xmlns:a="http://schemas.openxmlformats.org/drawingml/2006/main" xmlns:r="http://schemas.openxmlformats.org/officeDocument/2006/relationships" xmlns:p="http://schemas.openxmlformats.org/presentationml/2006/main">
   <p:cSld>
     <p:bg>
@@ -34659,7 +36503,7 @@
 </p:sld>
 </file>
 
-<file path=ppt/slides/slide8.xml><?xml version="1.0" encoding="utf-8"?>
+<file path=ppt/slides/slide9.xml><?xml version="1.0" encoding="utf-8"?>
 <p:sld xmlns:a="http://schemas.openxmlformats.org/drawingml/2006/main" xmlns:r="http://schemas.openxmlformats.org/officeDocument/2006/relationships" xmlns:p="http://schemas.openxmlformats.org/presentationml/2006/main">
   <p:cSld>
     <p:bg>
@@ -34916,326 +36760,6 @@
   </p:cSld>
   <p:clrMapOvr>
     <a:overrideClrMapping bg1="dk1" tx1="lt1" bg2="dk2" tx2="lt2" accent1="accent1" accent2="accent2" accent3="accent3" accent4="accent4" accent5="accent5" accent6="accent6" hlink="hlink" folHlink="folHlink"/>
-  </p:clrMapOvr>
-  <mc:AlternateContent xmlns:mc="http://schemas.openxmlformats.org/markup-compatibility/2006" xmlns:p14="http://schemas.microsoft.com/office/powerpoint/2010/main">
-    <mc:Choice Requires="p14">
-      <p:transition spd="slow" p14:dur="1500">
-        <p:fade/>
-      </p:transition>
-    </mc:Choice>
-    <mc:Fallback xmlns="">
-      <p:transition spd="slow">
-        <p:fade/>
-      </p:transition>
-    </mc:Fallback>
-  </mc:AlternateContent>
-</p:sld>
-</file>
-
-<file path=ppt/slides/slide9.xml><?xml version="1.0" encoding="utf-8"?>
-<p:sld xmlns:a="http://schemas.openxmlformats.org/drawingml/2006/main" xmlns:r="http://schemas.openxmlformats.org/officeDocument/2006/relationships" xmlns:p="http://schemas.openxmlformats.org/presentationml/2006/main">
-  <p:cSld>
-    <p:bg>
-      <p:bgPr>
-        <a:gradFill rotWithShape="1">
-          <a:gsLst>
-            <a:gs pos="0">
-              <a:schemeClr val="bg1">
-                <a:tint val="94000"/>
-                <a:satMod val="80000"/>
-                <a:lumMod val="106000"/>
-              </a:schemeClr>
-            </a:gs>
-            <a:gs pos="100000">
-              <a:schemeClr val="bg1">
-                <a:shade val="80000"/>
-                <a:lumMod val="108000"/>
-              </a:schemeClr>
-            </a:gs>
-          </a:gsLst>
-          <a:path path="circle">
-            <a:fillToRect l="43000" r="43000" b="100000"/>
-          </a:path>
-        </a:gradFill>
-        <a:effectLst/>
-      </p:bgPr>
-    </p:bg>
-    <p:spTree>
-      <p:nvGrpSpPr>
-        <p:cNvPr id="1" name=""/>
-        <p:cNvGrpSpPr/>
-        <p:nvPr/>
-      </p:nvGrpSpPr>
-      <p:grpSpPr>
-        <a:xfrm>
-          <a:off x="0" y="0"/>
-          <a:ext cx="0" cy="0"/>
-          <a:chOff x="0" y="0"/>
-          <a:chExt cx="0" cy="0"/>
-        </a:xfrm>
-      </p:grpSpPr>
-      <p:sp useBgFill="1">
-        <p:nvSpPr>
-          <p:cNvPr id="36" name="Rectangle 17">
-            <a:extLst>
-              <a:ext uri="{FF2B5EF4-FFF2-40B4-BE49-F238E27FC236}">
-                <a16:creationId xmlns:a16="http://schemas.microsoft.com/office/drawing/2014/main" id="{EF2B985F-E839-44D5-9DD8-BC9DEE343862}"/>
-              </a:ext>
-              <a:ext uri="{C183D7F6-B498-43B3-948B-1728B52AA6E4}">
-                <adec:decorative xmlns:adec="http://schemas.microsoft.com/office/drawing/2017/decorative" val="1"/>
-              </a:ext>
-            </a:extLst>
-          </p:cNvPr>
-          <p:cNvSpPr>
-            <a:spLocks noGrp="1" noRot="1" noChangeAspect="1" noMove="1" noResize="1" noEditPoints="1" noAdjustHandles="1" noChangeArrowheads="1" noChangeShapeType="1" noTextEdit="1"/>
-          </p:cNvSpPr>
-          <p:nvPr>
-            <p:extLst>
-              <p:ext uri="{386F3935-93C4-4BCD-93E2-E3B085C9AB24}">
-                <p16:designElem xmlns:p16="http://schemas.microsoft.com/office/powerpoint/2015/main" val="1"/>
-              </p:ext>
-            </p:extLst>
-          </p:nvPr>
-        </p:nvSpPr>
-        <p:spPr>
-          <a:xfrm>
-            <a:off x="2" y="0"/>
-            <a:ext cx="12191695" cy="6858000"/>
-          </a:xfrm>
-          <a:prstGeom prst="rect">
-            <a:avLst/>
-          </a:prstGeom>
-          <a:ln>
-            <a:noFill/>
-          </a:ln>
-        </p:spPr>
-        <p:style>
-          <a:lnRef idx="2">
-            <a:schemeClr val="accent1">
-              <a:shade val="50000"/>
-            </a:schemeClr>
-          </a:lnRef>
-          <a:fillRef idx="1">
-            <a:schemeClr val="accent1"/>
-          </a:fillRef>
-          <a:effectRef idx="0">
-            <a:schemeClr val="accent1"/>
-          </a:effectRef>
-          <a:fontRef idx="minor">
-            <a:schemeClr val="lt1"/>
-          </a:fontRef>
-        </p:style>
-        <p:txBody>
-          <a:bodyPr rtlCol="0" anchor="ctr"/>
-          <a:lstStyle/>
-          <a:p>
-            <a:pPr algn="ctr"/>
-            <a:endParaRPr lang="en-US"/>
-          </a:p>
-        </p:txBody>
-      </p:sp>
-      <p:sp>
-        <p:nvSpPr>
-          <p:cNvPr id="12" name="Título 11">
-            <a:extLst>
-              <a:ext uri="{FF2B5EF4-FFF2-40B4-BE49-F238E27FC236}">
-                <a16:creationId xmlns:a16="http://schemas.microsoft.com/office/drawing/2014/main" id="{4C668C8D-BC66-4F6D-8DD6-D416FE09823D}"/>
-              </a:ext>
-            </a:extLst>
-          </p:cNvPr>
-          <p:cNvSpPr>
-            <a:spLocks noGrp="1"/>
-          </p:cNvSpPr>
-          <p:nvPr>
-            <p:ph type="title"/>
-          </p:nvPr>
-        </p:nvSpPr>
-        <p:spPr>
-          <a:xfrm>
-            <a:off x="1130270" y="953324"/>
-            <a:ext cx="9603275" cy="1049235"/>
-          </a:xfrm>
-        </p:spPr>
-        <p:txBody>
-          <a:bodyPr>
-            <a:normAutofit/>
-          </a:bodyPr>
-          <a:lstStyle/>
-          <a:p>
-            <a:pPr algn="ctr"/>
-            <a:r>
-              <a:rPr lang="es-MX" sz="5400" b="1" dirty="0">
-                <a:solidFill>
-                  <a:schemeClr val="accent1"/>
-                </a:solidFill>
-              </a:rPr>
-              <a:t>COMPRA Y VENTA</a:t>
-            </a:r>
-          </a:p>
-        </p:txBody>
-      </p:sp>
-      <p:cxnSp>
-        <p:nvCxnSpPr>
-          <p:cNvPr id="37" name="Straight Connector 19">
-            <a:extLst>
-              <a:ext uri="{FF2B5EF4-FFF2-40B4-BE49-F238E27FC236}">
-                <a16:creationId xmlns:a16="http://schemas.microsoft.com/office/drawing/2014/main" id="{52D73AC3-7DF7-43FB-9D67-3CE387E94067}"/>
-              </a:ext>
-              <a:ext uri="{C183D7F6-B498-43B3-948B-1728B52AA6E4}">
-                <adec:decorative xmlns:adec="http://schemas.microsoft.com/office/drawing/2017/decorative" val="1"/>
-              </a:ext>
-            </a:extLst>
-          </p:cNvPr>
-          <p:cNvCxnSpPr>
-            <a:cxnSpLocks noGrp="1" noRot="1" noChangeAspect="1" noMove="1" noResize="1" noEditPoints="1" noAdjustHandles="1" noChangeArrowheads="1" noChangeShapeType="1"/>
-          </p:cNvCxnSpPr>
-          <p:nvPr>
-            <p:extLst>
-              <p:ext uri="{386F3935-93C4-4BCD-93E2-E3B085C9AB24}">
-                <p16:designElem xmlns:p16="http://schemas.microsoft.com/office/powerpoint/2015/main" val="1"/>
-              </p:ext>
-            </p:extLst>
-          </p:nvPr>
-        </p:nvCxnSpPr>
-        <p:spPr>
-          <a:xfrm>
-            <a:off x="1130874" y="1996645"/>
-            <a:ext cx="9603274" cy="0"/>
-          </a:xfrm>
-          <a:prstGeom prst="line">
-            <a:avLst/>
-          </a:prstGeom>
-          <a:ln w="31750"/>
-        </p:spPr>
-        <p:style>
-          <a:lnRef idx="3">
-            <a:schemeClr val="accent1"/>
-          </a:lnRef>
-          <a:fillRef idx="0">
-            <a:schemeClr val="accent1"/>
-          </a:fillRef>
-          <a:effectRef idx="2">
-            <a:schemeClr val="accent1"/>
-          </a:effectRef>
-          <a:fontRef idx="minor">
-            <a:schemeClr val="tx1"/>
-          </a:fontRef>
-        </p:style>
-      </p:cxnSp>
-      <p:sp>
-        <p:nvSpPr>
-          <p:cNvPr id="38" name="Rectangle 21">
-            <a:extLst>
-              <a:ext uri="{FF2B5EF4-FFF2-40B4-BE49-F238E27FC236}">
-                <a16:creationId xmlns:a16="http://schemas.microsoft.com/office/drawing/2014/main" id="{B965CCFE-3123-4C5E-BA80-B081F41E6662}"/>
-              </a:ext>
-              <a:ext uri="{C183D7F6-B498-43B3-948B-1728B52AA6E4}">
-                <adec:decorative xmlns:adec="http://schemas.microsoft.com/office/drawing/2017/decorative" val="1"/>
-              </a:ext>
-            </a:extLst>
-          </p:cNvPr>
-          <p:cNvSpPr>
-            <a:spLocks noGrp="1" noRot="1" noChangeAspect="1" noMove="1" noResize="1" noEditPoints="1" noAdjustHandles="1" noChangeArrowheads="1" noChangeShapeType="1" noTextEdit="1"/>
-          </p:cNvSpPr>
-          <p:nvPr>
-            <p:extLst>
-              <p:ext uri="{386F3935-93C4-4BCD-93E2-E3B085C9AB24}">
-                <p16:designElem xmlns:p16="http://schemas.microsoft.com/office/powerpoint/2015/main" val="1"/>
-              </p:ext>
-            </p:extLst>
-          </p:nvPr>
-        </p:nvSpPr>
-        <p:spPr>
-          <a:xfrm>
-            <a:off x="0" y="2019476"/>
-            <a:ext cx="12192000" cy="4838524"/>
-          </a:xfrm>
-          <a:prstGeom prst="rect">
-            <a:avLst/>
-          </a:prstGeom>
-          <a:gradFill flip="none" rotWithShape="1">
-            <a:gsLst>
-              <a:gs pos="0">
-                <a:schemeClr val="bg2">
-                  <a:alpha val="0"/>
-                </a:schemeClr>
-              </a:gs>
-              <a:gs pos="100000">
-                <a:schemeClr val="bg2"/>
-              </a:gs>
-            </a:gsLst>
-            <a:lin ang="5400000" scaled="0"/>
-            <a:tileRect/>
-          </a:gradFill>
-          <a:ln>
-            <a:noFill/>
-          </a:ln>
-        </p:spPr>
-        <p:style>
-          <a:lnRef idx="2">
-            <a:schemeClr val="accent1">
-              <a:shade val="50000"/>
-            </a:schemeClr>
-          </a:lnRef>
-          <a:fillRef idx="1">
-            <a:schemeClr val="accent1"/>
-          </a:fillRef>
-          <a:effectRef idx="0">
-            <a:schemeClr val="accent1"/>
-          </a:effectRef>
-          <a:fontRef idx="minor">
-            <a:schemeClr val="lt1"/>
-          </a:fontRef>
-        </p:style>
-        <p:txBody>
-          <a:bodyPr rtlCol="0" anchor="ctr"/>
-          <a:lstStyle/>
-          <a:p>
-            <a:pPr lvl="0" algn="ctr"/>
-            <a:endParaRPr lang="en-US"/>
-          </a:p>
-        </p:txBody>
-      </p:sp>
-      <p:graphicFrame>
-        <p:nvGraphicFramePr>
-          <p:cNvPr id="39" name="Marcador de contenido 8">
-            <a:extLst>
-              <a:ext uri="{FF2B5EF4-FFF2-40B4-BE49-F238E27FC236}">
-                <a16:creationId xmlns:a16="http://schemas.microsoft.com/office/drawing/2014/main" id="{848D1249-5876-42FF-8E33-1883A0441394}"/>
-              </a:ext>
-            </a:extLst>
-          </p:cNvPr>
-          <p:cNvGraphicFramePr>
-            <a:graphicFrameLocks noGrp="1"/>
-          </p:cNvGraphicFramePr>
-          <p:nvPr>
-            <p:ph idx="1"/>
-            <p:extLst>
-              <p:ext uri="{D42A27DB-BD31-4B8C-83A1-F6EECF244321}">
-                <p14:modId xmlns:p14="http://schemas.microsoft.com/office/powerpoint/2010/main" val="2612536653"/>
-              </p:ext>
-            </p:extLst>
-          </p:nvPr>
-        </p:nvGraphicFramePr>
-        <p:xfrm>
-          <a:off x="1130270" y="2502076"/>
-          <a:ext cx="9604375" cy="3695540"/>
-        </p:xfrm>
-        <a:graphic>
-          <a:graphicData uri="http://schemas.openxmlformats.org/drawingml/2006/diagram">
-            <dgm:relIds xmlns:dgm="http://schemas.openxmlformats.org/drawingml/2006/diagram" xmlns:r="http://schemas.openxmlformats.org/officeDocument/2006/relationships" r:dm="rId2" r:lo="rId3" r:qs="rId4" r:cs="rId5"/>
-          </a:graphicData>
-        </a:graphic>
-      </p:graphicFrame>
-    </p:spTree>
-    <p:extLst>
-      <p:ext uri="{BB962C8B-B14F-4D97-AF65-F5344CB8AC3E}">
-        <p14:creationId xmlns:p14="http://schemas.microsoft.com/office/powerpoint/2010/main" val="3424004563"/>
-      </p:ext>
-    </p:extLst>
-  </p:cSld>
-  <p:clrMapOvr>
-    <a:masterClrMapping/>
   </p:clrMapOvr>
   <mc:AlternateContent xmlns:mc="http://schemas.openxmlformats.org/markup-compatibility/2006" xmlns:p14="http://schemas.microsoft.com/office/powerpoint/2010/main">
     <mc:Choice Requires="p14">

--- a/Proyecto Completo (EDAI)/Suministro Médico.pptx
+++ b/Proyecto Completo (EDAI)/Suministro Médico.pptx
@@ -32821,7 +32821,7 @@
                   <a:schemeClr val="accent6"/>
                 </a:solidFill>
               </a:rPr>
-              <a:t>BUSCAMOS INNOVAR</a:t>
+              <a:t>DE UNA MANERA INNOVADORA</a:t>
             </a:r>
           </a:p>
         </p:txBody>
